--- a/Dataviz_Caveats.pptx
+++ b/Dataviz_Caveats.pptx
@@ -5,13 +5,40 @@
     <p:sldMasterId id="2147483648" r:id="rId1"/>
   </p:sldMasterIdLst>
   <p:notesMasterIdLst>
-    <p:notesMasterId r:id="rId6"/>
+    <p:notesMasterId r:id="rId33"/>
   </p:notesMasterIdLst>
   <p:sldIdLst>
     <p:sldId id="256" r:id="rId2"/>
-    <p:sldId id="257" r:id="rId3"/>
-    <p:sldId id="275" r:id="rId4"/>
-    <p:sldId id="283" r:id="rId5"/>
+    <p:sldId id="285" r:id="rId3"/>
+    <p:sldId id="286" r:id="rId4"/>
+    <p:sldId id="298" r:id="rId5"/>
+    <p:sldId id="299" r:id="rId6"/>
+    <p:sldId id="309" r:id="rId7"/>
+    <p:sldId id="287" r:id="rId8"/>
+    <p:sldId id="288" r:id="rId9"/>
+    <p:sldId id="289" r:id="rId10"/>
+    <p:sldId id="290" r:id="rId11"/>
+    <p:sldId id="302" r:id="rId12"/>
+    <p:sldId id="300" r:id="rId13"/>
+    <p:sldId id="291" r:id="rId14"/>
+    <p:sldId id="301" r:id="rId15"/>
+    <p:sldId id="292" r:id="rId16"/>
+    <p:sldId id="293" r:id="rId17"/>
+    <p:sldId id="294" r:id="rId18"/>
+    <p:sldId id="295" r:id="rId19"/>
+    <p:sldId id="296" r:id="rId20"/>
+    <p:sldId id="303" r:id="rId21"/>
+    <p:sldId id="304" r:id="rId22"/>
+    <p:sldId id="305" r:id="rId23"/>
+    <p:sldId id="308" r:id="rId24"/>
+    <p:sldId id="306" r:id="rId25"/>
+    <p:sldId id="311" r:id="rId26"/>
+    <p:sldId id="307" r:id="rId27"/>
+    <p:sldId id="312" r:id="rId28"/>
+    <p:sldId id="275" r:id="rId29"/>
+    <p:sldId id="313" r:id="rId30"/>
+    <p:sldId id="297" r:id="rId31"/>
+    <p:sldId id="314" r:id="rId32"/>
   </p:sldIdLst>
   <p:sldSz cx="12192000" cy="6858000"/>
   <p:notesSz cx="6858000" cy="9144000"/>
@@ -200,7 +227,7 @@
           <a:p>
             <a:fld id="{DE24B45D-B38B-5348-97F2-91F5A5915D4C}" type="datetimeFigureOut">
               <a:rPr lang="en-AU" smtClean="0"/>
-              <a:t>30/1/19</a:t>
+              <a:t>12/3/19</a:t>
             </a:fld>
             <a:endParaRPr lang="en-AU"/>
           </a:p>
@@ -487,7 +514,7 @@
       </p:grpSpPr>
       <p:sp>
         <p:nvSpPr>
-          <p:cNvPr id="2" name="Espace réservé de l’image des diapositives 1"/>
+          <p:cNvPr id="2" name="Slide Image Placeholder 1"/>
           <p:cNvSpPr>
             <a:spLocks noGrp="1" noRot="1" noChangeAspect="1"/>
           </p:cNvSpPr>
@@ -499,7 +526,7 @@
       </p:sp>
       <p:sp>
         <p:nvSpPr>
-          <p:cNvPr id="3" name="Espace réservé des commentaires 2"/>
+          <p:cNvPr id="3" name="Notes Placeholder 2"/>
           <p:cNvSpPr>
             <a:spLocks noGrp="1"/>
           </p:cNvSpPr>
@@ -518,7 +545,7 @@
       </p:sp>
       <p:sp>
         <p:nvSpPr>
-          <p:cNvPr id="4" name="Espace réservé du numéro de diapositive 3"/>
+          <p:cNvPr id="4" name="Slide Number Placeholder 3"/>
           <p:cNvSpPr>
             <a:spLocks noGrp="1"/>
           </p:cNvSpPr>
@@ -531,18 +558,522 @@
           <a:bodyPr/>
           <a:lstStyle/>
           <a:p>
-            <a:fld id="{3C97A14E-500E-A148-99C8-B80307C7DE72}" type="slidenum">
-              <a:rPr lang="en-AU" smtClean="0"/>
-              <a:t>4</a:t>
+            <a:fld id="{4353B21E-7500-F243-A508-4C47D2AF10DA}" type="slidenum">
+              <a:rPr lang="en-US" smtClean="0"/>
+              <a:t>2</a:t>
             </a:fld>
-            <a:endParaRPr lang="en-AU"/>
+            <a:endParaRPr lang="en-US"/>
           </a:p>
         </p:txBody>
       </p:sp>
     </p:spTree>
     <p:extLst>
       <p:ext uri="{BB962C8B-B14F-4D97-AF65-F5344CB8AC3E}">
-        <p14:creationId xmlns:p14="http://schemas.microsoft.com/office/powerpoint/2010/main" val="906561345"/>
+        <p14:creationId xmlns:p14="http://schemas.microsoft.com/office/powerpoint/2010/main" val="1390535648"/>
+      </p:ext>
+    </p:extLst>
+  </p:cSld>
+  <p:clrMapOvr>
+    <a:masterClrMapping/>
+  </p:clrMapOvr>
+</p:notes>
+</file>
+
+<file path=ppt/notesSlides/notesSlide2.xml><?xml version="1.0" encoding="utf-8"?>
+<p:notes xmlns:a="http://schemas.openxmlformats.org/drawingml/2006/main" xmlns:r="http://schemas.openxmlformats.org/officeDocument/2006/relationships" xmlns:p="http://schemas.openxmlformats.org/presentationml/2006/main">
+  <p:cSld>
+    <p:spTree>
+      <p:nvGrpSpPr>
+        <p:cNvPr id="1" name=""/>
+        <p:cNvGrpSpPr/>
+        <p:nvPr/>
+      </p:nvGrpSpPr>
+      <p:grpSpPr>
+        <a:xfrm>
+          <a:off x="0" y="0"/>
+          <a:ext cx="0" cy="0"/>
+          <a:chOff x="0" y="0"/>
+          <a:chExt cx="0" cy="0"/>
+        </a:xfrm>
+      </p:grpSpPr>
+      <p:sp>
+        <p:nvSpPr>
+          <p:cNvPr id="2" name="Slide Image Placeholder 1"/>
+          <p:cNvSpPr>
+            <a:spLocks noGrp="1" noRot="1" noChangeAspect="1"/>
+          </p:cNvSpPr>
+          <p:nvPr>
+            <p:ph type="sldImg"/>
+          </p:nvPr>
+        </p:nvSpPr>
+        <p:spPr/>
+      </p:sp>
+      <p:sp>
+        <p:nvSpPr>
+          <p:cNvPr id="3" name="Notes Placeholder 2"/>
+          <p:cNvSpPr>
+            <a:spLocks noGrp="1"/>
+          </p:cNvSpPr>
+          <p:nvPr>
+            <p:ph type="body" idx="1"/>
+          </p:nvPr>
+        </p:nvSpPr>
+        <p:spPr/>
+        <p:txBody>
+          <a:bodyPr/>
+          <a:lstStyle/>
+          <a:p>
+            <a:endParaRPr lang="en-AU" dirty="0"/>
+          </a:p>
+        </p:txBody>
+      </p:sp>
+      <p:sp>
+        <p:nvSpPr>
+          <p:cNvPr id="4" name="Slide Number Placeholder 3"/>
+          <p:cNvSpPr>
+            <a:spLocks noGrp="1"/>
+          </p:cNvSpPr>
+          <p:nvPr>
+            <p:ph type="sldNum" sz="quarter" idx="10"/>
+          </p:nvPr>
+        </p:nvSpPr>
+        <p:spPr/>
+        <p:txBody>
+          <a:bodyPr/>
+          <a:lstStyle/>
+          <a:p>
+            <a:fld id="{4353B21E-7500-F243-A508-4C47D2AF10DA}" type="slidenum">
+              <a:rPr lang="en-US" smtClean="0"/>
+              <a:t>3</a:t>
+            </a:fld>
+            <a:endParaRPr lang="en-US"/>
+          </a:p>
+        </p:txBody>
+      </p:sp>
+    </p:spTree>
+    <p:extLst>
+      <p:ext uri="{BB962C8B-B14F-4D97-AF65-F5344CB8AC3E}">
+        <p14:creationId xmlns:p14="http://schemas.microsoft.com/office/powerpoint/2010/main" val="1013922351"/>
+      </p:ext>
+    </p:extLst>
+  </p:cSld>
+  <p:clrMapOvr>
+    <a:masterClrMapping/>
+  </p:clrMapOvr>
+</p:notes>
+</file>
+
+<file path=ppt/notesSlides/notesSlide3.xml><?xml version="1.0" encoding="utf-8"?>
+<p:notes xmlns:a="http://schemas.openxmlformats.org/drawingml/2006/main" xmlns:r="http://schemas.openxmlformats.org/officeDocument/2006/relationships" xmlns:p="http://schemas.openxmlformats.org/presentationml/2006/main">
+  <p:cSld>
+    <p:spTree>
+      <p:nvGrpSpPr>
+        <p:cNvPr id="1" name=""/>
+        <p:cNvGrpSpPr/>
+        <p:nvPr/>
+      </p:nvGrpSpPr>
+      <p:grpSpPr>
+        <a:xfrm>
+          <a:off x="0" y="0"/>
+          <a:ext cx="0" cy="0"/>
+          <a:chOff x="0" y="0"/>
+          <a:chExt cx="0" cy="0"/>
+        </a:xfrm>
+      </p:grpSpPr>
+      <p:sp>
+        <p:nvSpPr>
+          <p:cNvPr id="2" name="Slide Image Placeholder 1"/>
+          <p:cNvSpPr>
+            <a:spLocks noGrp="1" noRot="1" noChangeAspect="1"/>
+          </p:cNvSpPr>
+          <p:nvPr>
+            <p:ph type="sldImg"/>
+          </p:nvPr>
+        </p:nvSpPr>
+        <p:spPr/>
+      </p:sp>
+      <p:sp>
+        <p:nvSpPr>
+          <p:cNvPr id="3" name="Notes Placeholder 2"/>
+          <p:cNvSpPr>
+            <a:spLocks noGrp="1"/>
+          </p:cNvSpPr>
+          <p:nvPr>
+            <p:ph type="body" idx="1"/>
+          </p:nvPr>
+        </p:nvSpPr>
+        <p:spPr/>
+        <p:txBody>
+          <a:bodyPr/>
+          <a:lstStyle/>
+          <a:p>
+            <a:endParaRPr lang="en-AU" dirty="0"/>
+          </a:p>
+        </p:txBody>
+      </p:sp>
+      <p:sp>
+        <p:nvSpPr>
+          <p:cNvPr id="4" name="Slide Number Placeholder 3"/>
+          <p:cNvSpPr>
+            <a:spLocks noGrp="1"/>
+          </p:cNvSpPr>
+          <p:nvPr>
+            <p:ph type="sldNum" sz="quarter" idx="10"/>
+          </p:nvPr>
+        </p:nvSpPr>
+        <p:spPr/>
+        <p:txBody>
+          <a:bodyPr/>
+          <a:lstStyle/>
+          <a:p>
+            <a:fld id="{4353B21E-7500-F243-A508-4C47D2AF10DA}" type="slidenum">
+              <a:rPr lang="en-US" smtClean="0"/>
+              <a:t>4</a:t>
+            </a:fld>
+            <a:endParaRPr lang="en-US"/>
+          </a:p>
+        </p:txBody>
+      </p:sp>
+    </p:spTree>
+    <p:extLst>
+      <p:ext uri="{BB962C8B-B14F-4D97-AF65-F5344CB8AC3E}">
+        <p14:creationId xmlns:p14="http://schemas.microsoft.com/office/powerpoint/2010/main" val="1306301041"/>
+      </p:ext>
+    </p:extLst>
+  </p:cSld>
+  <p:clrMapOvr>
+    <a:masterClrMapping/>
+  </p:clrMapOvr>
+</p:notes>
+</file>
+
+<file path=ppt/notesSlides/notesSlide4.xml><?xml version="1.0" encoding="utf-8"?>
+<p:notes xmlns:a="http://schemas.openxmlformats.org/drawingml/2006/main" xmlns:r="http://schemas.openxmlformats.org/officeDocument/2006/relationships" xmlns:p="http://schemas.openxmlformats.org/presentationml/2006/main">
+  <p:cSld>
+    <p:spTree>
+      <p:nvGrpSpPr>
+        <p:cNvPr id="1" name=""/>
+        <p:cNvGrpSpPr/>
+        <p:nvPr/>
+      </p:nvGrpSpPr>
+      <p:grpSpPr>
+        <a:xfrm>
+          <a:off x="0" y="0"/>
+          <a:ext cx="0" cy="0"/>
+          <a:chOff x="0" y="0"/>
+          <a:chExt cx="0" cy="0"/>
+        </a:xfrm>
+      </p:grpSpPr>
+      <p:sp>
+        <p:nvSpPr>
+          <p:cNvPr id="2" name="Slide Image Placeholder 1"/>
+          <p:cNvSpPr>
+            <a:spLocks noGrp="1" noRot="1" noChangeAspect="1"/>
+          </p:cNvSpPr>
+          <p:nvPr>
+            <p:ph type="sldImg"/>
+          </p:nvPr>
+        </p:nvSpPr>
+        <p:spPr/>
+      </p:sp>
+      <p:sp>
+        <p:nvSpPr>
+          <p:cNvPr id="3" name="Notes Placeholder 2"/>
+          <p:cNvSpPr>
+            <a:spLocks noGrp="1"/>
+          </p:cNvSpPr>
+          <p:nvPr>
+            <p:ph type="body" idx="1"/>
+          </p:nvPr>
+        </p:nvSpPr>
+        <p:spPr/>
+        <p:txBody>
+          <a:bodyPr/>
+          <a:lstStyle/>
+          <a:p>
+            <a:endParaRPr lang="en-AU" dirty="0"/>
+          </a:p>
+        </p:txBody>
+      </p:sp>
+      <p:sp>
+        <p:nvSpPr>
+          <p:cNvPr id="4" name="Slide Number Placeholder 3"/>
+          <p:cNvSpPr>
+            <a:spLocks noGrp="1"/>
+          </p:cNvSpPr>
+          <p:nvPr>
+            <p:ph type="sldNum" sz="quarter" idx="10"/>
+          </p:nvPr>
+        </p:nvSpPr>
+        <p:spPr/>
+        <p:txBody>
+          <a:bodyPr/>
+          <a:lstStyle/>
+          <a:p>
+            <a:fld id="{4353B21E-7500-F243-A508-4C47D2AF10DA}" type="slidenum">
+              <a:rPr lang="en-US" smtClean="0"/>
+              <a:t>5</a:t>
+            </a:fld>
+            <a:endParaRPr lang="en-US"/>
+          </a:p>
+        </p:txBody>
+      </p:sp>
+    </p:spTree>
+    <p:extLst>
+      <p:ext uri="{BB962C8B-B14F-4D97-AF65-F5344CB8AC3E}">
+        <p14:creationId xmlns:p14="http://schemas.microsoft.com/office/powerpoint/2010/main" val="365492357"/>
+      </p:ext>
+    </p:extLst>
+  </p:cSld>
+  <p:clrMapOvr>
+    <a:masterClrMapping/>
+  </p:clrMapOvr>
+</p:notes>
+</file>
+
+<file path=ppt/notesSlides/notesSlide5.xml><?xml version="1.0" encoding="utf-8"?>
+<p:notes xmlns:a="http://schemas.openxmlformats.org/drawingml/2006/main" xmlns:r="http://schemas.openxmlformats.org/officeDocument/2006/relationships" xmlns:p="http://schemas.openxmlformats.org/presentationml/2006/main">
+  <p:cSld>
+    <p:spTree>
+      <p:nvGrpSpPr>
+        <p:cNvPr id="1" name=""/>
+        <p:cNvGrpSpPr/>
+        <p:nvPr/>
+      </p:nvGrpSpPr>
+      <p:grpSpPr>
+        <a:xfrm>
+          <a:off x="0" y="0"/>
+          <a:ext cx="0" cy="0"/>
+          <a:chOff x="0" y="0"/>
+          <a:chExt cx="0" cy="0"/>
+        </a:xfrm>
+      </p:grpSpPr>
+      <p:sp>
+        <p:nvSpPr>
+          <p:cNvPr id="2" name="Slide Image Placeholder 1"/>
+          <p:cNvSpPr>
+            <a:spLocks noGrp="1" noRot="1" noChangeAspect="1"/>
+          </p:cNvSpPr>
+          <p:nvPr>
+            <p:ph type="sldImg"/>
+          </p:nvPr>
+        </p:nvSpPr>
+        <p:spPr/>
+      </p:sp>
+      <p:sp>
+        <p:nvSpPr>
+          <p:cNvPr id="3" name="Notes Placeholder 2"/>
+          <p:cNvSpPr>
+            <a:spLocks noGrp="1"/>
+          </p:cNvSpPr>
+          <p:nvPr>
+            <p:ph type="body" idx="1"/>
+          </p:nvPr>
+        </p:nvSpPr>
+        <p:spPr/>
+        <p:txBody>
+          <a:bodyPr/>
+          <a:lstStyle/>
+          <a:p>
+            <a:endParaRPr lang="en-AU" dirty="0"/>
+          </a:p>
+        </p:txBody>
+      </p:sp>
+      <p:sp>
+        <p:nvSpPr>
+          <p:cNvPr id="4" name="Slide Number Placeholder 3"/>
+          <p:cNvSpPr>
+            <a:spLocks noGrp="1"/>
+          </p:cNvSpPr>
+          <p:nvPr>
+            <p:ph type="sldNum" sz="quarter" idx="10"/>
+          </p:nvPr>
+        </p:nvSpPr>
+        <p:spPr/>
+        <p:txBody>
+          <a:bodyPr/>
+          <a:lstStyle/>
+          <a:p>
+            <a:fld id="{4353B21E-7500-F243-A508-4C47D2AF10DA}" type="slidenum">
+              <a:rPr lang="en-US" smtClean="0"/>
+              <a:t>6</a:t>
+            </a:fld>
+            <a:endParaRPr lang="en-US"/>
+          </a:p>
+        </p:txBody>
+      </p:sp>
+    </p:spTree>
+    <p:extLst>
+      <p:ext uri="{BB962C8B-B14F-4D97-AF65-F5344CB8AC3E}">
+        <p14:creationId xmlns:p14="http://schemas.microsoft.com/office/powerpoint/2010/main" val="1130156926"/>
+      </p:ext>
+    </p:extLst>
+  </p:cSld>
+  <p:clrMapOvr>
+    <a:masterClrMapping/>
+  </p:clrMapOvr>
+</p:notes>
+</file>
+
+<file path=ppt/notesSlides/notesSlide6.xml><?xml version="1.0" encoding="utf-8"?>
+<p:notes xmlns:a="http://schemas.openxmlformats.org/drawingml/2006/main" xmlns:r="http://schemas.openxmlformats.org/officeDocument/2006/relationships" xmlns:p="http://schemas.openxmlformats.org/presentationml/2006/main">
+  <p:cSld>
+    <p:spTree>
+      <p:nvGrpSpPr>
+        <p:cNvPr id="1" name=""/>
+        <p:cNvGrpSpPr/>
+        <p:nvPr/>
+      </p:nvGrpSpPr>
+      <p:grpSpPr>
+        <a:xfrm>
+          <a:off x="0" y="0"/>
+          <a:ext cx="0" cy="0"/>
+          <a:chOff x="0" y="0"/>
+          <a:chExt cx="0" cy="0"/>
+        </a:xfrm>
+      </p:grpSpPr>
+      <p:sp>
+        <p:nvSpPr>
+          <p:cNvPr id="2" name="Slide Image Placeholder 1"/>
+          <p:cNvSpPr>
+            <a:spLocks noGrp="1" noRot="1" noChangeAspect="1"/>
+          </p:cNvSpPr>
+          <p:nvPr>
+            <p:ph type="sldImg"/>
+          </p:nvPr>
+        </p:nvSpPr>
+        <p:spPr/>
+      </p:sp>
+      <p:sp>
+        <p:nvSpPr>
+          <p:cNvPr id="3" name="Notes Placeholder 2"/>
+          <p:cNvSpPr>
+            <a:spLocks noGrp="1"/>
+          </p:cNvSpPr>
+          <p:nvPr>
+            <p:ph type="body" idx="1"/>
+          </p:nvPr>
+        </p:nvSpPr>
+        <p:spPr/>
+        <p:txBody>
+          <a:bodyPr/>
+          <a:lstStyle/>
+          <a:p>
+            <a:endParaRPr lang="en-AU" dirty="0"/>
+          </a:p>
+        </p:txBody>
+      </p:sp>
+      <p:sp>
+        <p:nvSpPr>
+          <p:cNvPr id="4" name="Slide Number Placeholder 3"/>
+          <p:cNvSpPr>
+            <a:spLocks noGrp="1"/>
+          </p:cNvSpPr>
+          <p:nvPr>
+            <p:ph type="sldNum" sz="quarter" idx="10"/>
+          </p:nvPr>
+        </p:nvSpPr>
+        <p:spPr/>
+        <p:txBody>
+          <a:bodyPr/>
+          <a:lstStyle/>
+          <a:p>
+            <a:fld id="{4353B21E-7500-F243-A508-4C47D2AF10DA}" type="slidenum">
+              <a:rPr lang="en-US" smtClean="0"/>
+              <a:t>7</a:t>
+            </a:fld>
+            <a:endParaRPr lang="en-US"/>
+          </a:p>
+        </p:txBody>
+      </p:sp>
+    </p:spTree>
+    <p:extLst>
+      <p:ext uri="{BB962C8B-B14F-4D97-AF65-F5344CB8AC3E}">
+        <p14:creationId xmlns:p14="http://schemas.microsoft.com/office/powerpoint/2010/main" val="857831758"/>
+      </p:ext>
+    </p:extLst>
+  </p:cSld>
+  <p:clrMapOvr>
+    <a:masterClrMapping/>
+  </p:clrMapOvr>
+</p:notes>
+</file>
+
+<file path=ppt/notesSlides/notesSlide7.xml><?xml version="1.0" encoding="utf-8"?>
+<p:notes xmlns:a="http://schemas.openxmlformats.org/drawingml/2006/main" xmlns:r="http://schemas.openxmlformats.org/officeDocument/2006/relationships" xmlns:p="http://schemas.openxmlformats.org/presentationml/2006/main">
+  <p:cSld>
+    <p:spTree>
+      <p:nvGrpSpPr>
+        <p:cNvPr id="1" name=""/>
+        <p:cNvGrpSpPr/>
+        <p:nvPr/>
+      </p:nvGrpSpPr>
+      <p:grpSpPr>
+        <a:xfrm>
+          <a:off x="0" y="0"/>
+          <a:ext cx="0" cy="0"/>
+          <a:chOff x="0" y="0"/>
+          <a:chExt cx="0" cy="0"/>
+        </a:xfrm>
+      </p:grpSpPr>
+      <p:sp>
+        <p:nvSpPr>
+          <p:cNvPr id="2" name="Slide Image Placeholder 1"/>
+          <p:cNvSpPr>
+            <a:spLocks noGrp="1" noRot="1" noChangeAspect="1"/>
+          </p:cNvSpPr>
+          <p:nvPr>
+            <p:ph type="sldImg"/>
+          </p:nvPr>
+        </p:nvSpPr>
+        <p:spPr/>
+      </p:sp>
+      <p:sp>
+        <p:nvSpPr>
+          <p:cNvPr id="3" name="Notes Placeholder 2"/>
+          <p:cNvSpPr>
+            <a:spLocks noGrp="1"/>
+          </p:cNvSpPr>
+          <p:nvPr>
+            <p:ph type="body" idx="1"/>
+          </p:nvPr>
+        </p:nvSpPr>
+        <p:spPr/>
+        <p:txBody>
+          <a:bodyPr/>
+          <a:lstStyle/>
+          <a:p>
+            <a:endParaRPr lang="en-AU" dirty="0"/>
+          </a:p>
+        </p:txBody>
+      </p:sp>
+      <p:sp>
+        <p:nvSpPr>
+          <p:cNvPr id="4" name="Slide Number Placeholder 3"/>
+          <p:cNvSpPr>
+            <a:spLocks noGrp="1"/>
+          </p:cNvSpPr>
+          <p:nvPr>
+            <p:ph type="sldNum" sz="quarter" idx="10"/>
+          </p:nvPr>
+        </p:nvSpPr>
+        <p:spPr/>
+        <p:txBody>
+          <a:bodyPr/>
+          <a:lstStyle/>
+          <a:p>
+            <a:fld id="{4353B21E-7500-F243-A508-4C47D2AF10DA}" type="slidenum">
+              <a:rPr lang="en-US" smtClean="0"/>
+              <a:t>8</a:t>
+            </a:fld>
+            <a:endParaRPr lang="en-US"/>
+          </a:p>
+        </p:txBody>
+      </p:sp>
+    </p:spTree>
+    <p:extLst>
+      <p:ext uri="{BB962C8B-B14F-4D97-AF65-F5344CB8AC3E}">
+        <p14:creationId xmlns:p14="http://schemas.microsoft.com/office/powerpoint/2010/main" val="99393818"/>
       </p:ext>
     </p:extLst>
   </p:cSld>
@@ -683,7 +1214,7 @@
           <a:p>
             <a:fld id="{95F34277-3EED-7A4D-A803-67027078CA3E}" type="datetimeFigureOut">
               <a:rPr lang="fr-FR" smtClean="0"/>
-              <a:t>30/01/2019</a:t>
+              <a:t>12/03/2019</a:t>
             </a:fld>
             <a:endParaRPr lang="fr-FR"/>
           </a:p>
@@ -853,7 +1384,7 @@
           <a:p>
             <a:fld id="{95F34277-3EED-7A4D-A803-67027078CA3E}" type="datetimeFigureOut">
               <a:rPr lang="fr-FR" smtClean="0"/>
-              <a:t>30/01/2019</a:t>
+              <a:t>12/03/2019</a:t>
             </a:fld>
             <a:endParaRPr lang="fr-FR"/>
           </a:p>
@@ -1033,7 +1564,7 @@
           <a:p>
             <a:fld id="{95F34277-3EED-7A4D-A803-67027078CA3E}" type="datetimeFigureOut">
               <a:rPr lang="fr-FR" smtClean="0"/>
-              <a:t>30/01/2019</a:t>
+              <a:t>12/03/2019</a:t>
             </a:fld>
             <a:endParaRPr lang="fr-FR"/>
           </a:p>
@@ -1203,7 +1734,7 @@
           <a:p>
             <a:fld id="{95F34277-3EED-7A4D-A803-67027078CA3E}" type="datetimeFigureOut">
               <a:rPr lang="fr-FR" smtClean="0"/>
-              <a:t>30/01/2019</a:t>
+              <a:t>12/03/2019</a:t>
             </a:fld>
             <a:endParaRPr lang="fr-FR"/>
           </a:p>
@@ -1449,7 +1980,7 @@
           <a:p>
             <a:fld id="{95F34277-3EED-7A4D-A803-67027078CA3E}" type="datetimeFigureOut">
               <a:rPr lang="fr-FR" smtClean="0"/>
-              <a:t>30/01/2019</a:t>
+              <a:t>12/03/2019</a:t>
             </a:fld>
             <a:endParaRPr lang="fr-FR"/>
           </a:p>
@@ -1681,7 +2212,7 @@
           <a:p>
             <a:fld id="{95F34277-3EED-7A4D-A803-67027078CA3E}" type="datetimeFigureOut">
               <a:rPr lang="fr-FR" smtClean="0"/>
-              <a:t>30/01/2019</a:t>
+              <a:t>12/03/2019</a:t>
             </a:fld>
             <a:endParaRPr lang="fr-FR"/>
           </a:p>
@@ -2048,7 +2579,7 @@
           <a:p>
             <a:fld id="{95F34277-3EED-7A4D-A803-67027078CA3E}" type="datetimeFigureOut">
               <a:rPr lang="fr-FR" smtClean="0"/>
-              <a:t>30/01/2019</a:t>
+              <a:t>12/03/2019</a:t>
             </a:fld>
             <a:endParaRPr lang="fr-FR"/>
           </a:p>
@@ -2166,7 +2697,7 @@
           <a:p>
             <a:fld id="{95F34277-3EED-7A4D-A803-67027078CA3E}" type="datetimeFigureOut">
               <a:rPr lang="fr-FR" smtClean="0"/>
-              <a:t>30/01/2019</a:t>
+              <a:t>12/03/2019</a:t>
             </a:fld>
             <a:endParaRPr lang="fr-FR"/>
           </a:p>
@@ -2261,7 +2792,7 @@
           <a:p>
             <a:fld id="{95F34277-3EED-7A4D-A803-67027078CA3E}" type="datetimeFigureOut">
               <a:rPr lang="fr-FR" smtClean="0"/>
-              <a:t>30/01/2019</a:t>
+              <a:t>12/03/2019</a:t>
             </a:fld>
             <a:endParaRPr lang="fr-FR"/>
           </a:p>
@@ -2538,7 +3069,7 @@
           <a:p>
             <a:fld id="{95F34277-3EED-7A4D-A803-67027078CA3E}" type="datetimeFigureOut">
               <a:rPr lang="fr-FR" smtClean="0"/>
-              <a:t>30/01/2019</a:t>
+              <a:t>12/03/2019</a:t>
             </a:fld>
             <a:endParaRPr lang="fr-FR"/>
           </a:p>
@@ -2791,7 +3322,7 @@
           <a:p>
             <a:fld id="{95F34277-3EED-7A4D-A803-67027078CA3E}" type="datetimeFigureOut">
               <a:rPr lang="fr-FR" smtClean="0"/>
-              <a:t>30/01/2019</a:t>
+              <a:t>12/03/2019</a:t>
             </a:fld>
             <a:endParaRPr lang="fr-FR"/>
           </a:p>
@@ -3004,7 +3535,7 @@
           <a:p>
             <a:fld id="{95F34277-3EED-7A4D-A803-67027078CA3E}" type="datetimeFigureOut">
               <a:rPr lang="fr-FR" smtClean="0"/>
-              <a:t>30/01/2019</a:t>
+              <a:t>12/03/2019</a:t>
             </a:fld>
             <a:endParaRPr lang="fr-FR"/>
           </a:p>
@@ -3411,7 +3942,7 @@
       </p:grpSpPr>
       <p:pic>
         <p:nvPicPr>
-          <p:cNvPr id="8" name="Image 7"/>
+          <p:cNvPr id="2" name="Image 1"/>
           <p:cNvPicPr>
             <a:picLocks noChangeAspect="1"/>
           </p:cNvPicPr>
@@ -3419,7 +3950,6 @@
         </p:nvPicPr>
         <p:blipFill>
           <a:blip r:embed="rId2">
-            <a:alphaModFix amt="24000"/>
             <a:extLst>
               <a:ext uri="{28A0092B-C50C-407E-A947-70E740481C1C}">
                 <a14:useLocalDpi xmlns:a14="http://schemas.microsoft.com/office/drawing/2010/main" val="0"/>
@@ -3432,8 +3962,8 @@
         </p:blipFill>
         <p:spPr>
           <a:xfrm>
-            <a:off x="-2411662" y="16042"/>
-            <a:ext cx="17808514" cy="6858000"/>
+            <a:off x="-2729949" y="6684"/>
+            <a:ext cx="16408795" cy="6858000"/>
           </a:xfrm>
           <a:prstGeom prst="rect">
             <a:avLst/>
@@ -3475,7 +4005,6 @@
               <a:rPr lang="en-CA" i="1" dirty="0" smtClean="0"/>
               <a:t> caveats</a:t>
             </a:r>
-            <a:endParaRPr lang="en-CA" i="1" dirty="0" smtClean="0"/>
           </a:p>
         </p:txBody>
       </p:sp>
@@ -3634,6 +4163,2003 @@
     <p:extLst>
       <p:ext uri="{BB962C8B-B14F-4D97-AF65-F5344CB8AC3E}">
         <p14:creationId xmlns:p14="http://schemas.microsoft.com/office/powerpoint/2010/main" val="1957141425"/>
+      </p:ext>
+    </p:extLst>
+  </p:cSld>
+  <p:clrMapOvr>
+    <a:masterClrMapping/>
+  </p:clrMapOvr>
+  <p:timing>
+    <p:tnLst>
+      <p:par>
+        <p:cTn id="1" dur="indefinite" restart="never" nodeType="tmRoot"/>
+      </p:par>
+    </p:tnLst>
+  </p:timing>
+</p:sld>
+</file>
+
+<file path=ppt/slides/slide10.xml><?xml version="1.0" encoding="utf-8"?>
+<p:sld xmlns:a="http://schemas.openxmlformats.org/drawingml/2006/main" xmlns:r="http://schemas.openxmlformats.org/officeDocument/2006/relationships" xmlns:p="http://schemas.openxmlformats.org/presentationml/2006/main">
+  <p:cSld>
+    <p:spTree>
+      <p:nvGrpSpPr>
+        <p:cNvPr id="1" name=""/>
+        <p:cNvGrpSpPr/>
+        <p:nvPr/>
+      </p:nvGrpSpPr>
+      <p:grpSpPr>
+        <a:xfrm>
+          <a:off x="0" y="0"/>
+          <a:ext cx="0" cy="0"/>
+          <a:chOff x="0" y="0"/>
+          <a:chExt cx="0" cy="0"/>
+        </a:xfrm>
+      </p:grpSpPr>
+      <p:pic>
+        <p:nvPicPr>
+          <p:cNvPr id="2" name="Picture 1"/>
+          <p:cNvPicPr>
+            <a:picLocks noChangeAspect="1"/>
+          </p:cNvPicPr>
+          <p:nvPr/>
+        </p:nvPicPr>
+        <p:blipFill>
+          <a:blip r:embed="rId2"/>
+          <a:stretch>
+            <a:fillRect/>
+          </a:stretch>
+        </p:blipFill>
+        <p:spPr>
+          <a:xfrm>
+            <a:off x="1638300" y="1607150"/>
+            <a:ext cx="9791700" cy="4386515"/>
+          </a:xfrm>
+          <a:prstGeom prst="rect">
+            <a:avLst/>
+          </a:prstGeom>
+        </p:spPr>
+      </p:pic>
+      <p:sp>
+        <p:nvSpPr>
+          <p:cNvPr id="5" name="ZoneTexte 3"/>
+          <p:cNvSpPr txBox="1"/>
+          <p:nvPr/>
+        </p:nvSpPr>
+        <p:spPr>
+          <a:xfrm>
+            <a:off x="6881104" y="3676146"/>
+            <a:ext cx="1533163" cy="646331"/>
+          </a:xfrm>
+          <a:prstGeom prst="rect">
+            <a:avLst/>
+          </a:prstGeom>
+          <a:noFill/>
+        </p:spPr>
+        <p:txBody>
+          <a:bodyPr wrap="square" rtlCol="0">
+            <a:spAutoFit/>
+          </a:bodyPr>
+          <a:lstStyle>
+            <a:defPPr>
+              <a:defRPr lang="fr-FR"/>
+            </a:defPPr>
+            <a:lvl1pPr algn="ctr">
+              <a:defRPr>
+                <a:solidFill>
+                  <a:srgbClr val="FF0000"/>
+                </a:solidFill>
+              </a:defRPr>
+            </a:lvl1pPr>
+          </a:lstStyle>
+          <a:p>
+            <a:r>
+              <a:rPr lang="fr-FR" dirty="0" smtClean="0"/>
+              <a:t>Bimodal distribution</a:t>
+            </a:r>
+            <a:endParaRPr lang="fr-FR" dirty="0"/>
+          </a:p>
+        </p:txBody>
+      </p:sp>
+      <p:cxnSp>
+        <p:nvCxnSpPr>
+          <p:cNvPr id="6" name="Connecteur droit avec flèche 5"/>
+          <p:cNvCxnSpPr/>
+          <p:nvPr/>
+        </p:nvCxnSpPr>
+        <p:spPr>
+          <a:xfrm flipH="1" flipV="1">
+            <a:off x="6609054" y="3999312"/>
+            <a:ext cx="544100" cy="5529"/>
+          </a:xfrm>
+          <a:prstGeom prst="straightConnector1">
+            <a:avLst/>
+          </a:prstGeom>
+          <a:ln w="34925">
+            <a:solidFill>
+              <a:srgbClr val="FF0000"/>
+            </a:solidFill>
+            <a:tailEnd type="triangle"/>
+          </a:ln>
+        </p:spPr>
+        <p:style>
+          <a:lnRef idx="1">
+            <a:schemeClr val="accent1"/>
+          </a:lnRef>
+          <a:fillRef idx="0">
+            <a:schemeClr val="accent1"/>
+          </a:fillRef>
+          <a:effectRef idx="0">
+            <a:schemeClr val="accent1"/>
+          </a:effectRef>
+          <a:fontRef idx="minor">
+            <a:schemeClr val="tx1"/>
+          </a:fontRef>
+        </p:style>
+      </p:cxnSp>
+      <p:cxnSp>
+        <p:nvCxnSpPr>
+          <p:cNvPr id="7" name="Connecteur droit avec flèche 6"/>
+          <p:cNvCxnSpPr/>
+          <p:nvPr/>
+        </p:nvCxnSpPr>
+        <p:spPr>
+          <a:xfrm flipH="1" flipV="1">
+            <a:off x="8879622" y="3086842"/>
+            <a:ext cx="544100" cy="5529"/>
+          </a:xfrm>
+          <a:prstGeom prst="straightConnector1">
+            <a:avLst/>
+          </a:prstGeom>
+          <a:ln w="34925">
+            <a:solidFill>
+              <a:srgbClr val="FF0000"/>
+            </a:solidFill>
+            <a:tailEnd type="triangle"/>
+          </a:ln>
+        </p:spPr>
+        <p:style>
+          <a:lnRef idx="1">
+            <a:schemeClr val="accent1"/>
+          </a:lnRef>
+          <a:fillRef idx="0">
+            <a:schemeClr val="accent1"/>
+          </a:fillRef>
+          <a:effectRef idx="0">
+            <a:schemeClr val="accent1"/>
+          </a:effectRef>
+          <a:fontRef idx="minor">
+            <a:schemeClr val="tx1"/>
+          </a:fontRef>
+        </p:style>
+      </p:cxnSp>
+      <p:sp>
+        <p:nvSpPr>
+          <p:cNvPr id="8" name="ZoneTexte 3"/>
+          <p:cNvSpPr txBox="1"/>
+          <p:nvPr/>
+        </p:nvSpPr>
+        <p:spPr>
+          <a:xfrm>
+            <a:off x="9423722" y="2763676"/>
+            <a:ext cx="1533163" cy="646331"/>
+          </a:xfrm>
+          <a:prstGeom prst="rect">
+            <a:avLst/>
+          </a:prstGeom>
+          <a:noFill/>
+        </p:spPr>
+        <p:txBody>
+          <a:bodyPr wrap="square" rtlCol="0">
+            <a:spAutoFit/>
+          </a:bodyPr>
+          <a:lstStyle>
+            <a:defPPr>
+              <a:defRPr lang="fr-FR"/>
+            </a:defPPr>
+            <a:lvl1pPr algn="ctr">
+              <a:defRPr>
+                <a:solidFill>
+                  <a:srgbClr val="FF0000"/>
+                </a:solidFill>
+              </a:defRPr>
+            </a:lvl1pPr>
+          </a:lstStyle>
+          <a:p>
+            <a:r>
+              <a:rPr lang="fr-FR" dirty="0" err="1" smtClean="0"/>
+              <a:t>Almost</a:t>
+            </a:r>
+            <a:r>
+              <a:rPr lang="fr-FR" dirty="0" smtClean="0"/>
+              <a:t> no data !</a:t>
+            </a:r>
+            <a:endParaRPr lang="fr-FR" dirty="0"/>
+          </a:p>
+        </p:txBody>
+      </p:sp>
+      <p:cxnSp>
+        <p:nvCxnSpPr>
+          <p:cNvPr id="9" name="Connecteur droit avec flèche 8"/>
+          <p:cNvCxnSpPr/>
+          <p:nvPr/>
+        </p:nvCxnSpPr>
+        <p:spPr>
+          <a:xfrm>
+            <a:off x="10171735" y="3410007"/>
+            <a:ext cx="0" cy="473011"/>
+          </a:xfrm>
+          <a:prstGeom prst="straightConnector1">
+            <a:avLst/>
+          </a:prstGeom>
+          <a:ln w="34925">
+            <a:solidFill>
+              <a:srgbClr val="FF0000"/>
+            </a:solidFill>
+            <a:tailEnd type="triangle"/>
+          </a:ln>
+        </p:spPr>
+        <p:style>
+          <a:lnRef idx="1">
+            <a:schemeClr val="accent1"/>
+          </a:lnRef>
+          <a:fillRef idx="0">
+            <a:schemeClr val="accent1"/>
+          </a:fillRef>
+          <a:effectRef idx="0">
+            <a:schemeClr val="accent1"/>
+          </a:effectRef>
+          <a:fontRef idx="minor">
+            <a:schemeClr val="tx1"/>
+          </a:fontRef>
+        </p:style>
+      </p:cxnSp>
+      <p:sp>
+        <p:nvSpPr>
+          <p:cNvPr id="11" name="ZoneTexte 3"/>
+          <p:cNvSpPr txBox="1"/>
+          <p:nvPr/>
+        </p:nvSpPr>
+        <p:spPr>
+          <a:xfrm>
+            <a:off x="422958" y="511077"/>
+            <a:ext cx="3037872" cy="369332"/>
+          </a:xfrm>
+          <a:prstGeom prst="rect">
+            <a:avLst/>
+          </a:prstGeom>
+          <a:noFill/>
+        </p:spPr>
+        <p:txBody>
+          <a:bodyPr wrap="square" rtlCol="0">
+            <a:spAutoFit/>
+          </a:bodyPr>
+          <a:lstStyle>
+            <a:defPPr>
+              <a:defRPr lang="fr-FR"/>
+            </a:defPPr>
+            <a:lvl1pPr algn="ctr">
+              <a:defRPr>
+                <a:solidFill>
+                  <a:srgbClr val="FF0000"/>
+                </a:solidFill>
+              </a:defRPr>
+            </a:lvl1pPr>
+          </a:lstStyle>
+          <a:p>
+            <a:r>
+              <a:rPr lang="fr-FR" dirty="0" err="1" smtClean="0"/>
+              <a:t>Boxplot</a:t>
+            </a:r>
+            <a:r>
+              <a:rPr lang="fr-FR" dirty="0" smtClean="0"/>
+              <a:t> = </a:t>
+            </a:r>
+            <a:r>
+              <a:rPr lang="fr-FR" dirty="0" err="1" smtClean="0"/>
+              <a:t>hide</a:t>
+            </a:r>
+            <a:r>
+              <a:rPr lang="fr-FR" dirty="0" smtClean="0"/>
+              <a:t> information</a:t>
+            </a:r>
+            <a:endParaRPr lang="fr-FR" dirty="0"/>
+          </a:p>
+        </p:txBody>
+      </p:sp>
+    </p:spTree>
+    <p:extLst>
+      <p:ext uri="{BB962C8B-B14F-4D97-AF65-F5344CB8AC3E}">
+        <p14:creationId xmlns:p14="http://schemas.microsoft.com/office/powerpoint/2010/main" val="2093419508"/>
+      </p:ext>
+    </p:extLst>
+  </p:cSld>
+  <p:clrMapOvr>
+    <a:masterClrMapping/>
+  </p:clrMapOvr>
+  <p:timing>
+    <p:tnLst>
+      <p:par>
+        <p:cTn id="1" dur="indefinite" restart="never" nodeType="tmRoot"/>
+      </p:par>
+    </p:tnLst>
+  </p:timing>
+</p:sld>
+</file>
+
+<file path=ppt/slides/slide11.xml><?xml version="1.0" encoding="utf-8"?>
+<p:sld xmlns:a="http://schemas.openxmlformats.org/drawingml/2006/main" xmlns:r="http://schemas.openxmlformats.org/officeDocument/2006/relationships" xmlns:p="http://schemas.openxmlformats.org/presentationml/2006/main">
+  <p:cSld>
+    <p:spTree>
+      <p:nvGrpSpPr>
+        <p:cNvPr id="1" name=""/>
+        <p:cNvGrpSpPr/>
+        <p:nvPr/>
+      </p:nvGrpSpPr>
+      <p:grpSpPr>
+        <a:xfrm>
+          <a:off x="0" y="0"/>
+          <a:ext cx="0" cy="0"/>
+          <a:chOff x="0" y="0"/>
+          <a:chExt cx="0" cy="0"/>
+        </a:xfrm>
+      </p:grpSpPr>
+      <p:pic>
+        <p:nvPicPr>
+          <p:cNvPr id="2" name="Picture 1"/>
+          <p:cNvPicPr>
+            <a:picLocks noChangeAspect="1"/>
+          </p:cNvPicPr>
+          <p:nvPr/>
+        </p:nvPicPr>
+        <p:blipFill>
+          <a:blip r:embed="rId2"/>
+          <a:stretch>
+            <a:fillRect/>
+          </a:stretch>
+        </p:blipFill>
+        <p:spPr>
+          <a:xfrm>
+            <a:off x="1638300" y="1607150"/>
+            <a:ext cx="9791700" cy="4386515"/>
+          </a:xfrm>
+          <a:prstGeom prst="rect">
+            <a:avLst/>
+          </a:prstGeom>
+        </p:spPr>
+      </p:pic>
+      <p:sp>
+        <p:nvSpPr>
+          <p:cNvPr id="5" name="ZoneTexte 3"/>
+          <p:cNvSpPr txBox="1"/>
+          <p:nvPr/>
+        </p:nvSpPr>
+        <p:spPr>
+          <a:xfrm>
+            <a:off x="6881104" y="3676146"/>
+            <a:ext cx="1533163" cy="646331"/>
+          </a:xfrm>
+          <a:prstGeom prst="rect">
+            <a:avLst/>
+          </a:prstGeom>
+          <a:noFill/>
+        </p:spPr>
+        <p:txBody>
+          <a:bodyPr wrap="square" rtlCol="0">
+            <a:spAutoFit/>
+          </a:bodyPr>
+          <a:lstStyle>
+            <a:defPPr>
+              <a:defRPr lang="fr-FR"/>
+            </a:defPPr>
+            <a:lvl1pPr algn="ctr">
+              <a:defRPr>
+                <a:solidFill>
+                  <a:srgbClr val="FF0000"/>
+                </a:solidFill>
+              </a:defRPr>
+            </a:lvl1pPr>
+          </a:lstStyle>
+          <a:p>
+            <a:r>
+              <a:rPr lang="fr-FR" dirty="0" smtClean="0"/>
+              <a:t>Bimodal distribution</a:t>
+            </a:r>
+            <a:endParaRPr lang="fr-FR" dirty="0"/>
+          </a:p>
+        </p:txBody>
+      </p:sp>
+      <p:cxnSp>
+        <p:nvCxnSpPr>
+          <p:cNvPr id="6" name="Connecteur droit avec flèche 5"/>
+          <p:cNvCxnSpPr/>
+          <p:nvPr/>
+        </p:nvCxnSpPr>
+        <p:spPr>
+          <a:xfrm flipH="1" flipV="1">
+            <a:off x="6609054" y="3999312"/>
+            <a:ext cx="544100" cy="5529"/>
+          </a:xfrm>
+          <a:prstGeom prst="straightConnector1">
+            <a:avLst/>
+          </a:prstGeom>
+          <a:ln w="34925">
+            <a:solidFill>
+              <a:srgbClr val="FF0000"/>
+            </a:solidFill>
+            <a:tailEnd type="triangle"/>
+          </a:ln>
+        </p:spPr>
+        <p:style>
+          <a:lnRef idx="1">
+            <a:schemeClr val="accent1"/>
+          </a:lnRef>
+          <a:fillRef idx="0">
+            <a:schemeClr val="accent1"/>
+          </a:fillRef>
+          <a:effectRef idx="0">
+            <a:schemeClr val="accent1"/>
+          </a:effectRef>
+          <a:fontRef idx="minor">
+            <a:schemeClr val="tx1"/>
+          </a:fontRef>
+        </p:style>
+      </p:cxnSp>
+      <p:cxnSp>
+        <p:nvCxnSpPr>
+          <p:cNvPr id="7" name="Connecteur droit avec flèche 6"/>
+          <p:cNvCxnSpPr/>
+          <p:nvPr/>
+        </p:nvCxnSpPr>
+        <p:spPr>
+          <a:xfrm flipH="1" flipV="1">
+            <a:off x="8879622" y="3086842"/>
+            <a:ext cx="544100" cy="5529"/>
+          </a:xfrm>
+          <a:prstGeom prst="straightConnector1">
+            <a:avLst/>
+          </a:prstGeom>
+          <a:ln w="34925">
+            <a:solidFill>
+              <a:srgbClr val="FF0000"/>
+            </a:solidFill>
+            <a:tailEnd type="triangle"/>
+          </a:ln>
+        </p:spPr>
+        <p:style>
+          <a:lnRef idx="1">
+            <a:schemeClr val="accent1"/>
+          </a:lnRef>
+          <a:fillRef idx="0">
+            <a:schemeClr val="accent1"/>
+          </a:fillRef>
+          <a:effectRef idx="0">
+            <a:schemeClr val="accent1"/>
+          </a:effectRef>
+          <a:fontRef idx="minor">
+            <a:schemeClr val="tx1"/>
+          </a:fontRef>
+        </p:style>
+      </p:cxnSp>
+      <p:sp>
+        <p:nvSpPr>
+          <p:cNvPr id="8" name="ZoneTexte 3"/>
+          <p:cNvSpPr txBox="1"/>
+          <p:nvPr/>
+        </p:nvSpPr>
+        <p:spPr>
+          <a:xfrm>
+            <a:off x="9423722" y="2763676"/>
+            <a:ext cx="1533163" cy="646331"/>
+          </a:xfrm>
+          <a:prstGeom prst="rect">
+            <a:avLst/>
+          </a:prstGeom>
+          <a:noFill/>
+        </p:spPr>
+        <p:txBody>
+          <a:bodyPr wrap="square" rtlCol="0">
+            <a:spAutoFit/>
+          </a:bodyPr>
+          <a:lstStyle>
+            <a:defPPr>
+              <a:defRPr lang="fr-FR"/>
+            </a:defPPr>
+            <a:lvl1pPr algn="ctr">
+              <a:defRPr>
+                <a:solidFill>
+                  <a:srgbClr val="FF0000"/>
+                </a:solidFill>
+              </a:defRPr>
+            </a:lvl1pPr>
+          </a:lstStyle>
+          <a:p>
+            <a:r>
+              <a:rPr lang="fr-FR" dirty="0" err="1" smtClean="0"/>
+              <a:t>Almost</a:t>
+            </a:r>
+            <a:r>
+              <a:rPr lang="fr-FR" dirty="0" smtClean="0"/>
+              <a:t> no data !</a:t>
+            </a:r>
+            <a:endParaRPr lang="fr-FR" dirty="0"/>
+          </a:p>
+        </p:txBody>
+      </p:sp>
+      <p:cxnSp>
+        <p:nvCxnSpPr>
+          <p:cNvPr id="9" name="Connecteur droit avec flèche 8"/>
+          <p:cNvCxnSpPr/>
+          <p:nvPr/>
+        </p:nvCxnSpPr>
+        <p:spPr>
+          <a:xfrm>
+            <a:off x="10171735" y="3410007"/>
+            <a:ext cx="0" cy="473011"/>
+          </a:xfrm>
+          <a:prstGeom prst="straightConnector1">
+            <a:avLst/>
+          </a:prstGeom>
+          <a:ln w="34925">
+            <a:solidFill>
+              <a:srgbClr val="FF0000"/>
+            </a:solidFill>
+            <a:tailEnd type="triangle"/>
+          </a:ln>
+        </p:spPr>
+        <p:style>
+          <a:lnRef idx="1">
+            <a:schemeClr val="accent1"/>
+          </a:lnRef>
+          <a:fillRef idx="0">
+            <a:schemeClr val="accent1"/>
+          </a:fillRef>
+          <a:effectRef idx="0">
+            <a:schemeClr val="accent1"/>
+          </a:effectRef>
+          <a:fontRef idx="minor">
+            <a:schemeClr val="tx1"/>
+          </a:fontRef>
+        </p:style>
+      </p:cxnSp>
+      <p:sp>
+        <p:nvSpPr>
+          <p:cNvPr id="11" name="ZoneTexte 3"/>
+          <p:cNvSpPr txBox="1"/>
+          <p:nvPr/>
+        </p:nvSpPr>
+        <p:spPr>
+          <a:xfrm>
+            <a:off x="422958" y="511077"/>
+            <a:ext cx="3037872" cy="369332"/>
+          </a:xfrm>
+          <a:prstGeom prst="rect">
+            <a:avLst/>
+          </a:prstGeom>
+          <a:noFill/>
+        </p:spPr>
+        <p:txBody>
+          <a:bodyPr wrap="square" rtlCol="0">
+            <a:spAutoFit/>
+          </a:bodyPr>
+          <a:lstStyle>
+            <a:defPPr>
+              <a:defRPr lang="fr-FR"/>
+            </a:defPPr>
+            <a:lvl1pPr algn="ctr">
+              <a:defRPr>
+                <a:solidFill>
+                  <a:srgbClr val="FF0000"/>
+                </a:solidFill>
+              </a:defRPr>
+            </a:lvl1pPr>
+          </a:lstStyle>
+          <a:p>
+            <a:r>
+              <a:rPr lang="fr-FR" dirty="0" err="1" smtClean="0"/>
+              <a:t>Boxplot</a:t>
+            </a:r>
+            <a:r>
+              <a:rPr lang="fr-FR" dirty="0" smtClean="0"/>
+              <a:t> = </a:t>
+            </a:r>
+            <a:r>
+              <a:rPr lang="fr-FR" dirty="0" err="1" smtClean="0"/>
+              <a:t>hide</a:t>
+            </a:r>
+            <a:r>
+              <a:rPr lang="fr-FR" dirty="0" smtClean="0"/>
+              <a:t> information</a:t>
+            </a:r>
+            <a:endParaRPr lang="fr-FR" dirty="0"/>
+          </a:p>
+        </p:txBody>
+      </p:sp>
+      <p:sp>
+        <p:nvSpPr>
+          <p:cNvPr id="12" name="ZoneTexte 3"/>
+          <p:cNvSpPr txBox="1"/>
+          <p:nvPr/>
+        </p:nvSpPr>
+        <p:spPr>
+          <a:xfrm>
+            <a:off x="3746820" y="1894618"/>
+            <a:ext cx="3037872" cy="646331"/>
+          </a:xfrm>
+          <a:prstGeom prst="rect">
+            <a:avLst/>
+          </a:prstGeom>
+          <a:noFill/>
+        </p:spPr>
+        <p:txBody>
+          <a:bodyPr wrap="square" rtlCol="0">
+            <a:spAutoFit/>
+          </a:bodyPr>
+          <a:lstStyle>
+            <a:defPPr>
+              <a:defRPr lang="fr-FR"/>
+            </a:defPPr>
+            <a:lvl1pPr algn="ctr">
+              <a:defRPr>
+                <a:solidFill>
+                  <a:srgbClr val="FF0000"/>
+                </a:solidFill>
+              </a:defRPr>
+            </a:lvl1pPr>
+          </a:lstStyle>
+          <a:p>
+            <a:r>
+              <a:rPr lang="fr-FR" dirty="0" smtClean="0"/>
+              <a:t>If </a:t>
+            </a:r>
+            <a:r>
+              <a:rPr lang="fr-FR" dirty="0" err="1" smtClean="0"/>
+              <a:t>small</a:t>
+            </a:r>
+            <a:r>
+              <a:rPr lang="fr-FR" dirty="0" smtClean="0"/>
+              <a:t> </a:t>
+            </a:r>
+            <a:r>
+              <a:rPr lang="fr-FR" dirty="0" err="1" smtClean="0"/>
+              <a:t>sample</a:t>
+            </a:r>
+            <a:r>
+              <a:rPr lang="fr-FR" dirty="0" smtClean="0"/>
+              <a:t> size, </a:t>
+            </a:r>
+            <a:r>
+              <a:rPr lang="fr-FR" dirty="0" err="1" smtClean="0"/>
+              <a:t>add</a:t>
+            </a:r>
+            <a:r>
+              <a:rPr lang="fr-FR" dirty="0" smtClean="0"/>
+              <a:t> data points </a:t>
+            </a:r>
+            <a:r>
+              <a:rPr lang="fr-FR" dirty="0" err="1" smtClean="0"/>
+              <a:t>with</a:t>
+            </a:r>
+            <a:r>
+              <a:rPr lang="fr-FR" dirty="0" smtClean="0"/>
+              <a:t> </a:t>
+            </a:r>
+            <a:r>
+              <a:rPr lang="fr-FR" dirty="0" err="1" smtClean="0"/>
+              <a:t>jitter</a:t>
+            </a:r>
+            <a:endParaRPr lang="fr-FR" dirty="0"/>
+          </a:p>
+        </p:txBody>
+      </p:sp>
+      <p:cxnSp>
+        <p:nvCxnSpPr>
+          <p:cNvPr id="13" name="Connecteur droit avec flèche 12"/>
+          <p:cNvCxnSpPr/>
+          <p:nvPr/>
+        </p:nvCxnSpPr>
+        <p:spPr>
+          <a:xfrm flipH="1">
+            <a:off x="4157150" y="2581154"/>
+            <a:ext cx="252804" cy="393540"/>
+          </a:xfrm>
+          <a:prstGeom prst="straightConnector1">
+            <a:avLst/>
+          </a:prstGeom>
+          <a:ln w="34925">
+            <a:solidFill>
+              <a:srgbClr val="FF0000"/>
+            </a:solidFill>
+            <a:tailEnd type="triangle"/>
+          </a:ln>
+        </p:spPr>
+        <p:style>
+          <a:lnRef idx="1">
+            <a:schemeClr val="accent1"/>
+          </a:lnRef>
+          <a:fillRef idx="0">
+            <a:schemeClr val="accent1"/>
+          </a:fillRef>
+          <a:effectRef idx="0">
+            <a:schemeClr val="accent1"/>
+          </a:effectRef>
+          <a:fontRef idx="minor">
+            <a:schemeClr val="tx1"/>
+          </a:fontRef>
+        </p:style>
+      </p:cxnSp>
+    </p:spTree>
+    <p:extLst>
+      <p:ext uri="{BB962C8B-B14F-4D97-AF65-F5344CB8AC3E}">
+        <p14:creationId xmlns:p14="http://schemas.microsoft.com/office/powerpoint/2010/main" val="1510625416"/>
+      </p:ext>
+    </p:extLst>
+  </p:cSld>
+  <p:clrMapOvr>
+    <a:masterClrMapping/>
+  </p:clrMapOvr>
+  <p:timing>
+    <p:tnLst>
+      <p:par>
+        <p:cTn id="1" dur="indefinite" restart="never" nodeType="tmRoot"/>
+      </p:par>
+    </p:tnLst>
+  </p:timing>
+</p:sld>
+</file>
+
+<file path=ppt/slides/slide12.xml><?xml version="1.0" encoding="utf-8"?>
+<p:sld xmlns:a="http://schemas.openxmlformats.org/drawingml/2006/main" xmlns:r="http://schemas.openxmlformats.org/officeDocument/2006/relationships" xmlns:p="http://schemas.openxmlformats.org/presentationml/2006/main">
+  <p:cSld>
+    <p:spTree>
+      <p:nvGrpSpPr>
+        <p:cNvPr id="1" name=""/>
+        <p:cNvGrpSpPr/>
+        <p:nvPr/>
+      </p:nvGrpSpPr>
+      <p:grpSpPr>
+        <a:xfrm>
+          <a:off x="0" y="0"/>
+          <a:ext cx="0" cy="0"/>
+          <a:chOff x="0" y="0"/>
+          <a:chExt cx="0" cy="0"/>
+        </a:xfrm>
+      </p:grpSpPr>
+      <p:pic>
+        <p:nvPicPr>
+          <p:cNvPr id="3" name="Image 2"/>
+          <p:cNvPicPr>
+            <a:picLocks noChangeAspect="1"/>
+          </p:cNvPicPr>
+          <p:nvPr/>
+        </p:nvPicPr>
+        <p:blipFill>
+          <a:blip r:embed="rId2"/>
+          <a:stretch>
+            <a:fillRect/>
+          </a:stretch>
+        </p:blipFill>
+        <p:spPr>
+          <a:xfrm>
+            <a:off x="1478392" y="1429471"/>
+            <a:ext cx="10000045" cy="4531489"/>
+          </a:xfrm>
+          <a:prstGeom prst="rect">
+            <a:avLst/>
+          </a:prstGeom>
+        </p:spPr>
+      </p:pic>
+      <p:sp>
+        <p:nvSpPr>
+          <p:cNvPr id="5" name="ZoneTexte 3"/>
+          <p:cNvSpPr txBox="1"/>
+          <p:nvPr/>
+        </p:nvSpPr>
+        <p:spPr>
+          <a:xfrm>
+            <a:off x="833087" y="1289186"/>
+            <a:ext cx="3037872" cy="646331"/>
+          </a:xfrm>
+          <a:prstGeom prst="rect">
+            <a:avLst/>
+          </a:prstGeom>
+          <a:solidFill>
+            <a:schemeClr val="bg1"/>
+          </a:solidFill>
+        </p:spPr>
+        <p:txBody>
+          <a:bodyPr wrap="square" rtlCol="0">
+            <a:spAutoFit/>
+          </a:bodyPr>
+          <a:lstStyle>
+            <a:defPPr>
+              <a:defRPr lang="fr-FR"/>
+            </a:defPPr>
+            <a:lvl1pPr algn="ctr">
+              <a:defRPr>
+                <a:solidFill>
+                  <a:srgbClr val="FF0000"/>
+                </a:solidFill>
+              </a:defRPr>
+            </a:lvl1pPr>
+          </a:lstStyle>
+          <a:p>
+            <a:r>
+              <a:rPr lang="fr-FR" dirty="0" smtClean="0"/>
+              <a:t>If </a:t>
+            </a:r>
+            <a:r>
+              <a:rPr lang="fr-FR" dirty="0" err="1" smtClean="0"/>
+              <a:t>big</a:t>
+            </a:r>
+            <a:r>
+              <a:rPr lang="fr-FR" dirty="0" smtClean="0"/>
+              <a:t> </a:t>
+            </a:r>
+            <a:r>
+              <a:rPr lang="fr-FR" dirty="0" err="1" smtClean="0"/>
+              <a:t>sample</a:t>
+            </a:r>
+            <a:r>
+              <a:rPr lang="fr-FR" dirty="0" smtClean="0"/>
+              <a:t> size, use </a:t>
+            </a:r>
+            <a:r>
+              <a:rPr lang="fr-FR" dirty="0" err="1" smtClean="0"/>
+              <a:t>violin</a:t>
+            </a:r>
+            <a:r>
+              <a:rPr lang="fr-FR" dirty="0" smtClean="0"/>
+              <a:t> plot</a:t>
+            </a:r>
+            <a:endParaRPr lang="fr-FR" dirty="0"/>
+          </a:p>
+        </p:txBody>
+      </p:sp>
+      <p:sp>
+        <p:nvSpPr>
+          <p:cNvPr id="6" name="ZoneTexte 3"/>
+          <p:cNvSpPr txBox="1"/>
+          <p:nvPr/>
+        </p:nvSpPr>
+        <p:spPr>
+          <a:xfrm>
+            <a:off x="5758500" y="6101245"/>
+            <a:ext cx="3037872" cy="369332"/>
+          </a:xfrm>
+          <a:prstGeom prst="rect">
+            <a:avLst/>
+          </a:prstGeom>
+          <a:noFill/>
+        </p:spPr>
+        <p:txBody>
+          <a:bodyPr wrap="square" rtlCol="0">
+            <a:spAutoFit/>
+          </a:bodyPr>
+          <a:lstStyle>
+            <a:defPPr>
+              <a:defRPr lang="fr-FR"/>
+            </a:defPPr>
+            <a:lvl1pPr algn="ctr">
+              <a:defRPr>
+                <a:solidFill>
+                  <a:srgbClr val="FF0000"/>
+                </a:solidFill>
+              </a:defRPr>
+            </a:lvl1pPr>
+          </a:lstStyle>
+          <a:p>
+            <a:r>
+              <a:rPr lang="fr-FR" dirty="0" smtClean="0"/>
+              <a:t>Show </a:t>
+            </a:r>
+            <a:r>
+              <a:rPr lang="fr-FR" dirty="0" err="1" smtClean="0"/>
+              <a:t>sample</a:t>
+            </a:r>
+            <a:r>
+              <a:rPr lang="fr-FR" dirty="0" smtClean="0"/>
+              <a:t> size</a:t>
+            </a:r>
+            <a:endParaRPr lang="fr-FR" dirty="0"/>
+          </a:p>
+        </p:txBody>
+      </p:sp>
+      <p:cxnSp>
+        <p:nvCxnSpPr>
+          <p:cNvPr id="7" name="Connecteur droit avec flèche 6"/>
+          <p:cNvCxnSpPr/>
+          <p:nvPr/>
+        </p:nvCxnSpPr>
+        <p:spPr>
+          <a:xfrm flipH="1" flipV="1">
+            <a:off x="5910900" y="5816499"/>
+            <a:ext cx="444180" cy="284746"/>
+          </a:xfrm>
+          <a:prstGeom prst="straightConnector1">
+            <a:avLst/>
+          </a:prstGeom>
+          <a:ln w="34925">
+            <a:solidFill>
+              <a:srgbClr val="FF0000"/>
+            </a:solidFill>
+            <a:tailEnd type="triangle"/>
+          </a:ln>
+        </p:spPr>
+        <p:style>
+          <a:lnRef idx="1">
+            <a:schemeClr val="accent1"/>
+          </a:lnRef>
+          <a:fillRef idx="0">
+            <a:schemeClr val="accent1"/>
+          </a:fillRef>
+          <a:effectRef idx="0">
+            <a:schemeClr val="accent1"/>
+          </a:effectRef>
+          <a:fontRef idx="minor">
+            <a:schemeClr val="tx1"/>
+          </a:fontRef>
+        </p:style>
+      </p:cxnSp>
+      <p:sp>
+        <p:nvSpPr>
+          <p:cNvPr id="10" name="ZoneTexte 3"/>
+          <p:cNvSpPr txBox="1"/>
+          <p:nvPr/>
+        </p:nvSpPr>
+        <p:spPr>
+          <a:xfrm>
+            <a:off x="4516264" y="2220263"/>
+            <a:ext cx="3037872" cy="369332"/>
+          </a:xfrm>
+          <a:prstGeom prst="rect">
+            <a:avLst/>
+          </a:prstGeom>
+          <a:noFill/>
+        </p:spPr>
+        <p:txBody>
+          <a:bodyPr wrap="square" rtlCol="0">
+            <a:spAutoFit/>
+          </a:bodyPr>
+          <a:lstStyle>
+            <a:defPPr>
+              <a:defRPr lang="fr-FR"/>
+            </a:defPPr>
+            <a:lvl1pPr algn="ctr">
+              <a:defRPr>
+                <a:solidFill>
+                  <a:srgbClr val="FF0000"/>
+                </a:solidFill>
+              </a:defRPr>
+            </a:lvl1pPr>
+          </a:lstStyle>
+          <a:p>
+            <a:r>
+              <a:rPr lang="fr-FR" dirty="0" smtClean="0"/>
+              <a:t>Show distribution</a:t>
+            </a:r>
+            <a:endParaRPr lang="fr-FR" dirty="0"/>
+          </a:p>
+        </p:txBody>
+      </p:sp>
+      <p:cxnSp>
+        <p:nvCxnSpPr>
+          <p:cNvPr id="11" name="Connecteur droit avec flèche 10"/>
+          <p:cNvCxnSpPr/>
+          <p:nvPr/>
+        </p:nvCxnSpPr>
+        <p:spPr>
+          <a:xfrm flipH="1">
+            <a:off x="6035200" y="2729880"/>
+            <a:ext cx="97790" cy="302880"/>
+          </a:xfrm>
+          <a:prstGeom prst="straightConnector1">
+            <a:avLst/>
+          </a:prstGeom>
+          <a:ln w="34925">
+            <a:solidFill>
+              <a:srgbClr val="FF0000"/>
+            </a:solidFill>
+            <a:tailEnd type="triangle"/>
+          </a:ln>
+        </p:spPr>
+        <p:style>
+          <a:lnRef idx="1">
+            <a:schemeClr val="accent1"/>
+          </a:lnRef>
+          <a:fillRef idx="0">
+            <a:schemeClr val="accent1"/>
+          </a:fillRef>
+          <a:effectRef idx="0">
+            <a:schemeClr val="accent1"/>
+          </a:effectRef>
+          <a:fontRef idx="minor">
+            <a:schemeClr val="tx1"/>
+          </a:fontRef>
+        </p:style>
+      </p:cxnSp>
+    </p:spTree>
+    <p:extLst>
+      <p:ext uri="{BB962C8B-B14F-4D97-AF65-F5344CB8AC3E}">
+        <p14:creationId xmlns:p14="http://schemas.microsoft.com/office/powerpoint/2010/main" val="830920624"/>
+      </p:ext>
+    </p:extLst>
+  </p:cSld>
+  <p:clrMapOvr>
+    <a:masterClrMapping/>
+  </p:clrMapOvr>
+  <p:timing>
+    <p:tnLst>
+      <p:par>
+        <p:cTn id="1" dur="indefinite" restart="never" nodeType="tmRoot"/>
+      </p:par>
+    </p:tnLst>
+  </p:timing>
+</p:sld>
+</file>
+
+<file path=ppt/slides/slide13.xml><?xml version="1.0" encoding="utf-8"?>
+<p:sld xmlns:a="http://schemas.openxmlformats.org/drawingml/2006/main" xmlns:r="http://schemas.openxmlformats.org/officeDocument/2006/relationships" xmlns:p="http://schemas.openxmlformats.org/presentationml/2006/main">
+  <p:cSld>
+    <p:spTree>
+      <p:nvGrpSpPr>
+        <p:cNvPr id="1" name=""/>
+        <p:cNvGrpSpPr/>
+        <p:nvPr/>
+      </p:nvGrpSpPr>
+      <p:grpSpPr>
+        <a:xfrm>
+          <a:off x="0" y="0"/>
+          <a:ext cx="0" cy="0"/>
+          <a:chOff x="0" y="0"/>
+          <a:chExt cx="0" cy="0"/>
+        </a:xfrm>
+      </p:grpSpPr>
+      <p:pic>
+        <p:nvPicPr>
+          <p:cNvPr id="2" name="Picture 1"/>
+          <p:cNvPicPr>
+            <a:picLocks noChangeAspect="1"/>
+          </p:cNvPicPr>
+          <p:nvPr/>
+        </p:nvPicPr>
+        <p:blipFill>
+          <a:blip r:embed="rId2"/>
+          <a:stretch>
+            <a:fillRect/>
+          </a:stretch>
+        </p:blipFill>
+        <p:spPr>
+          <a:xfrm>
+            <a:off x="794388" y="952500"/>
+            <a:ext cx="10612086" cy="5003800"/>
+          </a:xfrm>
+          <a:prstGeom prst="rect">
+            <a:avLst/>
+          </a:prstGeom>
+        </p:spPr>
+      </p:pic>
+      <p:sp>
+        <p:nvSpPr>
+          <p:cNvPr id="3" name="Rectangle 2"/>
+          <p:cNvSpPr/>
+          <p:nvPr/>
+        </p:nvSpPr>
+        <p:spPr>
+          <a:xfrm>
+            <a:off x="1651000" y="863600"/>
+            <a:ext cx="2247900" cy="596900"/>
+          </a:xfrm>
+          <a:prstGeom prst="rect">
+            <a:avLst/>
+          </a:prstGeom>
+          <a:solidFill>
+            <a:schemeClr val="bg1"/>
+          </a:solidFill>
+          <a:ln>
+            <a:noFill/>
+          </a:ln>
+        </p:spPr>
+        <p:style>
+          <a:lnRef idx="2">
+            <a:schemeClr val="accent1">
+              <a:shade val="50000"/>
+            </a:schemeClr>
+          </a:lnRef>
+          <a:fillRef idx="1">
+            <a:schemeClr val="accent1"/>
+          </a:fillRef>
+          <a:effectRef idx="0">
+            <a:schemeClr val="accent1"/>
+          </a:effectRef>
+          <a:fontRef idx="minor">
+            <a:schemeClr val="lt1"/>
+          </a:fontRef>
+        </p:style>
+        <p:txBody>
+          <a:bodyPr rtlCol="0" anchor="ctr"/>
+          <a:lstStyle/>
+          <a:p>
+            <a:pPr algn="ctr"/>
+            <a:endParaRPr lang="en-AU"/>
+          </a:p>
+        </p:txBody>
+      </p:sp>
+      <p:sp>
+        <p:nvSpPr>
+          <p:cNvPr id="4" name="ZoneTexte 3"/>
+          <p:cNvSpPr txBox="1"/>
+          <p:nvPr/>
+        </p:nvSpPr>
+        <p:spPr>
+          <a:xfrm>
+            <a:off x="482567" y="306169"/>
+            <a:ext cx="3037872" cy="369332"/>
+          </a:xfrm>
+          <a:prstGeom prst="rect">
+            <a:avLst/>
+          </a:prstGeom>
+          <a:solidFill>
+            <a:schemeClr val="bg1"/>
+          </a:solidFill>
+        </p:spPr>
+        <p:txBody>
+          <a:bodyPr wrap="square" rtlCol="0">
+            <a:spAutoFit/>
+          </a:bodyPr>
+          <a:lstStyle>
+            <a:defPPr>
+              <a:defRPr lang="fr-FR"/>
+            </a:defPPr>
+            <a:lvl1pPr algn="ctr">
+              <a:defRPr>
+                <a:solidFill>
+                  <a:srgbClr val="FF0000"/>
+                </a:solidFill>
+              </a:defRPr>
+            </a:lvl1pPr>
+          </a:lstStyle>
+          <a:p>
+            <a:r>
+              <a:rPr lang="fr-FR" dirty="0" smtClean="0"/>
+              <a:t>Look at </a:t>
+            </a:r>
+            <a:r>
+              <a:rPr lang="fr-FR" dirty="0" err="1" smtClean="0"/>
+              <a:t>this</a:t>
+            </a:r>
+            <a:r>
+              <a:rPr lang="fr-FR" dirty="0" smtClean="0"/>
+              <a:t> chart</a:t>
+            </a:r>
+            <a:endParaRPr lang="fr-FR" dirty="0"/>
+          </a:p>
+        </p:txBody>
+      </p:sp>
+    </p:spTree>
+    <p:extLst>
+      <p:ext uri="{BB962C8B-B14F-4D97-AF65-F5344CB8AC3E}">
+        <p14:creationId xmlns:p14="http://schemas.microsoft.com/office/powerpoint/2010/main" val="1877082155"/>
+      </p:ext>
+    </p:extLst>
+  </p:cSld>
+  <p:clrMapOvr>
+    <a:masterClrMapping/>
+  </p:clrMapOvr>
+  <p:timing>
+    <p:tnLst>
+      <p:par>
+        <p:cTn id="1" dur="indefinite" restart="never" nodeType="tmRoot"/>
+      </p:par>
+    </p:tnLst>
+  </p:timing>
+</p:sld>
+</file>
+
+<file path=ppt/slides/slide14.xml><?xml version="1.0" encoding="utf-8"?>
+<p:sld xmlns:a="http://schemas.openxmlformats.org/drawingml/2006/main" xmlns:r="http://schemas.openxmlformats.org/officeDocument/2006/relationships" xmlns:p="http://schemas.openxmlformats.org/presentationml/2006/main">
+  <p:cSld>
+    <p:spTree>
+      <p:nvGrpSpPr>
+        <p:cNvPr id="1" name=""/>
+        <p:cNvGrpSpPr/>
+        <p:nvPr/>
+      </p:nvGrpSpPr>
+      <p:grpSpPr>
+        <a:xfrm>
+          <a:off x="0" y="0"/>
+          <a:ext cx="0" cy="0"/>
+          <a:chOff x="0" y="0"/>
+          <a:chExt cx="0" cy="0"/>
+        </a:xfrm>
+      </p:grpSpPr>
+      <p:sp>
+        <p:nvSpPr>
+          <p:cNvPr id="3" name="Rectangle 2"/>
+          <p:cNvSpPr/>
+          <p:nvPr/>
+        </p:nvSpPr>
+        <p:spPr>
+          <a:xfrm>
+            <a:off x="1651000" y="863600"/>
+            <a:ext cx="2247900" cy="596900"/>
+          </a:xfrm>
+          <a:prstGeom prst="rect">
+            <a:avLst/>
+          </a:prstGeom>
+          <a:solidFill>
+            <a:schemeClr val="bg1"/>
+          </a:solidFill>
+          <a:ln>
+            <a:noFill/>
+          </a:ln>
+        </p:spPr>
+        <p:style>
+          <a:lnRef idx="2">
+            <a:schemeClr val="accent1">
+              <a:shade val="50000"/>
+            </a:schemeClr>
+          </a:lnRef>
+          <a:fillRef idx="1">
+            <a:schemeClr val="accent1"/>
+          </a:fillRef>
+          <a:effectRef idx="0">
+            <a:schemeClr val="accent1"/>
+          </a:effectRef>
+          <a:fontRef idx="minor">
+            <a:schemeClr val="lt1"/>
+          </a:fontRef>
+        </p:style>
+        <p:txBody>
+          <a:bodyPr rtlCol="0" anchor="ctr"/>
+          <a:lstStyle/>
+          <a:p>
+            <a:pPr algn="ctr"/>
+            <a:endParaRPr lang="en-AU"/>
+          </a:p>
+        </p:txBody>
+      </p:sp>
+      <p:sp>
+        <p:nvSpPr>
+          <p:cNvPr id="4" name="ZoneTexte 3"/>
+          <p:cNvSpPr txBox="1"/>
+          <p:nvPr/>
+        </p:nvSpPr>
+        <p:spPr>
+          <a:xfrm>
+            <a:off x="3505200" y="3079849"/>
+            <a:ext cx="5382292" cy="646331"/>
+          </a:xfrm>
+          <a:prstGeom prst="rect">
+            <a:avLst/>
+          </a:prstGeom>
+          <a:solidFill>
+            <a:schemeClr val="bg1"/>
+          </a:solidFill>
+        </p:spPr>
+        <p:txBody>
+          <a:bodyPr wrap="square" rtlCol="0">
+            <a:spAutoFit/>
+          </a:bodyPr>
+          <a:lstStyle>
+            <a:defPPr>
+              <a:defRPr lang="fr-FR"/>
+            </a:defPPr>
+            <a:lvl1pPr algn="ctr">
+              <a:defRPr>
+                <a:solidFill>
+                  <a:srgbClr val="FF0000"/>
+                </a:solidFill>
+              </a:defRPr>
+            </a:lvl1pPr>
+          </a:lstStyle>
+          <a:p>
+            <a:r>
+              <a:rPr lang="fr-FR" sz="3600" dirty="0" err="1" smtClean="0"/>
+              <a:t>What</a:t>
+            </a:r>
+            <a:r>
+              <a:rPr lang="fr-FR" sz="3600" dirty="0" smtClean="0"/>
+              <a:t> do </a:t>
+            </a:r>
+            <a:r>
+              <a:rPr lang="fr-FR" sz="3600" dirty="0" err="1" smtClean="0"/>
+              <a:t>you</a:t>
+            </a:r>
+            <a:r>
+              <a:rPr lang="fr-FR" sz="3600" dirty="0" smtClean="0"/>
+              <a:t> </a:t>
+            </a:r>
+            <a:r>
+              <a:rPr lang="fr-FR" sz="3600" dirty="0" err="1" smtClean="0"/>
+              <a:t>remember</a:t>
+            </a:r>
+            <a:r>
+              <a:rPr lang="fr-FR" sz="3600" dirty="0" smtClean="0"/>
+              <a:t>?</a:t>
+            </a:r>
+            <a:endParaRPr lang="fr-FR" sz="3600" dirty="0"/>
+          </a:p>
+        </p:txBody>
+      </p:sp>
+    </p:spTree>
+    <p:extLst>
+      <p:ext uri="{BB962C8B-B14F-4D97-AF65-F5344CB8AC3E}">
+        <p14:creationId xmlns:p14="http://schemas.microsoft.com/office/powerpoint/2010/main" val="508039565"/>
+      </p:ext>
+    </p:extLst>
+  </p:cSld>
+  <p:clrMapOvr>
+    <a:masterClrMapping/>
+  </p:clrMapOvr>
+  <p:timing>
+    <p:tnLst>
+      <p:par>
+        <p:cTn id="1" dur="indefinite" restart="never" nodeType="tmRoot"/>
+      </p:par>
+    </p:tnLst>
+  </p:timing>
+</p:sld>
+</file>
+
+<file path=ppt/slides/slide15.xml><?xml version="1.0" encoding="utf-8"?>
+<p:sld xmlns:a="http://schemas.openxmlformats.org/drawingml/2006/main" xmlns:r="http://schemas.openxmlformats.org/officeDocument/2006/relationships" xmlns:p="http://schemas.openxmlformats.org/presentationml/2006/main">
+  <p:cSld>
+    <p:spTree>
+      <p:nvGrpSpPr>
+        <p:cNvPr id="1" name=""/>
+        <p:cNvGrpSpPr/>
+        <p:nvPr/>
+      </p:nvGrpSpPr>
+      <p:grpSpPr>
+        <a:xfrm>
+          <a:off x="0" y="0"/>
+          <a:ext cx="0" cy="0"/>
+          <a:chOff x="0" y="0"/>
+          <a:chExt cx="0" cy="0"/>
+        </a:xfrm>
+      </p:grpSpPr>
+      <p:sp>
+        <p:nvSpPr>
+          <p:cNvPr id="4" name="ZoneTexte 3"/>
+          <p:cNvSpPr txBox="1"/>
+          <p:nvPr/>
+        </p:nvSpPr>
+        <p:spPr>
+          <a:xfrm>
+            <a:off x="747583" y="1189832"/>
+            <a:ext cx="3644900" cy="769441"/>
+          </a:xfrm>
+          <a:prstGeom prst="rect">
+            <a:avLst/>
+          </a:prstGeom>
+          <a:noFill/>
+        </p:spPr>
+        <p:txBody>
+          <a:bodyPr wrap="square" rtlCol="0">
+            <a:spAutoFit/>
+          </a:bodyPr>
+          <a:lstStyle/>
+          <a:p>
+            <a:r>
+              <a:rPr lang="fr-FR" sz="2800" dirty="0">
+                <a:solidFill>
+                  <a:srgbClr val="FF0000"/>
+                </a:solidFill>
+              </a:rPr>
+              <a:t>The </a:t>
+            </a:r>
+            <a:r>
+              <a:rPr lang="fr-FR" sz="2800" dirty="0">
+                <a:solidFill>
+                  <a:srgbClr val="FF0000"/>
+                </a:solidFill>
+              </a:rPr>
+              <a:t>Spaghetti</a:t>
+            </a:r>
+            <a:r>
+              <a:rPr lang="fr-FR" sz="2800" dirty="0">
+                <a:solidFill>
+                  <a:srgbClr val="FF0000"/>
+                </a:solidFill>
+              </a:rPr>
+              <a:t> </a:t>
+            </a:r>
+            <a:r>
+              <a:rPr lang="fr-FR" sz="2800" dirty="0">
+                <a:solidFill>
+                  <a:srgbClr val="FF0000"/>
+                </a:solidFill>
+              </a:rPr>
+              <a:t>chart</a:t>
+            </a:r>
+          </a:p>
+          <a:p>
+            <a:r>
+              <a:rPr lang="fr-FR" sz="1600" dirty="0" smtClean="0">
+                <a:solidFill>
+                  <a:srgbClr val="414282"/>
+                </a:solidFill>
+                <a:hlinkClick r:id="rId2"/>
+              </a:rPr>
+              <a:t>Read more</a:t>
+            </a:r>
+            <a:endParaRPr lang="fr-FR" sz="2400" dirty="0">
+              <a:solidFill>
+                <a:srgbClr val="414282"/>
+              </a:solidFill>
+            </a:endParaRPr>
+          </a:p>
+        </p:txBody>
+      </p:sp>
+      <p:pic>
+        <p:nvPicPr>
+          <p:cNvPr id="5" name="Picture 4"/>
+          <p:cNvPicPr>
+            <a:picLocks noChangeAspect="1"/>
+          </p:cNvPicPr>
+          <p:nvPr/>
+        </p:nvPicPr>
+        <p:blipFill>
+          <a:blip r:embed="rId3"/>
+          <a:stretch>
+            <a:fillRect/>
+          </a:stretch>
+        </p:blipFill>
+        <p:spPr>
+          <a:xfrm>
+            <a:off x="5613400" y="141150"/>
+            <a:ext cx="6058828" cy="2805250"/>
+          </a:xfrm>
+          <a:prstGeom prst="rect">
+            <a:avLst/>
+          </a:prstGeom>
+        </p:spPr>
+      </p:pic>
+      <p:pic>
+        <p:nvPicPr>
+          <p:cNvPr id="6" name="Picture 5"/>
+          <p:cNvPicPr>
+            <a:picLocks noChangeAspect="1"/>
+          </p:cNvPicPr>
+          <p:nvPr/>
+        </p:nvPicPr>
+        <p:blipFill>
+          <a:blip r:embed="rId4"/>
+          <a:stretch>
+            <a:fillRect/>
+          </a:stretch>
+        </p:blipFill>
+        <p:spPr>
+          <a:xfrm>
+            <a:off x="3720205" y="2946400"/>
+            <a:ext cx="3823327" cy="3776814"/>
+          </a:xfrm>
+          <a:prstGeom prst="rect">
+            <a:avLst/>
+          </a:prstGeom>
+        </p:spPr>
+      </p:pic>
+      <p:pic>
+        <p:nvPicPr>
+          <p:cNvPr id="7" name="Picture 6"/>
+          <p:cNvPicPr>
+            <a:picLocks noChangeAspect="1"/>
+          </p:cNvPicPr>
+          <p:nvPr/>
+        </p:nvPicPr>
+        <p:blipFill>
+          <a:blip r:embed="rId5"/>
+          <a:stretch>
+            <a:fillRect/>
+          </a:stretch>
+        </p:blipFill>
+        <p:spPr>
+          <a:xfrm>
+            <a:off x="7930882" y="3013421"/>
+            <a:ext cx="3741346" cy="3642771"/>
+          </a:xfrm>
+          <a:prstGeom prst="rect">
+            <a:avLst/>
+          </a:prstGeom>
+        </p:spPr>
+      </p:pic>
+    </p:spTree>
+    <p:extLst>
+      <p:ext uri="{BB962C8B-B14F-4D97-AF65-F5344CB8AC3E}">
+        <p14:creationId xmlns:p14="http://schemas.microsoft.com/office/powerpoint/2010/main" val="1585004655"/>
+      </p:ext>
+    </p:extLst>
+  </p:cSld>
+  <p:clrMapOvr>
+    <a:masterClrMapping/>
+  </p:clrMapOvr>
+  <p:timing>
+    <p:tnLst>
+      <p:par>
+        <p:cTn id="1" dur="indefinite" restart="never" nodeType="tmRoot"/>
+      </p:par>
+    </p:tnLst>
+  </p:timing>
+</p:sld>
+</file>
+
+<file path=ppt/slides/slide16.xml><?xml version="1.0" encoding="utf-8"?>
+<p:sld xmlns:a="http://schemas.openxmlformats.org/drawingml/2006/main" xmlns:r="http://schemas.openxmlformats.org/officeDocument/2006/relationships" xmlns:p="http://schemas.openxmlformats.org/presentationml/2006/main">
+  <p:cSld>
+    <p:spTree>
+      <p:nvGrpSpPr>
+        <p:cNvPr id="1" name=""/>
+        <p:cNvGrpSpPr/>
+        <p:nvPr/>
+      </p:nvGrpSpPr>
+      <p:grpSpPr>
+        <a:xfrm>
+          <a:off x="0" y="0"/>
+          <a:ext cx="0" cy="0"/>
+          <a:chOff x="0" y="0"/>
+          <a:chExt cx="0" cy="0"/>
+        </a:xfrm>
+      </p:grpSpPr>
+      <p:pic>
+        <p:nvPicPr>
+          <p:cNvPr id="3" name="Picture 2"/>
+          <p:cNvPicPr>
+            <a:picLocks noChangeAspect="1"/>
+          </p:cNvPicPr>
+          <p:nvPr/>
+        </p:nvPicPr>
+        <p:blipFill>
+          <a:blip r:embed="rId2"/>
+          <a:stretch>
+            <a:fillRect/>
+          </a:stretch>
+        </p:blipFill>
+        <p:spPr>
+          <a:xfrm>
+            <a:off x="1428750" y="311150"/>
+            <a:ext cx="9334500" cy="6235700"/>
+          </a:xfrm>
+          <a:prstGeom prst="rect">
+            <a:avLst/>
+          </a:prstGeom>
+        </p:spPr>
+      </p:pic>
+    </p:spTree>
+    <p:extLst>
+      <p:ext uri="{BB962C8B-B14F-4D97-AF65-F5344CB8AC3E}">
+        <p14:creationId xmlns:p14="http://schemas.microsoft.com/office/powerpoint/2010/main" val="1786079197"/>
+      </p:ext>
+    </p:extLst>
+  </p:cSld>
+  <p:clrMapOvr>
+    <a:masterClrMapping/>
+  </p:clrMapOvr>
+  <p:timing>
+    <p:tnLst>
+      <p:par>
+        <p:cTn id="1" dur="indefinite" restart="never" nodeType="tmRoot"/>
+      </p:par>
+    </p:tnLst>
+  </p:timing>
+</p:sld>
+</file>
+
+<file path=ppt/slides/slide17.xml><?xml version="1.0" encoding="utf-8"?>
+<p:sld xmlns:a="http://schemas.openxmlformats.org/drawingml/2006/main" xmlns:r="http://schemas.openxmlformats.org/officeDocument/2006/relationships" xmlns:p="http://schemas.openxmlformats.org/presentationml/2006/main">
+  <p:cSld>
+    <p:spTree>
+      <p:nvGrpSpPr>
+        <p:cNvPr id="1" name=""/>
+        <p:cNvGrpSpPr/>
+        <p:nvPr/>
+      </p:nvGrpSpPr>
+      <p:grpSpPr>
+        <a:xfrm>
+          <a:off x="0" y="0"/>
+          <a:ext cx="0" cy="0"/>
+          <a:chOff x="0" y="0"/>
+          <a:chExt cx="0" cy="0"/>
+        </a:xfrm>
+      </p:grpSpPr>
+      <p:pic>
+        <p:nvPicPr>
+          <p:cNvPr id="3" name="Picture 2"/>
+          <p:cNvPicPr>
+            <a:picLocks noChangeAspect="1"/>
+          </p:cNvPicPr>
+          <p:nvPr/>
+        </p:nvPicPr>
+        <p:blipFill>
+          <a:blip r:embed="rId2"/>
+          <a:stretch>
+            <a:fillRect/>
+          </a:stretch>
+        </p:blipFill>
+        <p:spPr>
+          <a:xfrm>
+            <a:off x="6864350" y="565150"/>
+            <a:ext cx="3994150" cy="2668201"/>
+          </a:xfrm>
+          <a:prstGeom prst="rect">
+            <a:avLst/>
+          </a:prstGeom>
+        </p:spPr>
+      </p:pic>
+      <p:pic>
+        <p:nvPicPr>
+          <p:cNvPr id="2" name="Picture 1"/>
+          <p:cNvPicPr>
+            <a:picLocks noChangeAspect="1"/>
+          </p:cNvPicPr>
+          <p:nvPr/>
+        </p:nvPicPr>
+        <p:blipFill>
+          <a:blip r:embed="rId3"/>
+          <a:stretch>
+            <a:fillRect/>
+          </a:stretch>
+        </p:blipFill>
+        <p:spPr>
+          <a:xfrm>
+            <a:off x="0" y="3899755"/>
+            <a:ext cx="12192000" cy="2766889"/>
+          </a:xfrm>
+          <a:prstGeom prst="rect">
+            <a:avLst/>
+          </a:prstGeom>
+        </p:spPr>
+      </p:pic>
+      <p:sp>
+        <p:nvSpPr>
+          <p:cNvPr id="4" name="ZoneTexte 3"/>
+          <p:cNvSpPr txBox="1"/>
+          <p:nvPr/>
+        </p:nvSpPr>
+        <p:spPr>
+          <a:xfrm>
+            <a:off x="1193800" y="1899250"/>
+            <a:ext cx="3644900" cy="800219"/>
+          </a:xfrm>
+          <a:prstGeom prst="rect">
+            <a:avLst/>
+          </a:prstGeom>
+          <a:noFill/>
+        </p:spPr>
+        <p:txBody>
+          <a:bodyPr wrap="square" rtlCol="0">
+            <a:spAutoFit/>
+          </a:bodyPr>
+          <a:lstStyle/>
+          <a:p>
+            <a:r>
+              <a:rPr lang="fr-FR" sz="2800" dirty="0" err="1">
+                <a:solidFill>
+                  <a:srgbClr val="FF0000"/>
+                </a:solidFill>
+              </a:rPr>
+              <a:t>Mind</a:t>
+            </a:r>
+            <a:r>
+              <a:rPr lang="fr-FR" sz="2800" dirty="0">
+                <a:solidFill>
+                  <a:srgbClr val="FF0000"/>
+                </a:solidFill>
+              </a:rPr>
+              <a:t> t</a:t>
+            </a:r>
+            <a:r>
+              <a:rPr lang="fr-FR" sz="2800" dirty="0">
+                <a:solidFill>
+                  <a:srgbClr val="FF0000"/>
+                </a:solidFill>
+              </a:rPr>
+              <a:t>he aspect </a:t>
+            </a:r>
+            <a:r>
+              <a:rPr lang="fr-FR" sz="2800" dirty="0">
+                <a:solidFill>
+                  <a:srgbClr val="FF0000"/>
+                </a:solidFill>
+              </a:rPr>
+              <a:t>ratio</a:t>
+            </a:r>
+          </a:p>
+          <a:p>
+            <a:r>
+              <a:rPr lang="fr-FR" dirty="0" smtClean="0">
+                <a:solidFill>
+                  <a:srgbClr val="414282"/>
+                </a:solidFill>
+                <a:hlinkClick r:id="rId4"/>
+              </a:rPr>
+              <a:t>Read more</a:t>
+            </a:r>
+            <a:endParaRPr lang="fr-FR" sz="2800" dirty="0">
+              <a:solidFill>
+                <a:srgbClr val="414282"/>
+              </a:solidFill>
+            </a:endParaRPr>
+          </a:p>
+        </p:txBody>
+      </p:sp>
+    </p:spTree>
+    <p:extLst>
+      <p:ext uri="{BB962C8B-B14F-4D97-AF65-F5344CB8AC3E}">
+        <p14:creationId xmlns:p14="http://schemas.microsoft.com/office/powerpoint/2010/main" val="1106646213"/>
+      </p:ext>
+    </p:extLst>
+  </p:cSld>
+  <p:clrMapOvr>
+    <a:masterClrMapping/>
+  </p:clrMapOvr>
+  <p:timing>
+    <p:tnLst>
+      <p:par>
+        <p:cTn id="1" dur="indefinite" restart="never" nodeType="tmRoot"/>
+      </p:par>
+    </p:tnLst>
+  </p:timing>
+</p:sld>
+</file>
+
+<file path=ppt/slides/slide18.xml><?xml version="1.0" encoding="utf-8"?>
+<p:sld xmlns:a="http://schemas.openxmlformats.org/drawingml/2006/main" xmlns:r="http://schemas.openxmlformats.org/officeDocument/2006/relationships" xmlns:p="http://schemas.openxmlformats.org/presentationml/2006/main">
+  <p:cSld>
+    <p:spTree>
+      <p:nvGrpSpPr>
+        <p:cNvPr id="1" name=""/>
+        <p:cNvGrpSpPr/>
+        <p:nvPr/>
+      </p:nvGrpSpPr>
+      <p:grpSpPr>
+        <a:xfrm>
+          <a:off x="0" y="0"/>
+          <a:ext cx="0" cy="0"/>
+          <a:chOff x="0" y="0"/>
+          <a:chExt cx="0" cy="0"/>
+        </a:xfrm>
+      </p:grpSpPr>
+      <p:sp>
+        <p:nvSpPr>
+          <p:cNvPr id="3" name="Rectangle 2"/>
+          <p:cNvSpPr/>
+          <p:nvPr/>
+        </p:nvSpPr>
+        <p:spPr>
+          <a:xfrm>
+            <a:off x="1651000" y="863600"/>
+            <a:ext cx="2247900" cy="596900"/>
+          </a:xfrm>
+          <a:prstGeom prst="rect">
+            <a:avLst/>
+          </a:prstGeom>
+          <a:solidFill>
+            <a:schemeClr val="bg1"/>
+          </a:solidFill>
+          <a:ln>
+            <a:noFill/>
+          </a:ln>
+        </p:spPr>
+        <p:style>
+          <a:lnRef idx="2">
+            <a:schemeClr val="accent1">
+              <a:shade val="50000"/>
+            </a:schemeClr>
+          </a:lnRef>
+          <a:fillRef idx="1">
+            <a:schemeClr val="accent1"/>
+          </a:fillRef>
+          <a:effectRef idx="0">
+            <a:schemeClr val="accent1"/>
+          </a:effectRef>
+          <a:fontRef idx="minor">
+            <a:schemeClr val="lt1"/>
+          </a:fontRef>
+        </p:style>
+        <p:txBody>
+          <a:bodyPr rtlCol="0" anchor="ctr"/>
+          <a:lstStyle/>
+          <a:p>
+            <a:pPr algn="ctr"/>
+            <a:endParaRPr lang="en-AU"/>
+          </a:p>
+        </p:txBody>
+      </p:sp>
+      <p:pic>
+        <p:nvPicPr>
+          <p:cNvPr id="2" name="Picture 1"/>
+          <p:cNvPicPr>
+            <a:picLocks noChangeAspect="1"/>
+          </p:cNvPicPr>
+          <p:nvPr/>
+        </p:nvPicPr>
+        <p:blipFill>
+          <a:blip r:embed="rId2"/>
+          <a:stretch>
+            <a:fillRect/>
+          </a:stretch>
+        </p:blipFill>
+        <p:spPr>
+          <a:xfrm>
+            <a:off x="825500" y="1263650"/>
+            <a:ext cx="10299700" cy="4597889"/>
+          </a:xfrm>
+          <a:prstGeom prst="rect">
+            <a:avLst/>
+          </a:prstGeom>
+        </p:spPr>
+      </p:pic>
+    </p:spTree>
+    <p:extLst>
+      <p:ext uri="{BB962C8B-B14F-4D97-AF65-F5344CB8AC3E}">
+        <p14:creationId xmlns:p14="http://schemas.microsoft.com/office/powerpoint/2010/main" val="47035224"/>
+      </p:ext>
+    </p:extLst>
+  </p:cSld>
+  <p:clrMapOvr>
+    <a:masterClrMapping/>
+  </p:clrMapOvr>
+  <p:timing>
+    <p:tnLst>
+      <p:par>
+        <p:cTn id="1" dur="indefinite" restart="never" nodeType="tmRoot"/>
+      </p:par>
+    </p:tnLst>
+  </p:timing>
+</p:sld>
+</file>
+
+<file path=ppt/slides/slide19.xml><?xml version="1.0" encoding="utf-8"?>
+<p:sld xmlns:a="http://schemas.openxmlformats.org/drawingml/2006/main" xmlns:r="http://schemas.openxmlformats.org/officeDocument/2006/relationships" xmlns:p="http://schemas.openxmlformats.org/presentationml/2006/main">
+  <p:cSld>
+    <p:spTree>
+      <p:nvGrpSpPr>
+        <p:cNvPr id="1" name=""/>
+        <p:cNvGrpSpPr/>
+        <p:nvPr/>
+      </p:nvGrpSpPr>
+      <p:grpSpPr>
+        <a:xfrm>
+          <a:off x="0" y="0"/>
+          <a:ext cx="0" cy="0"/>
+          <a:chOff x="0" y="0"/>
+          <a:chExt cx="0" cy="0"/>
+        </a:xfrm>
+      </p:grpSpPr>
+      <p:sp>
+        <p:nvSpPr>
+          <p:cNvPr id="4" name="ZoneTexte 3"/>
+          <p:cNvSpPr txBox="1"/>
+          <p:nvPr/>
+        </p:nvSpPr>
+        <p:spPr>
+          <a:xfrm>
+            <a:off x="572384" y="933506"/>
+            <a:ext cx="2830160" cy="1200329"/>
+          </a:xfrm>
+          <a:prstGeom prst="rect">
+            <a:avLst/>
+          </a:prstGeom>
+          <a:noFill/>
+        </p:spPr>
+        <p:txBody>
+          <a:bodyPr wrap="square" rtlCol="0">
+            <a:spAutoFit/>
+          </a:bodyPr>
+          <a:lstStyle/>
+          <a:p>
+            <a:r>
+              <a:rPr lang="fr-FR" sz="2800" dirty="0">
+                <a:solidFill>
+                  <a:srgbClr val="FF0000"/>
+                </a:solidFill>
+              </a:rPr>
+              <a:t>The issue </a:t>
+            </a:r>
+            <a:r>
+              <a:rPr lang="fr-FR" sz="2800" dirty="0" err="1">
+                <a:solidFill>
+                  <a:srgbClr val="FF0000"/>
+                </a:solidFill>
+              </a:rPr>
+              <a:t>with</a:t>
+            </a:r>
+            <a:r>
+              <a:rPr lang="fr-FR" sz="2800" dirty="0">
+                <a:solidFill>
+                  <a:srgbClr val="FF0000"/>
+                </a:solidFill>
+              </a:rPr>
+              <a:t> </a:t>
+            </a:r>
+            <a:r>
+              <a:rPr lang="fr-FR" sz="2800" dirty="0" err="1">
+                <a:solidFill>
+                  <a:srgbClr val="FF0000"/>
+                </a:solidFill>
+              </a:rPr>
+              <a:t>error</a:t>
+            </a:r>
+            <a:r>
+              <a:rPr lang="fr-FR" sz="2800" dirty="0">
+                <a:solidFill>
+                  <a:srgbClr val="FF0000"/>
+                </a:solidFill>
+              </a:rPr>
+              <a:t> bars</a:t>
+            </a:r>
+          </a:p>
+          <a:p>
+            <a:r>
+              <a:rPr lang="fr-FR" sz="1600" dirty="0" smtClean="0">
+                <a:solidFill>
+                  <a:srgbClr val="414282"/>
+                </a:solidFill>
+                <a:hlinkClick r:id="rId2"/>
+              </a:rPr>
+              <a:t>Read more</a:t>
+            </a:r>
+            <a:endParaRPr lang="fr-FR" sz="2400" dirty="0">
+              <a:solidFill>
+                <a:srgbClr val="414282"/>
+              </a:solidFill>
+            </a:endParaRPr>
+          </a:p>
+        </p:txBody>
+      </p:sp>
+      <p:pic>
+        <p:nvPicPr>
+          <p:cNvPr id="3" name="Picture 2"/>
+          <p:cNvPicPr>
+            <a:picLocks noChangeAspect="1"/>
+          </p:cNvPicPr>
+          <p:nvPr/>
+        </p:nvPicPr>
+        <p:blipFill>
+          <a:blip r:embed="rId3"/>
+          <a:stretch>
+            <a:fillRect/>
+          </a:stretch>
+        </p:blipFill>
+        <p:spPr>
+          <a:xfrm>
+            <a:off x="4167540" y="698415"/>
+            <a:ext cx="7770459" cy="3123571"/>
+          </a:xfrm>
+          <a:prstGeom prst="rect">
+            <a:avLst/>
+          </a:prstGeom>
+        </p:spPr>
+      </p:pic>
+      <p:pic>
+        <p:nvPicPr>
+          <p:cNvPr id="5" name="Picture 4"/>
+          <p:cNvPicPr>
+            <a:picLocks noChangeAspect="1"/>
+          </p:cNvPicPr>
+          <p:nvPr/>
+        </p:nvPicPr>
+        <p:blipFill>
+          <a:blip r:embed="rId4"/>
+          <a:stretch>
+            <a:fillRect/>
+          </a:stretch>
+        </p:blipFill>
+        <p:spPr>
+          <a:xfrm>
+            <a:off x="572384" y="3162300"/>
+            <a:ext cx="5523615" cy="3511550"/>
+          </a:xfrm>
+          <a:prstGeom prst="rect">
+            <a:avLst/>
+          </a:prstGeom>
+        </p:spPr>
+      </p:pic>
+    </p:spTree>
+    <p:extLst>
+      <p:ext uri="{BB962C8B-B14F-4D97-AF65-F5344CB8AC3E}">
+        <p14:creationId xmlns:p14="http://schemas.microsoft.com/office/powerpoint/2010/main" val="247027672"/>
       </p:ext>
     </p:extLst>
   </p:cSld>
@@ -3667,16 +6193,40 @@
           <a:chExt cx="0" cy="0"/>
         </a:xfrm>
       </p:grpSpPr>
-      <p:sp>
-        <p:nvSpPr>
-          <p:cNvPr id="2" name="ZoneTexte 1"/>
+      <p:pic>
+        <p:nvPicPr>
+          <p:cNvPr id="9" name="Picture 8"/>
+          <p:cNvPicPr>
+            <a:picLocks noChangeAspect="1"/>
+          </p:cNvPicPr>
+          <p:nvPr/>
+        </p:nvPicPr>
+        <p:blipFill>
+          <a:blip r:embed="rId3"/>
+          <a:stretch>
+            <a:fillRect/>
+          </a:stretch>
+        </p:blipFill>
+        <p:spPr>
+          <a:xfrm>
+            <a:off x="2178050" y="748322"/>
+            <a:ext cx="7696200" cy="5346700"/>
+          </a:xfrm>
+          <a:prstGeom prst="rect">
+            <a:avLst/>
+          </a:prstGeom>
+        </p:spPr>
+      </p:pic>
+      <p:sp>
+        <p:nvSpPr>
+          <p:cNvPr id="3" name="ZoneTexte 2"/>
           <p:cNvSpPr txBox="1"/>
           <p:nvPr/>
         </p:nvSpPr>
         <p:spPr>
           <a:xfrm>
-            <a:off x="421675" y="699740"/>
-            <a:ext cx="4952430" cy="5693866"/>
+            <a:off x="150470" y="246931"/>
+            <a:ext cx="2314937" cy="646331"/>
           </a:xfrm>
           <a:prstGeom prst="rect">
             <a:avLst/>
@@ -3689,87 +6239,126 @@
           </a:bodyPr>
           <a:lstStyle/>
           <a:p>
-            <a:r>
-              <a:rPr lang="en-CA" sz="4400" dirty="0" smtClean="0">
-                <a:solidFill>
-                  <a:schemeClr val="accent2">
-                    <a:lumMod val="75000"/>
-                  </a:schemeClr>
+            <a:pPr algn="ctr"/>
+            <a:r>
+              <a:rPr lang="fr-FR" dirty="0" err="1" smtClean="0">
+                <a:solidFill>
+                  <a:srgbClr val="FF0000"/>
                 </a:solidFill>
               </a:rPr>
-              <a:t>What</a:t>
-            </a:r>
-          </a:p>
-          <a:p>
-            <a:endParaRPr lang="en-CA" sz="3200" dirty="0" smtClean="0"/>
-          </a:p>
-          <a:p>
-            <a:pPr algn="ctr"/>
-            <a:r>
-              <a:rPr lang="en-CA" sz="3200" dirty="0" smtClean="0"/>
-              <a:t>“ An </a:t>
-            </a:r>
-            <a:r>
-              <a:rPr lang="en-CA" sz="3200" dirty="0"/>
-              <a:t>R Markdown (.</a:t>
-            </a:r>
-            <a:r>
-              <a:rPr lang="en-CA" sz="3200" dirty="0" err="1"/>
-              <a:t>Rmd</a:t>
-            </a:r>
-            <a:r>
-              <a:rPr lang="en-CA" sz="3200" dirty="0"/>
-              <a:t>) file is a record of your research. It contains the </a:t>
-            </a:r>
-            <a:r>
-              <a:rPr lang="en-CA" sz="3200" b="1" dirty="0">
-                <a:solidFill>
-                  <a:schemeClr val="accent2">
-                    <a:lumMod val="75000"/>
-                  </a:schemeClr>
+              <a:t>What’s</a:t>
+            </a:r>
+            <a:r>
+              <a:rPr lang="fr-FR" dirty="0" smtClean="0">
+                <a:solidFill>
+                  <a:srgbClr val="FF0000"/>
                 </a:solidFill>
               </a:rPr>
-              <a:t>code</a:t>
-            </a:r>
-            <a:r>
-              <a:rPr lang="en-CA" sz="3200" dirty="0"/>
-              <a:t> that a scientist needs to reproduce your work along with the </a:t>
-            </a:r>
-            <a:r>
-              <a:rPr lang="en-CA" sz="3200" b="1" dirty="0">
-                <a:solidFill>
-                  <a:schemeClr val="accent2">
-                    <a:lumMod val="75000"/>
-                  </a:schemeClr>
+              <a:t> </a:t>
+            </a:r>
+            <a:r>
+              <a:rPr lang="fr-FR" dirty="0" err="1" smtClean="0">
+                <a:solidFill>
+                  <a:srgbClr val="FF0000"/>
                 </a:solidFill>
               </a:rPr>
-              <a:t>narration</a:t>
-            </a:r>
-            <a:r>
-              <a:rPr lang="en-CA" sz="3200" dirty="0"/>
-              <a:t> that a reader needs to understand your work. </a:t>
-            </a:r>
-            <a:r>
-              <a:rPr lang="en-CA" sz="3200" dirty="0" smtClean="0"/>
-              <a:t>“</a:t>
-            </a:r>
-            <a:endParaRPr lang="en-CA" sz="3200" dirty="0"/>
-          </a:p>
-          <a:p>
-            <a:endParaRPr lang="en-CA" sz="3200" dirty="0" smtClean="0"/>
-          </a:p>
-        </p:txBody>
-      </p:sp>
-      <p:sp>
-        <p:nvSpPr>
-          <p:cNvPr id="3" name="ZoneTexte 2"/>
+              <a:t>wrong</a:t>
+            </a:r>
+            <a:r>
+              <a:rPr lang="fr-FR" dirty="0" smtClean="0">
+                <a:solidFill>
+                  <a:srgbClr val="FF0000"/>
+                </a:solidFill>
+              </a:rPr>
+              <a:t> </a:t>
+            </a:r>
+            <a:r>
+              <a:rPr lang="fr-FR" dirty="0" err="1" smtClean="0">
+                <a:solidFill>
+                  <a:srgbClr val="FF0000"/>
+                </a:solidFill>
+              </a:rPr>
+              <a:t>with</a:t>
+            </a:r>
+            <a:r>
+              <a:rPr lang="fr-FR" dirty="0" smtClean="0">
+                <a:solidFill>
+                  <a:srgbClr val="FF0000"/>
+                </a:solidFill>
+              </a:rPr>
+              <a:t> </a:t>
+            </a:r>
+            <a:r>
+              <a:rPr lang="fr-FR" dirty="0" err="1" smtClean="0">
+                <a:solidFill>
+                  <a:srgbClr val="FF0000"/>
+                </a:solidFill>
+              </a:rPr>
+              <a:t>this</a:t>
+            </a:r>
+            <a:r>
+              <a:rPr lang="fr-FR" dirty="0" smtClean="0">
+                <a:solidFill>
+                  <a:srgbClr val="FF0000"/>
+                </a:solidFill>
+              </a:rPr>
+              <a:t> chart?</a:t>
+            </a:r>
+            <a:endParaRPr lang="fr-FR" dirty="0" smtClean="0">
+              <a:solidFill>
+                <a:srgbClr val="FF0000"/>
+              </a:solidFill>
+            </a:endParaRPr>
+          </a:p>
+        </p:txBody>
+      </p:sp>
+    </p:spTree>
+    <p:extLst>
+      <p:ext uri="{BB962C8B-B14F-4D97-AF65-F5344CB8AC3E}">
+        <p14:creationId xmlns:p14="http://schemas.microsoft.com/office/powerpoint/2010/main" val="1551249004"/>
+      </p:ext>
+    </p:extLst>
+  </p:cSld>
+  <p:clrMapOvr>
+    <a:masterClrMapping/>
+  </p:clrMapOvr>
+  <p:timing>
+    <p:tnLst>
+      <p:par>
+        <p:cTn id="1" dur="indefinite" restart="never" nodeType="tmRoot"/>
+      </p:par>
+    </p:tnLst>
+  </p:timing>
+</p:sld>
+</file>
+
+<file path=ppt/slides/slide20.xml><?xml version="1.0" encoding="utf-8"?>
+<p:sld xmlns:a="http://schemas.openxmlformats.org/drawingml/2006/main" xmlns:r="http://schemas.openxmlformats.org/officeDocument/2006/relationships" xmlns:p="http://schemas.openxmlformats.org/presentationml/2006/main">
+  <p:cSld>
+    <p:spTree>
+      <p:nvGrpSpPr>
+        <p:cNvPr id="1" name=""/>
+        <p:cNvGrpSpPr/>
+        <p:nvPr/>
+      </p:nvGrpSpPr>
+      <p:grpSpPr>
+        <a:xfrm>
+          <a:off x="0" y="0"/>
+          <a:ext cx="0" cy="0"/>
+          <a:chOff x="0" y="0"/>
+          <a:chExt cx="0" cy="0"/>
+        </a:xfrm>
+      </p:grpSpPr>
+      <p:sp>
+        <p:nvSpPr>
+          <p:cNvPr id="4" name="ZoneTexte 3"/>
           <p:cNvSpPr txBox="1"/>
           <p:nvPr/>
         </p:nvSpPr>
         <p:spPr>
           <a:xfrm>
-            <a:off x="6573823" y="699740"/>
-            <a:ext cx="4952430" cy="4708981"/>
+            <a:off x="572384" y="933506"/>
+            <a:ext cx="2830160" cy="1200329"/>
           </a:xfrm>
           <a:prstGeom prst="rect">
             <a:avLst/>
@@ -3783,92 +6372,1635 @@
           <a:lstStyle/>
           <a:p>
             <a:r>
-              <a:rPr lang="en-CA" sz="4400" dirty="0" smtClean="0">
-                <a:solidFill>
-                  <a:schemeClr val="accent2">
-                    <a:lumMod val="75000"/>
-                  </a:schemeClr>
+              <a:rPr lang="fr-FR" sz="2800" dirty="0">
+                <a:solidFill>
+                  <a:srgbClr val="FF0000"/>
                 </a:solidFill>
               </a:rPr>
-              <a:t>Why</a:t>
-            </a:r>
-          </a:p>
-          <a:p>
-            <a:endParaRPr lang="en-CA" sz="3200" dirty="0" smtClean="0"/>
-          </a:p>
-          <a:p>
-            <a:pPr marL="914400" lvl="1" indent="-457200">
-              <a:buFont typeface="Arial" charset="0"/>
-              <a:buChar char="•"/>
-            </a:pPr>
-            <a:r>
-              <a:rPr lang="en-CA" sz="3200" dirty="0" smtClean="0"/>
-              <a:t>Efficiency</a:t>
-            </a:r>
-          </a:p>
-          <a:p>
-            <a:pPr marL="914400" lvl="1" indent="-457200">
-              <a:buFont typeface="Arial" charset="0"/>
-              <a:buChar char="•"/>
-            </a:pPr>
-            <a:r>
-              <a:rPr lang="en-CA" sz="3200" dirty="0" smtClean="0"/>
-              <a:t>Reproducibility</a:t>
-            </a:r>
-          </a:p>
-          <a:p>
-            <a:pPr marL="914400" lvl="1" indent="-457200">
-              <a:buFont typeface="Arial" charset="0"/>
-              <a:buChar char="•"/>
-            </a:pPr>
-            <a:r>
-              <a:rPr lang="en-CA" sz="3200" dirty="0" smtClean="0"/>
-              <a:t>Interactivity</a:t>
-            </a:r>
-          </a:p>
-          <a:p>
-            <a:pPr marL="914400" lvl="1" indent="-457200">
-              <a:buFont typeface="Arial" charset="0"/>
-              <a:buChar char="•"/>
-            </a:pPr>
-            <a:r>
-              <a:rPr lang="en-CA" sz="3200" dirty="0" smtClean="0"/>
-              <a:t>Automation</a:t>
-            </a:r>
-            <a:endParaRPr lang="en-CA" sz="3200" dirty="0"/>
-          </a:p>
-          <a:p>
-            <a:pPr marL="914400" lvl="1" indent="-457200">
-              <a:buFont typeface="Arial" charset="0"/>
-              <a:buChar char="•"/>
-            </a:pPr>
-            <a:r>
-              <a:rPr lang="en-CA" sz="3200" dirty="0" smtClean="0"/>
-              <a:t>Notebook</a:t>
-            </a:r>
-            <a:endParaRPr lang="en-CA" sz="3200" dirty="0"/>
-          </a:p>
-          <a:p>
-            <a:pPr marL="914400" lvl="1" indent="-457200">
-              <a:buFont typeface="Arial" charset="0"/>
-              <a:buChar char="•"/>
-            </a:pPr>
-            <a:endParaRPr lang="en-CA" sz="3200" dirty="0"/>
-          </a:p>
-          <a:p>
-            <a:pPr lvl="1"/>
-            <a:r>
-              <a:rPr lang="en-CA" sz="3200" i="1" dirty="0" smtClean="0"/>
-              <a:t>And much more..</a:t>
-            </a:r>
-            <a:endParaRPr lang="en-CA" sz="3200" i="1" dirty="0"/>
-          </a:p>
-        </p:txBody>
-      </p:sp>
+              <a:t>The issue </a:t>
+            </a:r>
+            <a:r>
+              <a:rPr lang="fr-FR" sz="2800" dirty="0" err="1">
+                <a:solidFill>
+                  <a:srgbClr val="FF0000"/>
+                </a:solidFill>
+              </a:rPr>
+              <a:t>with</a:t>
+            </a:r>
+            <a:r>
+              <a:rPr lang="fr-FR" sz="2800" dirty="0">
+                <a:solidFill>
+                  <a:srgbClr val="FF0000"/>
+                </a:solidFill>
+              </a:rPr>
+              <a:t> </a:t>
+            </a:r>
+            <a:r>
+              <a:rPr lang="fr-FR" sz="2800" dirty="0" err="1">
+                <a:solidFill>
+                  <a:srgbClr val="FF0000"/>
+                </a:solidFill>
+              </a:rPr>
+              <a:t>error</a:t>
+            </a:r>
+            <a:r>
+              <a:rPr lang="fr-FR" sz="2800" dirty="0">
+                <a:solidFill>
+                  <a:srgbClr val="FF0000"/>
+                </a:solidFill>
+              </a:rPr>
+              <a:t> bars</a:t>
+            </a:r>
+          </a:p>
+          <a:p>
+            <a:r>
+              <a:rPr lang="fr-FR" sz="1600" dirty="0" smtClean="0">
+                <a:solidFill>
+                  <a:srgbClr val="414282"/>
+                </a:solidFill>
+                <a:hlinkClick r:id="rId2"/>
+              </a:rPr>
+              <a:t>Read more</a:t>
+            </a:r>
+            <a:endParaRPr lang="fr-FR" sz="2400" dirty="0">
+              <a:solidFill>
+                <a:srgbClr val="414282"/>
+              </a:solidFill>
+            </a:endParaRPr>
+          </a:p>
+        </p:txBody>
+      </p:sp>
+      <p:pic>
+        <p:nvPicPr>
+          <p:cNvPr id="3" name="Picture 2"/>
+          <p:cNvPicPr>
+            <a:picLocks noChangeAspect="1"/>
+          </p:cNvPicPr>
+          <p:nvPr/>
+        </p:nvPicPr>
+        <p:blipFill>
+          <a:blip r:embed="rId3"/>
+          <a:stretch>
+            <a:fillRect/>
+          </a:stretch>
+        </p:blipFill>
+        <p:spPr>
+          <a:xfrm>
+            <a:off x="4167540" y="698415"/>
+            <a:ext cx="7770459" cy="3123571"/>
+          </a:xfrm>
+          <a:prstGeom prst="rect">
+            <a:avLst/>
+          </a:prstGeom>
+        </p:spPr>
+      </p:pic>
     </p:spTree>
     <p:extLst>
       <p:ext uri="{BB962C8B-B14F-4D97-AF65-F5344CB8AC3E}">
-        <p14:creationId xmlns:p14="http://schemas.microsoft.com/office/powerpoint/2010/main" val="184119509"/>
+        <p14:creationId xmlns:p14="http://schemas.microsoft.com/office/powerpoint/2010/main" val="582200207"/>
+      </p:ext>
+    </p:extLst>
+  </p:cSld>
+  <p:clrMapOvr>
+    <a:masterClrMapping/>
+  </p:clrMapOvr>
+  <p:timing>
+    <p:tnLst>
+      <p:par>
+        <p:cTn id="1" dur="indefinite" restart="never" nodeType="tmRoot"/>
+      </p:par>
+    </p:tnLst>
+  </p:timing>
+</p:sld>
+</file>
+
+<file path=ppt/slides/slide21.xml><?xml version="1.0" encoding="utf-8"?>
+<p:sld xmlns:a="http://schemas.openxmlformats.org/drawingml/2006/main" xmlns:r="http://schemas.openxmlformats.org/officeDocument/2006/relationships" xmlns:p="http://schemas.openxmlformats.org/presentationml/2006/main">
+  <p:cSld>
+    <p:spTree>
+      <p:nvGrpSpPr>
+        <p:cNvPr id="1" name=""/>
+        <p:cNvGrpSpPr/>
+        <p:nvPr/>
+      </p:nvGrpSpPr>
+      <p:grpSpPr>
+        <a:xfrm>
+          <a:off x="0" y="0"/>
+          <a:ext cx="0" cy="0"/>
+          <a:chOff x="0" y="0"/>
+          <a:chExt cx="0" cy="0"/>
+        </a:xfrm>
+      </p:grpSpPr>
+      <p:pic>
+        <p:nvPicPr>
+          <p:cNvPr id="2" name="Image 1"/>
+          <p:cNvPicPr>
+            <a:picLocks noChangeAspect="1"/>
+          </p:cNvPicPr>
+          <p:nvPr/>
+        </p:nvPicPr>
+        <p:blipFill>
+          <a:blip r:embed="rId2">
+            <a:extLst>
+              <a:ext uri="{28A0092B-C50C-407E-A947-70E740481C1C}">
+                <a14:useLocalDpi xmlns:a14="http://schemas.microsoft.com/office/drawing/2010/main" val="0"/>
+              </a:ext>
+            </a:extLst>
+          </a:blip>
+          <a:stretch>
+            <a:fillRect/>
+          </a:stretch>
+        </p:blipFill>
+        <p:spPr>
+          <a:xfrm>
+            <a:off x="1605280" y="761999"/>
+            <a:ext cx="9504680" cy="5332943"/>
+          </a:xfrm>
+          <a:prstGeom prst="rect">
+            <a:avLst/>
+          </a:prstGeom>
+        </p:spPr>
+      </p:pic>
+    </p:spTree>
+    <p:extLst>
+      <p:ext uri="{BB962C8B-B14F-4D97-AF65-F5344CB8AC3E}">
+        <p14:creationId xmlns:p14="http://schemas.microsoft.com/office/powerpoint/2010/main" val="640614513"/>
+      </p:ext>
+    </p:extLst>
+  </p:cSld>
+  <p:clrMapOvr>
+    <a:masterClrMapping/>
+  </p:clrMapOvr>
+  <p:timing>
+    <p:tnLst>
+      <p:par>
+        <p:cTn id="1" dur="indefinite" restart="never" nodeType="tmRoot"/>
+      </p:par>
+    </p:tnLst>
+  </p:timing>
+</p:sld>
+</file>
+
+<file path=ppt/slides/slide22.xml><?xml version="1.0" encoding="utf-8"?>
+<p:sld xmlns:a="http://schemas.openxmlformats.org/drawingml/2006/main" xmlns:r="http://schemas.openxmlformats.org/officeDocument/2006/relationships" xmlns:p="http://schemas.openxmlformats.org/presentationml/2006/main">
+  <p:cSld>
+    <p:spTree>
+      <p:nvGrpSpPr>
+        <p:cNvPr id="1" name=""/>
+        <p:cNvGrpSpPr/>
+        <p:nvPr/>
+      </p:nvGrpSpPr>
+      <p:grpSpPr>
+        <a:xfrm>
+          <a:off x="0" y="0"/>
+          <a:ext cx="0" cy="0"/>
+          <a:chOff x="0" y="0"/>
+          <a:chExt cx="0" cy="0"/>
+        </a:xfrm>
+      </p:grpSpPr>
+      <p:pic>
+        <p:nvPicPr>
+          <p:cNvPr id="2" name="Image 1"/>
+          <p:cNvPicPr>
+            <a:picLocks noChangeAspect="1"/>
+          </p:cNvPicPr>
+          <p:nvPr/>
+        </p:nvPicPr>
+        <p:blipFill>
+          <a:blip r:embed="rId2">
+            <a:extLst>
+              <a:ext uri="{28A0092B-C50C-407E-A947-70E740481C1C}">
+                <a14:useLocalDpi xmlns:a14="http://schemas.microsoft.com/office/drawing/2010/main" val="0"/>
+              </a:ext>
+            </a:extLst>
+          </a:blip>
+          <a:stretch>
+            <a:fillRect/>
+          </a:stretch>
+        </p:blipFill>
+        <p:spPr>
+          <a:xfrm>
+            <a:off x="1531620" y="651747"/>
+            <a:ext cx="9109135" cy="5836921"/>
+          </a:xfrm>
+          <a:prstGeom prst="rect">
+            <a:avLst/>
+          </a:prstGeom>
+        </p:spPr>
+      </p:pic>
+      <p:sp>
+        <p:nvSpPr>
+          <p:cNvPr id="4" name="ZoneTexte 3"/>
+          <p:cNvSpPr txBox="1"/>
+          <p:nvPr/>
+        </p:nvSpPr>
+        <p:spPr>
+          <a:xfrm>
+            <a:off x="4907280" y="6488668"/>
+            <a:ext cx="3185160" cy="338554"/>
+          </a:xfrm>
+          <a:prstGeom prst="rect">
+            <a:avLst/>
+          </a:prstGeom>
+          <a:noFill/>
+        </p:spPr>
+        <p:txBody>
+          <a:bodyPr wrap="square" rtlCol="0">
+            <a:spAutoFit/>
+          </a:bodyPr>
+          <a:lstStyle/>
+          <a:p>
+            <a:r>
+              <a:rPr lang="en-AU" sz="1600" dirty="0" smtClean="0"/>
+              <a:t>Source: </a:t>
+            </a:r>
+            <a:r>
+              <a:rPr lang="en-AU" sz="1600" dirty="0" smtClean="0">
+                <a:hlinkClick r:id="rId3"/>
+              </a:rPr>
+              <a:t>Fast Fedora blog</a:t>
+            </a:r>
+            <a:endParaRPr lang="en-AU" sz="1600" dirty="0"/>
+          </a:p>
+        </p:txBody>
+      </p:sp>
+      <p:sp>
+        <p:nvSpPr>
+          <p:cNvPr id="5" name="ZoneTexte 4"/>
+          <p:cNvSpPr txBox="1"/>
+          <p:nvPr/>
+        </p:nvSpPr>
+        <p:spPr>
+          <a:xfrm>
+            <a:off x="2164080" y="190082"/>
+            <a:ext cx="2743200" cy="461665"/>
+          </a:xfrm>
+          <a:prstGeom prst="rect">
+            <a:avLst/>
+          </a:prstGeom>
+          <a:noFill/>
+        </p:spPr>
+        <p:txBody>
+          <a:bodyPr wrap="square" rtlCol="0">
+            <a:spAutoFit/>
+          </a:bodyPr>
+          <a:lstStyle/>
+          <a:p>
+            <a:pPr algn="ctr"/>
+            <a:r>
+              <a:rPr lang="en-AU" sz="2400" dirty="0">
+                <a:solidFill>
+                  <a:srgbClr val="FF0000"/>
+                </a:solidFill>
+              </a:rPr>
+              <a:t>Size</a:t>
+            </a:r>
+            <a:r>
+              <a:rPr lang="en-AU" sz="2400" dirty="0">
+                <a:solidFill>
+                  <a:srgbClr val="FF0000"/>
+                </a:solidFill>
+              </a:rPr>
+              <a:t> = </a:t>
+            </a:r>
+            <a:r>
+              <a:rPr lang="en-AU" sz="2400" dirty="0">
+                <a:solidFill>
+                  <a:srgbClr val="FF0000"/>
+                </a:solidFill>
+              </a:rPr>
+              <a:t>radius</a:t>
+            </a:r>
+          </a:p>
+        </p:txBody>
+      </p:sp>
+      <p:sp>
+        <p:nvSpPr>
+          <p:cNvPr id="6" name="ZoneTexte 5"/>
+          <p:cNvSpPr txBox="1"/>
+          <p:nvPr/>
+        </p:nvSpPr>
+        <p:spPr>
+          <a:xfrm>
+            <a:off x="6720840" y="190082"/>
+            <a:ext cx="2743200" cy="461665"/>
+          </a:xfrm>
+          <a:prstGeom prst="rect">
+            <a:avLst/>
+          </a:prstGeom>
+          <a:noFill/>
+        </p:spPr>
+        <p:txBody>
+          <a:bodyPr wrap="square" rtlCol="0">
+            <a:spAutoFit/>
+          </a:bodyPr>
+          <a:lstStyle/>
+          <a:p>
+            <a:pPr algn="ctr"/>
+            <a:r>
+              <a:rPr lang="en-AU" sz="2400" dirty="0">
+                <a:solidFill>
+                  <a:srgbClr val="FF0000"/>
+                </a:solidFill>
+              </a:rPr>
+              <a:t>Size</a:t>
+            </a:r>
+            <a:r>
+              <a:rPr lang="en-AU" sz="2400" dirty="0">
+                <a:solidFill>
+                  <a:srgbClr val="FF0000"/>
+                </a:solidFill>
+              </a:rPr>
+              <a:t> = </a:t>
+            </a:r>
+            <a:r>
+              <a:rPr lang="en-AU" sz="2400" dirty="0" smtClean="0">
+                <a:solidFill>
+                  <a:srgbClr val="FF0000"/>
+                </a:solidFill>
+              </a:rPr>
+              <a:t>area</a:t>
+            </a:r>
+            <a:endParaRPr lang="en-AU" sz="2400" dirty="0">
+              <a:solidFill>
+                <a:srgbClr val="FF0000"/>
+              </a:solidFill>
+            </a:endParaRPr>
+          </a:p>
+        </p:txBody>
+      </p:sp>
+    </p:spTree>
+    <p:extLst>
+      <p:ext uri="{BB962C8B-B14F-4D97-AF65-F5344CB8AC3E}">
+        <p14:creationId xmlns:p14="http://schemas.microsoft.com/office/powerpoint/2010/main" val="725190119"/>
+      </p:ext>
+    </p:extLst>
+  </p:cSld>
+  <p:clrMapOvr>
+    <a:masterClrMapping/>
+  </p:clrMapOvr>
+  <p:timing>
+    <p:tnLst>
+      <p:par>
+        <p:cTn id="1" dur="indefinite" restart="never" nodeType="tmRoot"/>
+      </p:par>
+    </p:tnLst>
+  </p:timing>
+</p:sld>
+</file>
+
+<file path=ppt/slides/slide23.xml><?xml version="1.0" encoding="utf-8"?>
+<p:sld xmlns:a="http://schemas.openxmlformats.org/drawingml/2006/main" xmlns:r="http://schemas.openxmlformats.org/officeDocument/2006/relationships" xmlns:p="http://schemas.openxmlformats.org/presentationml/2006/main">
+  <p:cSld>
+    <p:spTree>
+      <p:nvGrpSpPr>
+        <p:cNvPr id="1" name=""/>
+        <p:cNvGrpSpPr/>
+        <p:nvPr/>
+      </p:nvGrpSpPr>
+      <p:grpSpPr>
+        <a:xfrm>
+          <a:off x="0" y="0"/>
+          <a:ext cx="0" cy="0"/>
+          <a:chOff x="0" y="0"/>
+          <a:chExt cx="0" cy="0"/>
+        </a:xfrm>
+      </p:grpSpPr>
+      <p:pic>
+        <p:nvPicPr>
+          <p:cNvPr id="2" name="Image 1"/>
+          <p:cNvPicPr>
+            <a:picLocks noChangeAspect="1"/>
+          </p:cNvPicPr>
+          <p:nvPr/>
+        </p:nvPicPr>
+        <p:blipFill>
+          <a:blip r:embed="rId2">
+            <a:extLst>
+              <a:ext uri="{28A0092B-C50C-407E-A947-70E740481C1C}">
+                <a14:useLocalDpi xmlns:a14="http://schemas.microsoft.com/office/drawing/2010/main" val="0"/>
+              </a:ext>
+            </a:extLst>
+          </a:blip>
+          <a:stretch>
+            <a:fillRect/>
+          </a:stretch>
+        </p:blipFill>
+        <p:spPr>
+          <a:xfrm>
+            <a:off x="1531620" y="651747"/>
+            <a:ext cx="9109135" cy="5836921"/>
+          </a:xfrm>
+          <a:prstGeom prst="rect">
+            <a:avLst/>
+          </a:prstGeom>
+        </p:spPr>
+      </p:pic>
+      <p:sp>
+        <p:nvSpPr>
+          <p:cNvPr id="4" name="ZoneTexte 3"/>
+          <p:cNvSpPr txBox="1"/>
+          <p:nvPr/>
+        </p:nvSpPr>
+        <p:spPr>
+          <a:xfrm>
+            <a:off x="4907280" y="6488668"/>
+            <a:ext cx="3185160" cy="338554"/>
+          </a:xfrm>
+          <a:prstGeom prst="rect">
+            <a:avLst/>
+          </a:prstGeom>
+          <a:noFill/>
+        </p:spPr>
+        <p:txBody>
+          <a:bodyPr wrap="square" rtlCol="0">
+            <a:spAutoFit/>
+          </a:bodyPr>
+          <a:lstStyle/>
+          <a:p>
+            <a:r>
+              <a:rPr lang="en-AU" sz="1600" dirty="0" smtClean="0"/>
+              <a:t>Source: </a:t>
+            </a:r>
+            <a:r>
+              <a:rPr lang="en-AU" sz="1600" dirty="0" smtClean="0">
+                <a:hlinkClick r:id="rId3"/>
+              </a:rPr>
+              <a:t>Fast Fedora blog</a:t>
+            </a:r>
+            <a:endParaRPr lang="en-AU" sz="1600" dirty="0"/>
+          </a:p>
+        </p:txBody>
+      </p:sp>
+      <p:sp>
+        <p:nvSpPr>
+          <p:cNvPr id="5" name="ZoneTexte 4"/>
+          <p:cNvSpPr txBox="1"/>
+          <p:nvPr/>
+        </p:nvSpPr>
+        <p:spPr>
+          <a:xfrm>
+            <a:off x="2164080" y="190082"/>
+            <a:ext cx="2743200" cy="461665"/>
+          </a:xfrm>
+          <a:prstGeom prst="rect">
+            <a:avLst/>
+          </a:prstGeom>
+          <a:noFill/>
+        </p:spPr>
+        <p:txBody>
+          <a:bodyPr wrap="square" rtlCol="0">
+            <a:spAutoFit/>
+          </a:bodyPr>
+          <a:lstStyle/>
+          <a:p>
+            <a:pPr algn="ctr"/>
+            <a:r>
+              <a:rPr lang="en-AU" sz="2400" dirty="0">
+                <a:solidFill>
+                  <a:srgbClr val="FF0000"/>
+                </a:solidFill>
+              </a:rPr>
+              <a:t>Size</a:t>
+            </a:r>
+            <a:r>
+              <a:rPr lang="en-AU" sz="2400" dirty="0">
+                <a:solidFill>
+                  <a:srgbClr val="FF0000"/>
+                </a:solidFill>
+              </a:rPr>
+              <a:t> = </a:t>
+            </a:r>
+            <a:r>
+              <a:rPr lang="en-AU" sz="2400" dirty="0">
+                <a:solidFill>
+                  <a:srgbClr val="FF0000"/>
+                </a:solidFill>
+              </a:rPr>
+              <a:t>radius</a:t>
+            </a:r>
+          </a:p>
+        </p:txBody>
+      </p:sp>
+      <p:sp>
+        <p:nvSpPr>
+          <p:cNvPr id="6" name="ZoneTexte 5"/>
+          <p:cNvSpPr txBox="1"/>
+          <p:nvPr/>
+        </p:nvSpPr>
+        <p:spPr>
+          <a:xfrm>
+            <a:off x="6720840" y="190082"/>
+            <a:ext cx="2743200" cy="461665"/>
+          </a:xfrm>
+          <a:prstGeom prst="rect">
+            <a:avLst/>
+          </a:prstGeom>
+          <a:noFill/>
+        </p:spPr>
+        <p:txBody>
+          <a:bodyPr wrap="square" rtlCol="0">
+            <a:spAutoFit/>
+          </a:bodyPr>
+          <a:lstStyle/>
+          <a:p>
+            <a:pPr algn="ctr"/>
+            <a:r>
+              <a:rPr lang="en-AU" sz="2400" dirty="0">
+                <a:solidFill>
+                  <a:srgbClr val="FF0000"/>
+                </a:solidFill>
+              </a:rPr>
+              <a:t>Size</a:t>
+            </a:r>
+            <a:r>
+              <a:rPr lang="en-AU" sz="2400" dirty="0">
+                <a:solidFill>
+                  <a:srgbClr val="FF0000"/>
+                </a:solidFill>
+              </a:rPr>
+              <a:t> = </a:t>
+            </a:r>
+            <a:r>
+              <a:rPr lang="en-AU" sz="2400" dirty="0" smtClean="0">
+                <a:solidFill>
+                  <a:srgbClr val="FF0000"/>
+                </a:solidFill>
+              </a:rPr>
+              <a:t>area</a:t>
+            </a:r>
+            <a:endParaRPr lang="en-AU" sz="2400" dirty="0">
+              <a:solidFill>
+                <a:srgbClr val="FF0000"/>
+              </a:solidFill>
+            </a:endParaRPr>
+          </a:p>
+        </p:txBody>
+      </p:sp>
+      <p:sp>
+        <p:nvSpPr>
+          <p:cNvPr id="7" name="ZoneTexte 6"/>
+          <p:cNvSpPr txBox="1"/>
+          <p:nvPr/>
+        </p:nvSpPr>
+        <p:spPr>
+          <a:xfrm>
+            <a:off x="4145280" y="3092500"/>
+            <a:ext cx="3642360" cy="1200329"/>
+          </a:xfrm>
+          <a:prstGeom prst="rect">
+            <a:avLst/>
+          </a:prstGeom>
+          <a:solidFill>
+            <a:schemeClr val="bg1"/>
+          </a:solidFill>
+          <a:ln>
+            <a:solidFill>
+              <a:srgbClr val="FF0000"/>
+            </a:solidFill>
+          </a:ln>
+        </p:spPr>
+        <p:txBody>
+          <a:bodyPr wrap="square" rtlCol="0">
+            <a:spAutoFit/>
+          </a:bodyPr>
+          <a:lstStyle/>
+          <a:p>
+            <a:pPr algn="ctr"/>
+            <a:endParaRPr lang="en-AU" sz="2400" dirty="0" smtClean="0">
+              <a:solidFill>
+                <a:srgbClr val="FF0000"/>
+              </a:solidFill>
+            </a:endParaRPr>
+          </a:p>
+          <a:p>
+            <a:pPr algn="ctr"/>
+            <a:r>
+              <a:rPr lang="en-AU" sz="2400" dirty="0" smtClean="0">
+                <a:solidFill>
+                  <a:srgbClr val="FF0000"/>
+                </a:solidFill>
+              </a:rPr>
+              <a:t>Area = poor metaphor</a:t>
+            </a:r>
+          </a:p>
+          <a:p>
+            <a:pPr algn="ctr"/>
+            <a:endParaRPr lang="en-AU" sz="2400" dirty="0">
+              <a:solidFill>
+                <a:srgbClr val="FF0000"/>
+              </a:solidFill>
+            </a:endParaRPr>
+          </a:p>
+        </p:txBody>
+      </p:sp>
+    </p:spTree>
+    <p:extLst>
+      <p:ext uri="{BB962C8B-B14F-4D97-AF65-F5344CB8AC3E}">
+        <p14:creationId xmlns:p14="http://schemas.microsoft.com/office/powerpoint/2010/main" val="675398168"/>
+      </p:ext>
+    </p:extLst>
+  </p:cSld>
+  <p:clrMapOvr>
+    <a:masterClrMapping/>
+  </p:clrMapOvr>
+  <p:timing>
+    <p:tnLst>
+      <p:par>
+        <p:cTn id="1" dur="indefinite" restart="never" nodeType="tmRoot"/>
+      </p:par>
+    </p:tnLst>
+  </p:timing>
+</p:sld>
+</file>
+
+<file path=ppt/slides/slide24.xml><?xml version="1.0" encoding="utf-8"?>
+<p:sld xmlns:a="http://schemas.openxmlformats.org/drawingml/2006/main" xmlns:r="http://schemas.openxmlformats.org/officeDocument/2006/relationships" xmlns:p="http://schemas.openxmlformats.org/presentationml/2006/main">
+  <p:cSld>
+    <p:spTree>
+      <p:nvGrpSpPr>
+        <p:cNvPr id="1" name=""/>
+        <p:cNvGrpSpPr/>
+        <p:nvPr/>
+      </p:nvGrpSpPr>
+      <p:grpSpPr>
+        <a:xfrm>
+          <a:off x="0" y="0"/>
+          <a:ext cx="0" cy="0"/>
+          <a:chOff x="0" y="0"/>
+          <a:chExt cx="0" cy="0"/>
+        </a:xfrm>
+      </p:grpSpPr>
+      <p:pic>
+        <p:nvPicPr>
+          <p:cNvPr id="2" name="Image 1"/>
+          <p:cNvPicPr>
+            <a:picLocks noChangeAspect="1"/>
+          </p:cNvPicPr>
+          <p:nvPr/>
+        </p:nvPicPr>
+        <p:blipFill>
+          <a:blip r:embed="rId2">
+            <a:extLst>
+              <a:ext uri="{28A0092B-C50C-407E-A947-70E740481C1C}">
+                <a14:useLocalDpi xmlns:a14="http://schemas.microsoft.com/office/drawing/2010/main" val="0"/>
+              </a:ext>
+            </a:extLst>
+          </a:blip>
+          <a:stretch>
+            <a:fillRect/>
+          </a:stretch>
+        </p:blipFill>
+        <p:spPr>
+          <a:xfrm>
+            <a:off x="3142648" y="730583"/>
+            <a:ext cx="8220403" cy="4868111"/>
+          </a:xfrm>
+          <a:prstGeom prst="rect">
+            <a:avLst/>
+          </a:prstGeom>
+        </p:spPr>
+      </p:pic>
+      <p:sp>
+        <p:nvSpPr>
+          <p:cNvPr id="3" name="Rectangle 2"/>
+          <p:cNvSpPr/>
+          <p:nvPr/>
+        </p:nvSpPr>
+        <p:spPr>
+          <a:xfrm>
+            <a:off x="5107008" y="6019617"/>
+            <a:ext cx="4865563" cy="369332"/>
+          </a:xfrm>
+          <a:prstGeom prst="rect">
+            <a:avLst/>
+          </a:prstGeom>
+        </p:spPr>
+        <p:txBody>
+          <a:bodyPr wrap="none">
+            <a:spAutoFit/>
+          </a:bodyPr>
+          <a:lstStyle/>
+          <a:p>
+            <a:r>
+              <a:rPr lang="fr-FR" dirty="0">
+                <a:solidFill>
+                  <a:srgbClr val="555555"/>
+                </a:solidFill>
+                <a:latin typeface="Montserrat" charset="0"/>
+              </a:rPr>
+              <a:t>Source: Fox News, via </a:t>
+            </a:r>
+            <a:r>
+              <a:rPr lang="fr-FR" dirty="0">
+                <a:solidFill>
+                  <a:srgbClr val="69B3A2"/>
+                </a:solidFill>
+                <a:latin typeface="Montserrat" charset="0"/>
+                <a:hlinkClick r:id="rId3"/>
+              </a:rPr>
+              <a:t>Media Matters for America</a:t>
+            </a:r>
+            <a:endParaRPr lang="en-AU" dirty="0"/>
+          </a:p>
+        </p:txBody>
+      </p:sp>
+    </p:spTree>
+    <p:extLst>
+      <p:ext uri="{BB962C8B-B14F-4D97-AF65-F5344CB8AC3E}">
+        <p14:creationId xmlns:p14="http://schemas.microsoft.com/office/powerpoint/2010/main" val="1300633308"/>
+      </p:ext>
+    </p:extLst>
+  </p:cSld>
+  <p:clrMapOvr>
+    <a:masterClrMapping/>
+  </p:clrMapOvr>
+  <p:timing>
+    <p:tnLst>
+      <p:par>
+        <p:cTn id="1" dur="indefinite" restart="never" nodeType="tmRoot"/>
+      </p:par>
+    </p:tnLst>
+  </p:timing>
+</p:sld>
+</file>
+
+<file path=ppt/slides/slide25.xml><?xml version="1.0" encoding="utf-8"?>
+<p:sld xmlns:a="http://schemas.openxmlformats.org/drawingml/2006/main" xmlns:r="http://schemas.openxmlformats.org/officeDocument/2006/relationships" xmlns:p="http://schemas.openxmlformats.org/presentationml/2006/main">
+  <p:cSld>
+    <p:spTree>
+      <p:nvGrpSpPr>
+        <p:cNvPr id="1" name=""/>
+        <p:cNvGrpSpPr/>
+        <p:nvPr/>
+      </p:nvGrpSpPr>
+      <p:grpSpPr>
+        <a:xfrm>
+          <a:off x="0" y="0"/>
+          <a:ext cx="0" cy="0"/>
+          <a:chOff x="0" y="0"/>
+          <a:chExt cx="0" cy="0"/>
+        </a:xfrm>
+      </p:grpSpPr>
+      <p:pic>
+        <p:nvPicPr>
+          <p:cNvPr id="2" name="Image 1"/>
+          <p:cNvPicPr>
+            <a:picLocks noChangeAspect="1"/>
+          </p:cNvPicPr>
+          <p:nvPr/>
+        </p:nvPicPr>
+        <p:blipFill>
+          <a:blip r:embed="rId2">
+            <a:extLst>
+              <a:ext uri="{28A0092B-C50C-407E-A947-70E740481C1C}">
+                <a14:useLocalDpi xmlns:a14="http://schemas.microsoft.com/office/drawing/2010/main" val="0"/>
+              </a:ext>
+            </a:extLst>
+          </a:blip>
+          <a:stretch>
+            <a:fillRect/>
+          </a:stretch>
+        </p:blipFill>
+        <p:spPr>
+          <a:xfrm>
+            <a:off x="3142648" y="730583"/>
+            <a:ext cx="8220403" cy="4868111"/>
+          </a:xfrm>
+          <a:prstGeom prst="rect">
+            <a:avLst/>
+          </a:prstGeom>
+        </p:spPr>
+      </p:pic>
+      <p:sp>
+        <p:nvSpPr>
+          <p:cNvPr id="3" name="Rectangle 2"/>
+          <p:cNvSpPr/>
+          <p:nvPr/>
+        </p:nvSpPr>
+        <p:spPr>
+          <a:xfrm>
+            <a:off x="5107008" y="6019617"/>
+            <a:ext cx="4865563" cy="369332"/>
+          </a:xfrm>
+          <a:prstGeom prst="rect">
+            <a:avLst/>
+          </a:prstGeom>
+        </p:spPr>
+        <p:txBody>
+          <a:bodyPr wrap="none">
+            <a:spAutoFit/>
+          </a:bodyPr>
+          <a:lstStyle/>
+          <a:p>
+            <a:r>
+              <a:rPr lang="fr-FR" dirty="0">
+                <a:solidFill>
+                  <a:srgbClr val="555555"/>
+                </a:solidFill>
+                <a:latin typeface="Montserrat" charset="0"/>
+              </a:rPr>
+              <a:t>Source: Fox News, via </a:t>
+            </a:r>
+            <a:r>
+              <a:rPr lang="fr-FR" dirty="0">
+                <a:solidFill>
+                  <a:srgbClr val="69B3A2"/>
+                </a:solidFill>
+                <a:latin typeface="Montserrat" charset="0"/>
+                <a:hlinkClick r:id="rId3"/>
+              </a:rPr>
+              <a:t>Media Matters for America</a:t>
+            </a:r>
+            <a:endParaRPr lang="en-AU" dirty="0"/>
+          </a:p>
+        </p:txBody>
+      </p:sp>
+      <p:sp>
+        <p:nvSpPr>
+          <p:cNvPr id="4" name="ZoneTexte 3"/>
+          <p:cNvSpPr txBox="1"/>
+          <p:nvPr/>
+        </p:nvSpPr>
+        <p:spPr>
+          <a:xfrm>
+            <a:off x="-274320" y="1794292"/>
+            <a:ext cx="2743200" cy="2308324"/>
+          </a:xfrm>
+          <a:prstGeom prst="rect">
+            <a:avLst/>
+          </a:prstGeom>
+          <a:noFill/>
+        </p:spPr>
+        <p:txBody>
+          <a:bodyPr wrap="square" rtlCol="0">
+            <a:spAutoFit/>
+          </a:bodyPr>
+          <a:lstStyle/>
+          <a:p>
+            <a:pPr algn="ctr"/>
+            <a:r>
+              <a:rPr lang="en-AU" sz="2400" dirty="0">
+                <a:solidFill>
+                  <a:srgbClr val="FF0000"/>
+                </a:solidFill>
+              </a:rPr>
+              <a:t>Obama </a:t>
+            </a:r>
+            <a:r>
+              <a:rPr lang="en-AU" sz="2400" dirty="0" err="1" smtClean="0">
+                <a:solidFill>
+                  <a:srgbClr val="FF0000"/>
+                </a:solidFill>
+              </a:rPr>
+              <a:t>adminitration</a:t>
+            </a:r>
+            <a:endParaRPr lang="en-AU" sz="2400" dirty="0" smtClean="0">
+              <a:solidFill>
+                <a:srgbClr val="FF0000"/>
+              </a:solidFill>
+            </a:endParaRPr>
+          </a:p>
+          <a:p>
+            <a:pPr algn="ctr"/>
+            <a:endParaRPr lang="en-AU" sz="2400" dirty="0">
+              <a:solidFill>
+                <a:srgbClr val="FF0000"/>
+              </a:solidFill>
+            </a:endParaRPr>
+          </a:p>
+          <a:p>
+            <a:pPr algn="ctr"/>
+            <a:r>
+              <a:rPr lang="en-AU" sz="2400" dirty="0" smtClean="0">
+                <a:solidFill>
+                  <a:srgbClr val="FF0000"/>
+                </a:solidFill>
+              </a:rPr>
+              <a:t>=</a:t>
+            </a:r>
+          </a:p>
+          <a:p>
+            <a:pPr algn="ctr"/>
+            <a:r>
+              <a:rPr lang="en-AU" sz="2400" dirty="0" smtClean="0">
+                <a:solidFill>
+                  <a:srgbClr val="FF0000"/>
+                </a:solidFill>
+              </a:rPr>
+              <a:t>2x more apprehensions? </a:t>
+            </a:r>
+            <a:endParaRPr lang="en-AU" sz="2400" dirty="0">
+              <a:solidFill>
+                <a:srgbClr val="FF0000"/>
+              </a:solidFill>
+            </a:endParaRPr>
+          </a:p>
+        </p:txBody>
+      </p:sp>
+      <p:cxnSp>
+        <p:nvCxnSpPr>
+          <p:cNvPr id="5" name="Connecteur droit avec flèche 4"/>
+          <p:cNvCxnSpPr/>
+          <p:nvPr/>
+        </p:nvCxnSpPr>
+        <p:spPr>
+          <a:xfrm flipH="1" flipV="1">
+            <a:off x="8375797" y="2948453"/>
+            <a:ext cx="16043" cy="885609"/>
+          </a:xfrm>
+          <a:prstGeom prst="straightConnector1">
+            <a:avLst/>
+          </a:prstGeom>
+          <a:ln w="136525">
+            <a:solidFill>
+              <a:srgbClr val="FF0000"/>
+            </a:solidFill>
+            <a:tailEnd type="triangle"/>
+          </a:ln>
+        </p:spPr>
+        <p:style>
+          <a:lnRef idx="1">
+            <a:schemeClr val="accent1"/>
+          </a:lnRef>
+          <a:fillRef idx="0">
+            <a:schemeClr val="accent1"/>
+          </a:fillRef>
+          <a:effectRef idx="0">
+            <a:schemeClr val="accent1"/>
+          </a:effectRef>
+          <a:fontRef idx="minor">
+            <a:schemeClr val="tx1"/>
+          </a:fontRef>
+        </p:style>
+      </p:cxnSp>
+      <p:cxnSp>
+        <p:nvCxnSpPr>
+          <p:cNvPr id="8" name="Connecteur droit avec flèche 7"/>
+          <p:cNvCxnSpPr/>
+          <p:nvPr/>
+        </p:nvCxnSpPr>
+        <p:spPr>
+          <a:xfrm flipH="1" flipV="1">
+            <a:off x="10308868" y="2938784"/>
+            <a:ext cx="16043" cy="885609"/>
+          </a:xfrm>
+          <a:prstGeom prst="straightConnector1">
+            <a:avLst/>
+          </a:prstGeom>
+          <a:ln w="136525">
+            <a:solidFill>
+              <a:srgbClr val="FF0000"/>
+            </a:solidFill>
+            <a:tailEnd type="triangle"/>
+          </a:ln>
+        </p:spPr>
+        <p:style>
+          <a:lnRef idx="1">
+            <a:schemeClr val="accent1"/>
+          </a:lnRef>
+          <a:fillRef idx="0">
+            <a:schemeClr val="accent1"/>
+          </a:fillRef>
+          <a:effectRef idx="0">
+            <a:schemeClr val="accent1"/>
+          </a:effectRef>
+          <a:fontRef idx="minor">
+            <a:schemeClr val="tx1"/>
+          </a:fontRef>
+        </p:style>
+      </p:cxnSp>
+      <p:cxnSp>
+        <p:nvCxnSpPr>
+          <p:cNvPr id="9" name="Connecteur droit avec flèche 8"/>
+          <p:cNvCxnSpPr/>
+          <p:nvPr/>
+        </p:nvCxnSpPr>
+        <p:spPr>
+          <a:xfrm flipH="1" flipV="1">
+            <a:off x="10324911" y="1934508"/>
+            <a:ext cx="16043" cy="885609"/>
+          </a:xfrm>
+          <a:prstGeom prst="straightConnector1">
+            <a:avLst/>
+          </a:prstGeom>
+          <a:ln w="136525">
+            <a:solidFill>
+              <a:srgbClr val="FF0000"/>
+            </a:solidFill>
+            <a:tailEnd type="triangle"/>
+          </a:ln>
+        </p:spPr>
+        <p:style>
+          <a:lnRef idx="1">
+            <a:schemeClr val="accent1"/>
+          </a:lnRef>
+          <a:fillRef idx="0">
+            <a:schemeClr val="accent1"/>
+          </a:fillRef>
+          <a:effectRef idx="0">
+            <a:schemeClr val="accent1"/>
+          </a:effectRef>
+          <a:fontRef idx="minor">
+            <a:schemeClr val="tx1"/>
+          </a:fontRef>
+        </p:style>
+      </p:cxnSp>
+    </p:spTree>
+    <p:extLst>
+      <p:ext uri="{BB962C8B-B14F-4D97-AF65-F5344CB8AC3E}">
+        <p14:creationId xmlns:p14="http://schemas.microsoft.com/office/powerpoint/2010/main" val="848406498"/>
+      </p:ext>
+    </p:extLst>
+  </p:cSld>
+  <p:clrMapOvr>
+    <a:masterClrMapping/>
+  </p:clrMapOvr>
+  <p:timing>
+    <p:tnLst>
+      <p:par>
+        <p:cTn id="1" dur="indefinite" restart="never" nodeType="tmRoot"/>
+      </p:par>
+    </p:tnLst>
+  </p:timing>
+</p:sld>
+</file>
+
+<file path=ppt/slides/slide26.xml><?xml version="1.0" encoding="utf-8"?>
+<p:sld xmlns:a="http://schemas.openxmlformats.org/drawingml/2006/main" xmlns:r="http://schemas.openxmlformats.org/officeDocument/2006/relationships" xmlns:p="http://schemas.openxmlformats.org/presentationml/2006/main">
+  <p:cSld>
+    <p:spTree>
+      <p:nvGrpSpPr>
+        <p:cNvPr id="1" name=""/>
+        <p:cNvGrpSpPr/>
+        <p:nvPr/>
+      </p:nvGrpSpPr>
+      <p:grpSpPr>
+        <a:xfrm>
+          <a:off x="0" y="0"/>
+          <a:ext cx="0" cy="0"/>
+          <a:chOff x="0" y="0"/>
+          <a:chExt cx="0" cy="0"/>
+        </a:xfrm>
+      </p:grpSpPr>
+      <p:pic>
+        <p:nvPicPr>
+          <p:cNvPr id="3" name="Image 2"/>
+          <p:cNvPicPr>
+            <a:picLocks noChangeAspect="1"/>
+          </p:cNvPicPr>
+          <p:nvPr/>
+        </p:nvPicPr>
+        <p:blipFill>
+          <a:blip r:embed="rId2"/>
+          <a:stretch>
+            <a:fillRect/>
+          </a:stretch>
+        </p:blipFill>
+        <p:spPr>
+          <a:xfrm>
+            <a:off x="1540042" y="789304"/>
+            <a:ext cx="9355019" cy="5491179"/>
+          </a:xfrm>
+          <a:prstGeom prst="rect">
+            <a:avLst/>
+          </a:prstGeom>
+        </p:spPr>
+      </p:pic>
+    </p:spTree>
+    <p:extLst>
+      <p:ext uri="{BB962C8B-B14F-4D97-AF65-F5344CB8AC3E}">
+        <p14:creationId xmlns:p14="http://schemas.microsoft.com/office/powerpoint/2010/main" val="507964743"/>
+      </p:ext>
+    </p:extLst>
+  </p:cSld>
+  <p:clrMapOvr>
+    <a:masterClrMapping/>
+  </p:clrMapOvr>
+  <p:timing>
+    <p:tnLst>
+      <p:par>
+        <p:cTn id="1" dur="indefinite" restart="never" nodeType="tmRoot"/>
+      </p:par>
+    </p:tnLst>
+  </p:timing>
+</p:sld>
+</file>
+
+<file path=ppt/slides/slide27.xml><?xml version="1.0" encoding="utf-8"?>
+<p:sld xmlns:a="http://schemas.openxmlformats.org/drawingml/2006/main" xmlns:r="http://schemas.openxmlformats.org/officeDocument/2006/relationships" xmlns:p="http://schemas.openxmlformats.org/presentationml/2006/main">
+  <p:cSld>
+    <p:spTree>
+      <p:nvGrpSpPr>
+        <p:cNvPr id="1" name=""/>
+        <p:cNvGrpSpPr/>
+        <p:nvPr/>
+      </p:nvGrpSpPr>
+      <p:grpSpPr>
+        <a:xfrm>
+          <a:off x="0" y="0"/>
+          <a:ext cx="0" cy="0"/>
+          <a:chOff x="0" y="0"/>
+          <a:chExt cx="0" cy="0"/>
+        </a:xfrm>
+      </p:grpSpPr>
+      <p:pic>
+        <p:nvPicPr>
+          <p:cNvPr id="2" name="Image 1"/>
+          <p:cNvPicPr>
+            <a:picLocks noChangeAspect="1"/>
+          </p:cNvPicPr>
+          <p:nvPr/>
+        </p:nvPicPr>
+        <p:blipFill>
+          <a:blip r:embed="rId2"/>
+          <a:stretch>
+            <a:fillRect/>
+          </a:stretch>
+        </p:blipFill>
+        <p:spPr>
+          <a:xfrm>
+            <a:off x="128337" y="175442"/>
+            <a:ext cx="7213503" cy="4268221"/>
+          </a:xfrm>
+          <a:prstGeom prst="rect">
+            <a:avLst/>
+          </a:prstGeom>
+        </p:spPr>
+      </p:pic>
+      <p:sp>
+        <p:nvSpPr>
+          <p:cNvPr id="6" name="Rectangle 5"/>
+          <p:cNvSpPr/>
+          <p:nvPr/>
+        </p:nvSpPr>
+        <p:spPr>
+          <a:xfrm>
+            <a:off x="4924926" y="4677960"/>
+            <a:ext cx="7267074" cy="1569660"/>
+          </a:xfrm>
+          <a:prstGeom prst="rect">
+            <a:avLst/>
+          </a:prstGeom>
+        </p:spPr>
+        <p:txBody>
+          <a:bodyPr wrap="square">
+            <a:spAutoFit/>
+          </a:bodyPr>
+          <a:lstStyle/>
+          <a:p>
+            <a:r>
+              <a:rPr lang="fr-FR" sz="3200" i="1" dirty="0">
+                <a:solidFill>
+                  <a:srgbClr val="555555"/>
+                </a:solidFill>
+                <a:latin typeface="Montserrat" charset="0"/>
+              </a:rPr>
+              <a:t>“In </a:t>
+            </a:r>
+            <a:r>
+              <a:rPr lang="fr-FR" sz="3200" i="1" dirty="0" err="1">
+                <a:solidFill>
+                  <a:srgbClr val="555555"/>
+                </a:solidFill>
+                <a:latin typeface="Montserrat" charset="0"/>
+              </a:rPr>
+              <a:t>general</a:t>
+            </a:r>
+            <a:r>
+              <a:rPr lang="fr-FR" sz="3200" i="1" dirty="0">
+                <a:solidFill>
+                  <a:srgbClr val="555555"/>
+                </a:solidFill>
+                <a:latin typeface="Montserrat" charset="0"/>
+              </a:rPr>
+              <a:t>, in a time-</a:t>
+            </a:r>
+            <a:r>
+              <a:rPr lang="fr-FR" sz="3200" i="1" dirty="0" err="1">
+                <a:solidFill>
+                  <a:srgbClr val="555555"/>
+                </a:solidFill>
+                <a:latin typeface="Montserrat" charset="0"/>
+              </a:rPr>
+              <a:t>series</a:t>
+            </a:r>
+            <a:r>
+              <a:rPr lang="fr-FR" sz="3200" i="1" dirty="0">
+                <a:solidFill>
+                  <a:srgbClr val="555555"/>
+                </a:solidFill>
+                <a:latin typeface="Montserrat" charset="0"/>
+              </a:rPr>
+              <a:t>, use a </a:t>
+            </a:r>
+            <a:r>
+              <a:rPr lang="fr-FR" sz="3200" i="1" dirty="0" err="1">
+                <a:solidFill>
+                  <a:srgbClr val="555555"/>
+                </a:solidFill>
+                <a:latin typeface="Montserrat" charset="0"/>
+              </a:rPr>
+              <a:t>baseline</a:t>
+            </a:r>
+            <a:r>
+              <a:rPr lang="fr-FR" sz="3200" i="1" dirty="0">
+                <a:solidFill>
+                  <a:srgbClr val="555555"/>
+                </a:solidFill>
+                <a:latin typeface="Montserrat" charset="0"/>
+              </a:rPr>
+              <a:t> </a:t>
+            </a:r>
+            <a:r>
+              <a:rPr lang="fr-FR" sz="3200" i="1" dirty="0" err="1">
+                <a:solidFill>
+                  <a:srgbClr val="555555"/>
+                </a:solidFill>
+                <a:latin typeface="Montserrat" charset="0"/>
+              </a:rPr>
+              <a:t>that</a:t>
+            </a:r>
+            <a:r>
+              <a:rPr lang="fr-FR" sz="3200" i="1" dirty="0">
+                <a:solidFill>
+                  <a:srgbClr val="555555"/>
+                </a:solidFill>
+                <a:latin typeface="Montserrat" charset="0"/>
+              </a:rPr>
+              <a:t> shows the data not the </a:t>
+            </a:r>
+            <a:r>
+              <a:rPr lang="fr-FR" sz="3200" i="1" dirty="0" err="1">
+                <a:solidFill>
+                  <a:srgbClr val="555555"/>
+                </a:solidFill>
+                <a:latin typeface="Montserrat" charset="0"/>
+              </a:rPr>
+              <a:t>zero</a:t>
+            </a:r>
+            <a:r>
+              <a:rPr lang="fr-FR" sz="3200" i="1" dirty="0">
+                <a:solidFill>
+                  <a:srgbClr val="555555"/>
+                </a:solidFill>
+                <a:latin typeface="Montserrat" charset="0"/>
+              </a:rPr>
+              <a:t> point”</a:t>
+            </a:r>
+            <a:r>
+              <a:rPr lang="fr-FR" sz="3200" dirty="0">
+                <a:solidFill>
+                  <a:srgbClr val="555555"/>
+                </a:solidFill>
+                <a:latin typeface="Montserrat" charset="0"/>
+              </a:rPr>
+              <a:t> - </a:t>
+            </a:r>
+            <a:r>
+              <a:rPr lang="fr-FR" sz="3200" dirty="0">
+                <a:solidFill>
+                  <a:srgbClr val="69B3A2"/>
+                </a:solidFill>
+                <a:latin typeface="Montserrat" charset="0"/>
+                <a:hlinkClick r:id="rId3"/>
+              </a:rPr>
+              <a:t>Edward Tufte</a:t>
+            </a:r>
+            <a:endParaRPr lang="en-AU" sz="3200" dirty="0"/>
+          </a:p>
+        </p:txBody>
+      </p:sp>
+    </p:spTree>
+    <p:extLst>
+      <p:ext uri="{BB962C8B-B14F-4D97-AF65-F5344CB8AC3E}">
+        <p14:creationId xmlns:p14="http://schemas.microsoft.com/office/powerpoint/2010/main" val="82410351"/>
+      </p:ext>
+    </p:extLst>
+  </p:cSld>
+  <p:clrMapOvr>
+    <a:masterClrMapping/>
+  </p:clrMapOvr>
+  <p:timing>
+    <p:tnLst>
+      <p:par>
+        <p:cTn id="1" dur="indefinite" restart="never" nodeType="tmRoot"/>
+      </p:par>
+    </p:tnLst>
+  </p:timing>
+</p:sld>
+</file>
+
+<file path=ppt/slides/slide28.xml><?xml version="1.0" encoding="utf-8"?>
+<p:sld xmlns:a="http://schemas.openxmlformats.org/drawingml/2006/main" xmlns:r="http://schemas.openxmlformats.org/officeDocument/2006/relationships" xmlns:p="http://schemas.openxmlformats.org/presentationml/2006/main">
+  <p:cSld>
+    <p:spTree>
+      <p:nvGrpSpPr>
+        <p:cNvPr id="1" name=""/>
+        <p:cNvGrpSpPr/>
+        <p:nvPr/>
+      </p:nvGrpSpPr>
+      <p:grpSpPr>
+        <a:xfrm>
+          <a:off x="0" y="0"/>
+          <a:ext cx="0" cy="0"/>
+          <a:chOff x="0" y="0"/>
+          <a:chExt cx="0" cy="0"/>
+        </a:xfrm>
+      </p:grpSpPr>
+      <p:pic>
+        <p:nvPicPr>
+          <p:cNvPr id="2" name="Image 1"/>
+          <p:cNvPicPr>
+            <a:picLocks noChangeAspect="1"/>
+          </p:cNvPicPr>
+          <p:nvPr/>
+        </p:nvPicPr>
+        <p:blipFill>
+          <a:blip r:embed="rId2"/>
+          <a:stretch>
+            <a:fillRect/>
+          </a:stretch>
+        </p:blipFill>
+        <p:spPr>
+          <a:xfrm>
+            <a:off x="3176337" y="23606"/>
+            <a:ext cx="5859565" cy="6834393"/>
+          </a:xfrm>
+          <a:prstGeom prst="rect">
+            <a:avLst/>
+          </a:prstGeom>
+        </p:spPr>
+      </p:pic>
+      <p:sp>
+        <p:nvSpPr>
+          <p:cNvPr id="3" name="Rectangle 2"/>
+          <p:cNvSpPr/>
+          <p:nvPr/>
+        </p:nvSpPr>
+        <p:spPr>
+          <a:xfrm>
+            <a:off x="9947254" y="6360101"/>
+            <a:ext cx="2108269" cy="369332"/>
+          </a:xfrm>
+          <a:prstGeom prst="rect">
+            <a:avLst/>
+          </a:prstGeom>
+        </p:spPr>
+        <p:txBody>
+          <a:bodyPr wrap="none">
+            <a:spAutoFit/>
+          </a:bodyPr>
+          <a:lstStyle/>
+          <a:p>
+            <a:r>
+              <a:rPr lang="fr-FR" dirty="0" smtClean="0">
+                <a:solidFill>
+                  <a:srgbClr val="69B3A2"/>
+                </a:solidFill>
+                <a:latin typeface="Montserrat" charset="0"/>
+                <a:hlinkClick r:id="rId3"/>
+              </a:rPr>
+              <a:t>Source: KD </a:t>
+            </a:r>
+            <a:r>
+              <a:rPr lang="fr-FR" dirty="0">
+                <a:solidFill>
+                  <a:srgbClr val="69B3A2"/>
+                </a:solidFill>
+                <a:latin typeface="Montserrat" charset="0"/>
+                <a:hlinkClick r:id="rId3"/>
+              </a:rPr>
+              <a:t>Nuggets</a:t>
+            </a:r>
+            <a:endParaRPr lang="en-AU" dirty="0"/>
+          </a:p>
+        </p:txBody>
+      </p:sp>
+    </p:spTree>
+    <p:extLst>
+      <p:ext uri="{BB962C8B-B14F-4D97-AF65-F5344CB8AC3E}">
+        <p14:creationId xmlns:p14="http://schemas.microsoft.com/office/powerpoint/2010/main" val="1611368735"/>
+      </p:ext>
+    </p:extLst>
+  </p:cSld>
+  <p:clrMapOvr>
+    <a:masterClrMapping/>
+  </p:clrMapOvr>
+  <p:timing>
+    <p:tnLst>
+      <p:par>
+        <p:cTn id="1" dur="indefinite" restart="never" nodeType="tmRoot"/>
+      </p:par>
+    </p:tnLst>
+  </p:timing>
+</p:sld>
+</file>
+
+<file path=ppt/slides/slide29.xml><?xml version="1.0" encoding="utf-8"?>
+<p:sld xmlns:a="http://schemas.openxmlformats.org/drawingml/2006/main" xmlns:r="http://schemas.openxmlformats.org/officeDocument/2006/relationships" xmlns:p="http://schemas.openxmlformats.org/presentationml/2006/main">
+  <p:cSld>
+    <p:spTree>
+      <p:nvGrpSpPr>
+        <p:cNvPr id="1" name=""/>
+        <p:cNvGrpSpPr/>
+        <p:nvPr/>
+      </p:nvGrpSpPr>
+      <p:grpSpPr>
+        <a:xfrm>
+          <a:off x="0" y="0"/>
+          <a:ext cx="0" cy="0"/>
+          <a:chOff x="0" y="0"/>
+          <a:chExt cx="0" cy="0"/>
+        </a:xfrm>
+      </p:grpSpPr>
+      <p:pic>
+        <p:nvPicPr>
+          <p:cNvPr id="2" name="Image 1"/>
+          <p:cNvPicPr>
+            <a:picLocks noChangeAspect="1"/>
+          </p:cNvPicPr>
+          <p:nvPr/>
+        </p:nvPicPr>
+        <p:blipFill>
+          <a:blip r:embed="rId2"/>
+          <a:stretch>
+            <a:fillRect/>
+          </a:stretch>
+        </p:blipFill>
+        <p:spPr>
+          <a:xfrm>
+            <a:off x="3176337" y="23606"/>
+            <a:ext cx="5859565" cy="6834393"/>
+          </a:xfrm>
+          <a:prstGeom prst="rect">
+            <a:avLst/>
+          </a:prstGeom>
+        </p:spPr>
+      </p:pic>
+      <p:sp>
+        <p:nvSpPr>
+          <p:cNvPr id="3" name="Rectangle 2"/>
+          <p:cNvSpPr/>
+          <p:nvPr/>
+        </p:nvSpPr>
+        <p:spPr>
+          <a:xfrm>
+            <a:off x="9947254" y="6360101"/>
+            <a:ext cx="2108269" cy="369332"/>
+          </a:xfrm>
+          <a:prstGeom prst="rect">
+            <a:avLst/>
+          </a:prstGeom>
+        </p:spPr>
+        <p:txBody>
+          <a:bodyPr wrap="none">
+            <a:spAutoFit/>
+          </a:bodyPr>
+          <a:lstStyle/>
+          <a:p>
+            <a:r>
+              <a:rPr lang="en-CA" dirty="0" smtClean="0">
+                <a:solidFill>
+                  <a:srgbClr val="69B3A2"/>
+                </a:solidFill>
+                <a:latin typeface="Montserrat" charset="0"/>
+                <a:hlinkClick r:id="rId3"/>
+              </a:rPr>
+              <a:t>Source: KD Nuggets</a:t>
+            </a:r>
+            <a:endParaRPr lang="en-CA" dirty="0"/>
+          </a:p>
+        </p:txBody>
+      </p:sp>
+      <p:sp>
+        <p:nvSpPr>
+          <p:cNvPr id="4" name="ZoneTexte 3"/>
+          <p:cNvSpPr txBox="1"/>
+          <p:nvPr/>
+        </p:nvSpPr>
+        <p:spPr>
+          <a:xfrm>
+            <a:off x="-175124" y="3040692"/>
+            <a:ext cx="3037872" cy="400110"/>
+          </a:xfrm>
+          <a:prstGeom prst="rect">
+            <a:avLst/>
+          </a:prstGeom>
+          <a:noFill/>
+        </p:spPr>
+        <p:txBody>
+          <a:bodyPr wrap="square" rtlCol="0">
+            <a:spAutoFit/>
+          </a:bodyPr>
+          <a:lstStyle>
+            <a:defPPr>
+              <a:defRPr lang="fr-FR"/>
+            </a:defPPr>
+            <a:lvl1pPr algn="ctr">
+              <a:defRPr>
+                <a:solidFill>
+                  <a:srgbClr val="FF0000"/>
+                </a:solidFill>
+              </a:defRPr>
+            </a:lvl1pPr>
+          </a:lstStyle>
+          <a:p>
+            <a:r>
+              <a:rPr lang="en-CA" sz="2000" dirty="0" smtClean="0"/>
+              <a:t>Reverse Y Axis</a:t>
+            </a:r>
+            <a:endParaRPr lang="en-CA" sz="2000" dirty="0"/>
+          </a:p>
+        </p:txBody>
+      </p:sp>
+      <p:cxnSp>
+        <p:nvCxnSpPr>
+          <p:cNvPr id="5" name="Connecteur droit avec flèche 4"/>
+          <p:cNvCxnSpPr/>
+          <p:nvPr/>
+        </p:nvCxnSpPr>
+        <p:spPr>
+          <a:xfrm>
+            <a:off x="2407072" y="3255160"/>
+            <a:ext cx="455676" cy="0"/>
+          </a:xfrm>
+          <a:prstGeom prst="straightConnector1">
+            <a:avLst/>
+          </a:prstGeom>
+          <a:ln w="34925">
+            <a:solidFill>
+              <a:srgbClr val="FF0000"/>
+            </a:solidFill>
+            <a:tailEnd type="triangle"/>
+          </a:ln>
+        </p:spPr>
+        <p:style>
+          <a:lnRef idx="1">
+            <a:schemeClr val="accent1"/>
+          </a:lnRef>
+          <a:fillRef idx="0">
+            <a:schemeClr val="accent1"/>
+          </a:fillRef>
+          <a:effectRef idx="0">
+            <a:schemeClr val="accent1"/>
+          </a:effectRef>
+          <a:fontRef idx="minor">
+            <a:schemeClr val="tx1"/>
+          </a:fontRef>
+        </p:style>
+      </p:cxnSp>
+      <p:sp>
+        <p:nvSpPr>
+          <p:cNvPr id="8" name="ZoneTexte 7"/>
+          <p:cNvSpPr txBox="1"/>
+          <p:nvPr/>
+        </p:nvSpPr>
+        <p:spPr>
+          <a:xfrm>
+            <a:off x="-18329" y="369681"/>
+            <a:ext cx="3037872" cy="954107"/>
+          </a:xfrm>
+          <a:prstGeom prst="rect">
+            <a:avLst/>
+          </a:prstGeom>
+          <a:noFill/>
+        </p:spPr>
+        <p:txBody>
+          <a:bodyPr wrap="square" rtlCol="0">
+            <a:spAutoFit/>
+          </a:bodyPr>
+          <a:lstStyle>
+            <a:defPPr>
+              <a:defRPr lang="fr-FR"/>
+            </a:defPPr>
+            <a:lvl1pPr algn="ctr">
+              <a:defRPr>
+                <a:solidFill>
+                  <a:srgbClr val="FF0000"/>
+                </a:solidFill>
+              </a:defRPr>
+            </a:lvl1pPr>
+          </a:lstStyle>
+          <a:p>
+            <a:r>
+              <a:rPr lang="en-CA" sz="2800" dirty="0" smtClean="0"/>
+              <a:t>Do not be</a:t>
+            </a:r>
+          </a:p>
+          <a:p>
+            <a:r>
+              <a:rPr lang="en-CA" sz="2800" dirty="0" smtClean="0"/>
+              <a:t> counter intuitive</a:t>
+            </a:r>
+            <a:endParaRPr lang="en-CA" sz="2800" dirty="0"/>
+          </a:p>
+        </p:txBody>
+      </p:sp>
+    </p:spTree>
+    <p:extLst>
+      <p:ext uri="{BB962C8B-B14F-4D97-AF65-F5344CB8AC3E}">
+        <p14:creationId xmlns:p14="http://schemas.microsoft.com/office/powerpoint/2010/main" val="905659182"/>
       </p:ext>
     </p:extLst>
   </p:cSld>
@@ -3902,17 +8034,379 @@
           <a:chExt cx="0" cy="0"/>
         </a:xfrm>
       </p:grpSpPr>
+      <p:sp>
+        <p:nvSpPr>
+          <p:cNvPr id="7" name="ZoneTexte 3"/>
+          <p:cNvSpPr txBox="1"/>
+          <p:nvPr/>
+        </p:nvSpPr>
+        <p:spPr>
+          <a:xfrm>
+            <a:off x="0" y="414994"/>
+            <a:ext cx="2178050" cy="1477328"/>
+          </a:xfrm>
+          <a:prstGeom prst="rect">
+            <a:avLst/>
+          </a:prstGeom>
+          <a:noFill/>
+        </p:spPr>
+        <p:txBody>
+          <a:bodyPr wrap="square" rtlCol="0">
+            <a:spAutoFit/>
+          </a:bodyPr>
+          <a:lstStyle>
+            <a:defPPr>
+              <a:defRPr lang="fr-FR"/>
+            </a:defPPr>
+            <a:lvl1pPr algn="ctr">
+              <a:defRPr>
+                <a:solidFill>
+                  <a:srgbClr val="FF0000"/>
+                </a:solidFill>
+              </a:defRPr>
+            </a:lvl1pPr>
+          </a:lstStyle>
+          <a:p>
+            <a:r>
+              <a:rPr lang="fr-FR" dirty="0" err="1"/>
+              <a:t>Calculation</a:t>
+            </a:r>
+            <a:endParaRPr lang="fr-FR" dirty="0"/>
+          </a:p>
+          <a:p>
+            <a:r>
+              <a:rPr lang="fr-FR" dirty="0"/>
+              <a:t>+</a:t>
+            </a:r>
+          </a:p>
+          <a:p>
+            <a:r>
+              <a:rPr lang="fr-FR" dirty="0"/>
+              <a:t>3D</a:t>
+            </a:r>
+          </a:p>
+          <a:p>
+            <a:r>
+              <a:rPr lang="fr-FR" dirty="0"/>
+              <a:t>+</a:t>
+            </a:r>
+          </a:p>
+          <a:p>
+            <a:r>
+              <a:rPr lang="fr-FR" dirty="0"/>
+              <a:t>Pie chart</a:t>
+            </a:r>
+            <a:endParaRPr lang="fr-FR" dirty="0"/>
+          </a:p>
+        </p:txBody>
+      </p:sp>
       <p:pic>
         <p:nvPicPr>
-          <p:cNvPr id="8" name="Image 7"/>
+          <p:cNvPr id="9" name="Picture 8"/>
           <p:cNvPicPr>
             <a:picLocks noChangeAspect="1"/>
           </p:cNvPicPr>
           <p:nvPr/>
         </p:nvPicPr>
         <p:blipFill>
+          <a:blip r:embed="rId3"/>
+          <a:stretch>
+            <a:fillRect/>
+          </a:stretch>
+        </p:blipFill>
+        <p:spPr>
+          <a:xfrm>
+            <a:off x="2178050" y="748322"/>
+            <a:ext cx="7696200" cy="5346700"/>
+          </a:xfrm>
+          <a:prstGeom prst="rect">
+            <a:avLst/>
+          </a:prstGeom>
+        </p:spPr>
+      </p:pic>
+    </p:spTree>
+    <p:extLst>
+      <p:ext uri="{BB962C8B-B14F-4D97-AF65-F5344CB8AC3E}">
+        <p14:creationId xmlns:p14="http://schemas.microsoft.com/office/powerpoint/2010/main" val="1815589282"/>
+      </p:ext>
+    </p:extLst>
+  </p:cSld>
+  <p:clrMapOvr>
+    <a:masterClrMapping/>
+  </p:clrMapOvr>
+  <p:timing>
+    <p:tnLst>
+      <p:par>
+        <p:cTn id="1" dur="indefinite" restart="never" nodeType="tmRoot"/>
+      </p:par>
+    </p:tnLst>
+  </p:timing>
+</p:sld>
+</file>
+
+<file path=ppt/slides/slide30.xml><?xml version="1.0" encoding="utf-8"?>
+<p:sld xmlns:a="http://schemas.openxmlformats.org/drawingml/2006/main" xmlns:r="http://schemas.openxmlformats.org/officeDocument/2006/relationships" xmlns:p="http://schemas.openxmlformats.org/presentationml/2006/main">
+  <p:cSld>
+    <p:spTree>
+      <p:nvGrpSpPr>
+        <p:cNvPr id="1" name=""/>
+        <p:cNvGrpSpPr/>
+        <p:nvPr/>
+      </p:nvGrpSpPr>
+      <p:grpSpPr>
+        <a:xfrm>
+          <a:off x="0" y="0"/>
+          <a:ext cx="0" cy="0"/>
+          <a:chOff x="0" y="0"/>
+          <a:chExt cx="0" cy="0"/>
+        </a:xfrm>
+      </p:grpSpPr>
+      <p:pic>
+        <p:nvPicPr>
+          <p:cNvPr id="3" name="Image 2"/>
+          <p:cNvPicPr>
+            <a:picLocks noChangeAspect="1"/>
+          </p:cNvPicPr>
+          <p:nvPr/>
+        </p:nvPicPr>
+        <p:blipFill>
+          <a:blip r:embed="rId2"/>
+          <a:stretch>
+            <a:fillRect/>
+          </a:stretch>
+        </p:blipFill>
+        <p:spPr>
+          <a:xfrm>
+            <a:off x="2233914" y="832411"/>
+            <a:ext cx="8138724" cy="5747795"/>
+          </a:xfrm>
+          <a:prstGeom prst="rect">
+            <a:avLst/>
+          </a:prstGeom>
+        </p:spPr>
+      </p:pic>
+      <p:sp>
+        <p:nvSpPr>
+          <p:cNvPr id="4" name="ZoneTexte 3"/>
+          <p:cNvSpPr txBox="1"/>
+          <p:nvPr/>
+        </p:nvSpPr>
+        <p:spPr>
+          <a:xfrm>
+            <a:off x="4735653" y="267103"/>
+            <a:ext cx="3644900" cy="369332"/>
+          </a:xfrm>
+          <a:prstGeom prst="rect">
+            <a:avLst/>
+          </a:prstGeom>
+          <a:noFill/>
+        </p:spPr>
+        <p:txBody>
+          <a:bodyPr wrap="square" rtlCol="0">
+            <a:spAutoFit/>
+          </a:bodyPr>
+          <a:lstStyle/>
+          <a:p>
+            <a:r>
+              <a:rPr lang="fr-FR" dirty="0" smtClean="0">
+                <a:solidFill>
+                  <a:srgbClr val="414282"/>
+                </a:solidFill>
+                <a:hlinkClick r:id="rId3"/>
+              </a:rPr>
+              <a:t>Data-to-</a:t>
+            </a:r>
+            <a:r>
+              <a:rPr lang="fr-FR" dirty="0" err="1" smtClean="0">
+                <a:solidFill>
+                  <a:srgbClr val="414282"/>
+                </a:solidFill>
+                <a:hlinkClick r:id="rId3"/>
+              </a:rPr>
+              <a:t>viz.com</a:t>
+            </a:r>
+            <a:r>
+              <a:rPr lang="fr-FR" dirty="0" smtClean="0">
+                <a:solidFill>
+                  <a:srgbClr val="414282"/>
+                </a:solidFill>
+                <a:hlinkClick r:id="rId3"/>
+              </a:rPr>
+              <a:t>/</a:t>
+            </a:r>
+            <a:r>
+              <a:rPr lang="fr-FR" dirty="0" err="1" smtClean="0">
+                <a:solidFill>
+                  <a:srgbClr val="414282"/>
+                </a:solidFill>
+                <a:hlinkClick r:id="rId3"/>
+              </a:rPr>
+              <a:t>caveats</a:t>
+            </a:r>
+            <a:endParaRPr lang="fr-FR" dirty="0">
+              <a:solidFill>
+                <a:srgbClr val="414282"/>
+              </a:solidFill>
+            </a:endParaRPr>
+          </a:p>
+        </p:txBody>
+      </p:sp>
+      <p:sp>
+        <p:nvSpPr>
+          <p:cNvPr id="5" name="ZoneTexte 4"/>
+          <p:cNvSpPr txBox="1"/>
+          <p:nvPr/>
+        </p:nvSpPr>
+        <p:spPr>
+          <a:xfrm>
+            <a:off x="243069" y="2516768"/>
+            <a:ext cx="1701722" cy="461665"/>
+          </a:xfrm>
+          <a:prstGeom prst="rect">
+            <a:avLst/>
+          </a:prstGeom>
+          <a:noFill/>
+        </p:spPr>
+        <p:txBody>
+          <a:bodyPr wrap="square" rtlCol="0">
+            <a:spAutoFit/>
+          </a:bodyPr>
+          <a:lstStyle/>
+          <a:p>
+            <a:r>
+              <a:rPr lang="fr-FR" sz="2400" b="1" dirty="0" smtClean="0">
+                <a:solidFill>
+                  <a:srgbClr val="FF0000"/>
+                </a:solidFill>
+              </a:rPr>
+              <a:t>Data to </a:t>
+            </a:r>
+            <a:r>
+              <a:rPr lang="fr-FR" sz="2400" b="1" dirty="0" err="1" smtClean="0">
+                <a:solidFill>
+                  <a:srgbClr val="FF0000"/>
+                </a:solidFill>
+              </a:rPr>
+              <a:t>Viz</a:t>
+            </a:r>
+            <a:endParaRPr lang="fr-FR" sz="2400" b="1" dirty="0" smtClean="0">
+              <a:solidFill>
+                <a:srgbClr val="FF0000"/>
+              </a:solidFill>
+            </a:endParaRPr>
+          </a:p>
+        </p:txBody>
+      </p:sp>
+      <p:sp>
+        <p:nvSpPr>
+          <p:cNvPr id="6" name="ZoneTexte 5"/>
+          <p:cNvSpPr txBox="1"/>
+          <p:nvPr/>
+        </p:nvSpPr>
+        <p:spPr>
+          <a:xfrm>
+            <a:off x="243069" y="3198476"/>
+            <a:ext cx="1666754" cy="646331"/>
+          </a:xfrm>
+          <a:prstGeom prst="rect">
+            <a:avLst/>
+          </a:prstGeom>
+          <a:noFill/>
+        </p:spPr>
+        <p:txBody>
+          <a:bodyPr wrap="square" rtlCol="0">
+            <a:spAutoFit/>
+          </a:bodyPr>
+          <a:lstStyle/>
+          <a:p>
+            <a:pPr algn="ctr"/>
+            <a:r>
+              <a:rPr lang="fr-FR" dirty="0" smtClean="0">
+                <a:solidFill>
+                  <a:srgbClr val="FF0000"/>
+                </a:solidFill>
+              </a:rPr>
+              <a:t>A collection of </a:t>
+            </a:r>
+            <a:r>
+              <a:rPr lang="fr-FR" dirty="0" err="1" smtClean="0">
+                <a:solidFill>
+                  <a:srgbClr val="FF0000"/>
+                </a:solidFill>
+              </a:rPr>
+              <a:t>dataviz</a:t>
+            </a:r>
+            <a:r>
+              <a:rPr lang="fr-FR" dirty="0" smtClean="0">
+                <a:solidFill>
+                  <a:srgbClr val="FF0000"/>
+                </a:solidFill>
+              </a:rPr>
+              <a:t> </a:t>
+            </a:r>
+            <a:r>
+              <a:rPr lang="fr-FR" dirty="0" err="1" smtClean="0">
+                <a:solidFill>
+                  <a:srgbClr val="FF0000"/>
+                </a:solidFill>
+              </a:rPr>
+              <a:t>caveats</a:t>
+            </a:r>
+            <a:endParaRPr lang="fr-FR" dirty="0" smtClean="0">
+              <a:solidFill>
+                <a:srgbClr val="FF0000"/>
+              </a:solidFill>
+            </a:endParaRPr>
+          </a:p>
+        </p:txBody>
+      </p:sp>
+    </p:spTree>
+    <p:extLst>
+      <p:ext uri="{BB962C8B-B14F-4D97-AF65-F5344CB8AC3E}">
+        <p14:creationId xmlns:p14="http://schemas.microsoft.com/office/powerpoint/2010/main" val="125209879"/>
+      </p:ext>
+    </p:extLst>
+  </p:cSld>
+  <p:clrMapOvr>
+    <a:masterClrMapping/>
+  </p:clrMapOvr>
+  <p:timing>
+    <p:tnLst>
+      <p:par>
+        <p:cTn id="1" dur="indefinite" restart="never" nodeType="tmRoot"/>
+      </p:par>
+    </p:tnLst>
+  </p:timing>
+</p:sld>
+</file>
+
+<file path=ppt/slides/slide31.xml><?xml version="1.0" encoding="utf-8"?>
+<p:sld xmlns:a="http://schemas.openxmlformats.org/drawingml/2006/main" xmlns:r="http://schemas.openxmlformats.org/officeDocument/2006/relationships" xmlns:p="http://schemas.openxmlformats.org/presentationml/2006/main">
+  <p:cSld>
+    <p:spTree>
+      <p:nvGrpSpPr>
+        <p:cNvPr id="1" name=""/>
+        <p:cNvGrpSpPr/>
+        <p:nvPr/>
+      </p:nvGrpSpPr>
+      <p:grpSpPr>
+        <a:xfrm>
+          <a:off x="0" y="0"/>
+          <a:ext cx="0" cy="0"/>
+          <a:chOff x="0" y="0"/>
+          <a:chExt cx="0" cy="0"/>
+        </a:xfrm>
+      </p:grpSpPr>
+      <p:pic>
+        <p:nvPicPr>
+          <p:cNvPr id="2" name="Image 1"/>
+          <p:cNvPicPr>
+            <a:picLocks noChangeAspect="1"/>
+          </p:cNvPicPr>
+          <p:nvPr/>
+        </p:nvPicPr>
+        <p:blipFill>
           <a:blip r:embed="rId2">
-            <a:alphaModFix amt="24000"/>
             <a:extLst>
               <a:ext uri="{28A0092B-C50C-407E-A947-70E740481C1C}">
                 <a14:useLocalDpi xmlns:a14="http://schemas.microsoft.com/office/drawing/2010/main" val="0"/>
@@ -3925,8 +8419,8 @@
         </p:blipFill>
         <p:spPr>
           <a:xfrm>
-            <a:off x="-2411662" y="16042"/>
-            <a:ext cx="17808514" cy="6858000"/>
+            <a:off x="-2729949" y="6684"/>
+            <a:ext cx="16408795" cy="6858000"/>
           </a:xfrm>
           <a:prstGeom prst="rect">
             <a:avLst/>
@@ -3935,13 +8429,13 @@
       </p:pic>
       <p:cxnSp>
         <p:nvCxnSpPr>
-          <p:cNvPr id="9" name="Connecteur droit 8"/>
+          <p:cNvPr id="7" name="Connecteur droit 6"/>
           <p:cNvCxnSpPr/>
           <p:nvPr/>
         </p:nvCxnSpPr>
         <p:spPr>
           <a:xfrm>
-            <a:off x="3676696" y="3686627"/>
+            <a:off x="3837117" y="1809700"/>
             <a:ext cx="4702626" cy="0"/>
           </a:xfrm>
           <a:prstGeom prst="line">
@@ -3972,13 +8466,13 @@
       </p:cxnSp>
       <p:sp>
         <p:nvSpPr>
-          <p:cNvPr id="10" name="ZoneTexte 9"/>
+          <p:cNvPr id="8" name="ZoneTexte 7"/>
           <p:cNvSpPr txBox="1"/>
           <p:nvPr/>
         </p:nvSpPr>
         <p:spPr>
           <a:xfrm>
-            <a:off x="4678182" y="2798711"/>
+            <a:off x="4969231" y="921784"/>
             <a:ext cx="4814161" cy="646331"/>
           </a:xfrm>
           <a:prstGeom prst="rect">
@@ -3993,21 +8487,410 @@
           <a:lstStyle/>
           <a:p>
             <a:r>
-              <a:rPr lang="fr-FR" sz="3600" smtClean="0"/>
-              <a:t>Section </a:t>
-            </a:r>
-            <a:r>
               <a:rPr lang="fr-FR" sz="3600" dirty="0" err="1" smtClean="0"/>
-              <a:t>name</a:t>
+              <a:t>Thanks</a:t>
             </a:r>
             <a:endParaRPr lang="fr-FR" sz="3600" dirty="0"/>
           </a:p>
         </p:txBody>
       </p:sp>
+      <p:sp>
+        <p:nvSpPr>
+          <p:cNvPr id="11" name="Rectangle 10">
+            <a:hlinkClick r:id="rId3"/>
+          </p:cNvPr>
+          <p:cNvSpPr/>
+          <p:nvPr/>
+        </p:nvSpPr>
+        <p:spPr>
+          <a:xfrm>
+            <a:off x="3837117" y="3433126"/>
+            <a:ext cx="1943481" cy="369332"/>
+          </a:xfrm>
+          <a:prstGeom prst="rect">
+            <a:avLst/>
+          </a:prstGeom>
+          <a:ln>
+            <a:solidFill>
+              <a:schemeClr val="accent1"/>
+            </a:solidFill>
+          </a:ln>
+        </p:spPr>
+        <p:txBody>
+          <a:bodyPr wrap="none">
+            <a:spAutoFit/>
+          </a:bodyPr>
+          <a:lstStyle/>
+          <a:p>
+            <a:r>
+              <a:rPr lang="en-AU" dirty="0" smtClean="0">
+                <a:solidFill>
+                  <a:schemeClr val="accent1">
+                    <a:lumMod val="75000"/>
+                  </a:schemeClr>
+                </a:solidFill>
+              </a:rPr>
+              <a:t>Yan-</a:t>
+            </a:r>
+            <a:r>
+              <a:rPr lang="en-AU" dirty="0" err="1" smtClean="0">
+                <a:solidFill>
+                  <a:schemeClr val="accent1">
+                    <a:lumMod val="75000"/>
+                  </a:schemeClr>
+                </a:solidFill>
+              </a:rPr>
+              <a:t>holtz</a:t>
+            </a:r>
+            <a:r>
+              <a:rPr lang="en-AU" dirty="0" smtClean="0">
+                <a:solidFill>
+                  <a:schemeClr val="accent1">
+                    <a:lumMod val="75000"/>
+                  </a:schemeClr>
+                </a:solidFill>
+              </a:rPr>
+              <a:t>/teaching</a:t>
+            </a:r>
+            <a:endParaRPr lang="en-AU" dirty="0">
+              <a:solidFill>
+                <a:schemeClr val="accent1">
+                  <a:lumMod val="75000"/>
+                </a:schemeClr>
+              </a:solidFill>
+            </a:endParaRPr>
+          </a:p>
+        </p:txBody>
+      </p:sp>
+      <p:sp>
+        <p:nvSpPr>
+          <p:cNvPr id="12" name="Rectangle 11"/>
+          <p:cNvSpPr/>
+          <p:nvPr/>
+        </p:nvSpPr>
+        <p:spPr>
+          <a:xfrm>
+            <a:off x="2420498" y="3356182"/>
+            <a:ext cx="1117614" cy="523220"/>
+          </a:xfrm>
+          <a:prstGeom prst="rect">
+            <a:avLst/>
+          </a:prstGeom>
+        </p:spPr>
+        <p:txBody>
+          <a:bodyPr wrap="none">
+            <a:spAutoFit/>
+          </a:bodyPr>
+          <a:lstStyle/>
+          <a:p>
+            <a:r>
+              <a:rPr lang="fr-FR" sz="2800" dirty="0" smtClean="0"/>
+              <a:t>Slides:</a:t>
+            </a:r>
+            <a:endParaRPr lang="fr-FR" sz="2800" dirty="0"/>
+          </a:p>
+        </p:txBody>
+      </p:sp>
+      <p:sp>
+        <p:nvSpPr>
+          <p:cNvPr id="13" name="Rectangle 12">
+            <a:hlinkClick r:id="rId4"/>
+          </p:cNvPr>
+          <p:cNvSpPr/>
+          <p:nvPr/>
+        </p:nvSpPr>
+        <p:spPr>
+          <a:xfrm>
+            <a:off x="3837117" y="4244478"/>
+            <a:ext cx="1664879" cy="369332"/>
+          </a:xfrm>
+          <a:prstGeom prst="rect">
+            <a:avLst/>
+          </a:prstGeom>
+          <a:ln>
+            <a:solidFill>
+              <a:schemeClr val="accent1"/>
+            </a:solidFill>
+          </a:ln>
+        </p:spPr>
+        <p:txBody>
+          <a:bodyPr wrap="none">
+            <a:spAutoFit/>
+          </a:bodyPr>
+          <a:lstStyle/>
+          <a:p>
+            <a:r>
+              <a:rPr lang="fr-FR" dirty="0" smtClean="0">
+                <a:solidFill>
+                  <a:schemeClr val="accent1">
+                    <a:lumMod val="75000"/>
+                  </a:schemeClr>
+                </a:solidFill>
+              </a:rPr>
+              <a:t>Data-to-</a:t>
+            </a:r>
+            <a:r>
+              <a:rPr lang="fr-FR" dirty="0" err="1" smtClean="0">
+                <a:solidFill>
+                  <a:schemeClr val="accent1">
+                    <a:lumMod val="75000"/>
+                  </a:schemeClr>
+                </a:solidFill>
+              </a:rPr>
+              <a:t>viz.com</a:t>
+            </a:r>
+            <a:endParaRPr lang="en-AU" dirty="0">
+              <a:solidFill>
+                <a:schemeClr val="accent1">
+                  <a:lumMod val="75000"/>
+                </a:schemeClr>
+              </a:solidFill>
+            </a:endParaRPr>
+          </a:p>
+        </p:txBody>
+      </p:sp>
+      <p:sp>
+        <p:nvSpPr>
+          <p:cNvPr id="14" name="Rectangle 13"/>
+          <p:cNvSpPr/>
+          <p:nvPr/>
+        </p:nvSpPr>
+        <p:spPr>
+          <a:xfrm>
+            <a:off x="1506494" y="4167280"/>
+            <a:ext cx="2113372" cy="523220"/>
+          </a:xfrm>
+          <a:prstGeom prst="rect">
+            <a:avLst/>
+          </a:prstGeom>
+        </p:spPr>
+        <p:txBody>
+          <a:bodyPr wrap="square">
+            <a:spAutoFit/>
+          </a:bodyPr>
+          <a:lstStyle/>
+          <a:p>
+            <a:r>
+              <a:rPr lang="fr-FR" sz="2800" dirty="0" smtClean="0"/>
+              <a:t>Data to </a:t>
+            </a:r>
+            <a:r>
+              <a:rPr lang="fr-FR" sz="2800" dirty="0" err="1" smtClean="0"/>
+              <a:t>viz</a:t>
+            </a:r>
+            <a:r>
+              <a:rPr lang="fr-FR" sz="2800" dirty="0" smtClean="0"/>
+              <a:t>:</a:t>
+            </a:r>
+            <a:endParaRPr lang="fr-FR" sz="2800" dirty="0"/>
+          </a:p>
+        </p:txBody>
+      </p:sp>
+      <p:sp>
+        <p:nvSpPr>
+          <p:cNvPr id="15" name="TextBox 6"/>
+          <p:cNvSpPr txBox="1"/>
+          <p:nvPr/>
+        </p:nvSpPr>
+        <p:spPr>
+          <a:xfrm>
+            <a:off x="7703068" y="2759996"/>
+            <a:ext cx="3485856" cy="1200329"/>
+          </a:xfrm>
+          <a:prstGeom prst="rect">
+            <a:avLst/>
+          </a:prstGeom>
+          <a:noFill/>
+        </p:spPr>
+        <p:txBody>
+          <a:bodyPr wrap="square" rtlCol="0">
+            <a:spAutoFit/>
+          </a:bodyPr>
+          <a:lstStyle/>
+          <a:p>
+            <a:r>
+              <a:rPr lang="en-US" sz="2400" dirty="0" smtClean="0">
+                <a:hlinkClick r:id="rId5"/>
+              </a:rPr>
+              <a:t>Yan.holtz.data@gmail.com</a:t>
+            </a:r>
+            <a:endParaRPr lang="en-US" sz="2400" dirty="0" smtClean="0"/>
+          </a:p>
+          <a:p>
+            <a:endParaRPr lang="en-US" sz="2400" dirty="0"/>
+          </a:p>
+          <a:p>
+            <a:r>
+              <a:rPr lang="en-US" sz="2400" dirty="0" err="1" smtClean="0"/>
+              <a:t>www.yan-holtz.com</a:t>
+            </a:r>
+            <a:endParaRPr lang="en-US" sz="2400" dirty="0"/>
+          </a:p>
+        </p:txBody>
+      </p:sp>
+      <p:pic>
+        <p:nvPicPr>
+          <p:cNvPr id="16" name="Picture 8"/>
+          <p:cNvPicPr>
+            <a:picLocks noChangeAspect="1"/>
+          </p:cNvPicPr>
+          <p:nvPr/>
+        </p:nvPicPr>
+        <p:blipFill>
+          <a:blip r:embed="rId6"/>
+          <a:stretch>
+            <a:fillRect/>
+          </a:stretch>
+        </p:blipFill>
+        <p:spPr>
+          <a:xfrm>
+            <a:off x="6866161" y="4242277"/>
+            <a:ext cx="406182" cy="363025"/>
+          </a:xfrm>
+          <a:prstGeom prst="rect">
+            <a:avLst/>
+          </a:prstGeom>
+        </p:spPr>
+      </p:pic>
+      <p:pic>
+        <p:nvPicPr>
+          <p:cNvPr id="17" name="Picture 9"/>
+          <p:cNvPicPr>
+            <a:picLocks noChangeAspect="1"/>
+          </p:cNvPicPr>
+          <p:nvPr/>
+        </p:nvPicPr>
+        <p:blipFill>
+          <a:blip r:embed="rId7"/>
+          <a:stretch>
+            <a:fillRect/>
+          </a:stretch>
+        </p:blipFill>
+        <p:spPr>
+          <a:xfrm>
+            <a:off x="6866161" y="2839447"/>
+            <a:ext cx="379473" cy="294937"/>
+          </a:xfrm>
+          <a:prstGeom prst="rect">
+            <a:avLst/>
+          </a:prstGeom>
+        </p:spPr>
+      </p:pic>
+      <p:sp>
+        <p:nvSpPr>
+          <p:cNvPr id="18" name="TextBox 11"/>
+          <p:cNvSpPr txBox="1"/>
+          <p:nvPr/>
+        </p:nvSpPr>
+        <p:spPr>
+          <a:xfrm>
+            <a:off x="7511253" y="4198897"/>
+            <a:ext cx="3485856" cy="1200329"/>
+          </a:xfrm>
+          <a:prstGeom prst="rect">
+            <a:avLst/>
+          </a:prstGeom>
+          <a:noFill/>
+        </p:spPr>
+        <p:txBody>
+          <a:bodyPr wrap="square" rtlCol="0">
+            <a:spAutoFit/>
+          </a:bodyPr>
+          <a:lstStyle/>
+          <a:p>
+            <a:r>
+              <a:rPr lang="en-US" sz="2400" dirty="0" smtClean="0"/>
+              <a:t>@</a:t>
+            </a:r>
+            <a:r>
+              <a:rPr lang="en-US" sz="2400" dirty="0" err="1" smtClean="0"/>
+              <a:t>R_Graph_Gallery</a:t>
+            </a:r>
+            <a:r>
+              <a:rPr lang="en-US" sz="2400" dirty="0" smtClean="0"/>
+              <a:t> </a:t>
+            </a:r>
+          </a:p>
+          <a:p>
+            <a:endParaRPr lang="en-US" sz="2400" dirty="0"/>
+          </a:p>
+          <a:p>
+            <a:r>
+              <a:rPr lang="en-US" sz="2400" dirty="0" smtClean="0">
+                <a:hlinkClick r:id="rId5"/>
+              </a:rPr>
+              <a:t>github.com/holtzy</a:t>
+            </a:r>
+            <a:endParaRPr lang="en-US" sz="2400" dirty="0">
+              <a:hlinkClick r:id="rId5"/>
+            </a:endParaRPr>
+          </a:p>
+        </p:txBody>
+      </p:sp>
+      <p:pic>
+        <p:nvPicPr>
+          <p:cNvPr id="19" name="Picture 14"/>
+          <p:cNvPicPr>
+            <a:picLocks noChangeAspect="1"/>
+          </p:cNvPicPr>
+          <p:nvPr/>
+        </p:nvPicPr>
+        <p:blipFill>
+          <a:blip r:embed="rId8">
+            <a:extLst>
+              <a:ext uri="{28A0092B-C50C-407E-A947-70E740481C1C}">
+                <a14:useLocalDpi xmlns:a14="http://schemas.microsoft.com/office/drawing/2010/main" val="0"/>
+              </a:ext>
+            </a:extLst>
+          </a:blip>
+          <a:stretch>
+            <a:fillRect/>
+          </a:stretch>
+        </p:blipFill>
+        <p:spPr>
+          <a:xfrm>
+            <a:off x="6892566" y="3477725"/>
+            <a:ext cx="390782" cy="398756"/>
+          </a:xfrm>
+          <a:prstGeom prst="rect">
+            <a:avLst/>
+          </a:prstGeom>
+        </p:spPr>
+      </p:pic>
+      <p:pic>
+        <p:nvPicPr>
+          <p:cNvPr id="20" name="Image 19"/>
+          <p:cNvPicPr>
+            <a:picLocks noChangeAspect="1"/>
+          </p:cNvPicPr>
+          <p:nvPr/>
+        </p:nvPicPr>
+        <p:blipFill>
+          <a:blip r:embed="rId9">
+            <a:extLst>
+              <a:ext uri="{28A0092B-C50C-407E-A947-70E740481C1C}">
+                <a14:useLocalDpi xmlns:a14="http://schemas.microsoft.com/office/drawing/2010/main" val="0"/>
+              </a:ext>
+            </a:extLst>
+          </a:blip>
+          <a:stretch>
+            <a:fillRect/>
+          </a:stretch>
+        </p:blipFill>
+        <p:spPr>
+          <a:xfrm>
+            <a:off x="6844972" y="4916626"/>
+            <a:ext cx="466558" cy="466558"/>
+          </a:xfrm>
+          <a:prstGeom prst="rect">
+            <a:avLst/>
+          </a:prstGeom>
+        </p:spPr>
+      </p:pic>
     </p:spTree>
     <p:extLst>
       <p:ext uri="{BB962C8B-B14F-4D97-AF65-F5344CB8AC3E}">
-        <p14:creationId xmlns:p14="http://schemas.microsoft.com/office/powerpoint/2010/main" val="1611368735"/>
+        <p14:creationId xmlns:p14="http://schemas.microsoft.com/office/powerpoint/2010/main" val="1831361256"/>
       </p:ext>
     </p:extLst>
   </p:cSld>
@@ -4041,17 +8924,475 @@
           <a:chExt cx="0" cy="0"/>
         </a:xfrm>
       </p:grpSpPr>
+      <p:sp>
+        <p:nvSpPr>
+          <p:cNvPr id="7" name="ZoneTexte 3"/>
+          <p:cNvSpPr txBox="1"/>
+          <p:nvPr/>
+        </p:nvSpPr>
+        <p:spPr>
+          <a:xfrm>
+            <a:off x="0" y="56178"/>
+            <a:ext cx="2178050" cy="830997"/>
+          </a:xfrm>
+          <a:prstGeom prst="rect">
+            <a:avLst/>
+          </a:prstGeom>
+          <a:noFill/>
+        </p:spPr>
+        <p:txBody>
+          <a:bodyPr wrap="square" rtlCol="0">
+            <a:spAutoFit/>
+          </a:bodyPr>
+          <a:lstStyle>
+            <a:defPPr>
+              <a:defRPr lang="fr-FR"/>
+            </a:defPPr>
+            <a:lvl1pPr algn="ctr">
+              <a:defRPr>
+                <a:solidFill>
+                  <a:srgbClr val="FF0000"/>
+                </a:solidFill>
+              </a:defRPr>
+            </a:lvl1pPr>
+          </a:lstStyle>
+          <a:p>
+            <a:r>
+              <a:rPr lang="fr-FR" sz="2400" dirty="0" err="1" smtClean="0"/>
+              <a:t>What’s</a:t>
+            </a:r>
+            <a:r>
+              <a:rPr lang="fr-FR" sz="2400" dirty="0" smtClean="0"/>
+              <a:t> </a:t>
+            </a:r>
+            <a:r>
+              <a:rPr lang="fr-FR" sz="2400" dirty="0" err="1" smtClean="0"/>
+              <a:t>wrong</a:t>
+            </a:r>
+            <a:r>
+              <a:rPr lang="fr-FR" sz="2400" dirty="0" smtClean="0"/>
+              <a:t> </a:t>
+            </a:r>
+            <a:r>
+              <a:rPr lang="fr-FR" sz="2400" dirty="0" err="1" smtClean="0"/>
+              <a:t>with</a:t>
+            </a:r>
+            <a:r>
+              <a:rPr lang="fr-FR" sz="2400" dirty="0" smtClean="0"/>
+              <a:t> pie chart?</a:t>
+            </a:r>
+            <a:endParaRPr lang="fr-FR" sz="2400" dirty="0"/>
+          </a:p>
+        </p:txBody>
+      </p:sp>
       <p:pic>
         <p:nvPicPr>
-          <p:cNvPr id="8" name="Image 7"/>
+          <p:cNvPr id="2" name="Image 1"/>
           <p:cNvPicPr>
             <a:picLocks noChangeAspect="1"/>
           </p:cNvPicPr>
           <p:nvPr/>
         </p:nvPicPr>
         <p:blipFill>
+          <a:blip r:embed="rId3"/>
+          <a:stretch>
+            <a:fillRect/>
+          </a:stretch>
+        </p:blipFill>
+        <p:spPr>
+          <a:xfrm>
+            <a:off x="1354480" y="1053456"/>
+            <a:ext cx="9182100" cy="2413000"/>
+          </a:xfrm>
+          <a:prstGeom prst="rect">
+            <a:avLst/>
+          </a:prstGeom>
+        </p:spPr>
+      </p:pic>
+      <p:sp>
+        <p:nvSpPr>
+          <p:cNvPr id="5" name="ZoneTexte 3"/>
+          <p:cNvSpPr txBox="1"/>
+          <p:nvPr/>
+        </p:nvSpPr>
+        <p:spPr>
+          <a:xfrm>
+            <a:off x="4856505" y="3817403"/>
+            <a:ext cx="2178050" cy="369332"/>
+          </a:xfrm>
+          <a:prstGeom prst="rect">
+            <a:avLst/>
+          </a:prstGeom>
+          <a:noFill/>
+        </p:spPr>
+        <p:txBody>
+          <a:bodyPr wrap="square" rtlCol="0">
+            <a:spAutoFit/>
+          </a:bodyPr>
+          <a:lstStyle>
+            <a:defPPr>
+              <a:defRPr lang="fr-FR"/>
+            </a:defPPr>
+            <a:lvl1pPr algn="ctr">
+              <a:defRPr>
+                <a:solidFill>
+                  <a:srgbClr val="FF0000"/>
+                </a:solidFill>
+              </a:defRPr>
+            </a:lvl1pPr>
+          </a:lstStyle>
+          <a:p>
+            <a:r>
+              <a:rPr lang="fr-FR" dirty="0" err="1" smtClean="0"/>
+              <a:t>What</a:t>
+            </a:r>
+            <a:r>
+              <a:rPr lang="fr-FR" dirty="0" smtClean="0"/>
+              <a:t> </a:t>
+            </a:r>
+            <a:r>
+              <a:rPr lang="fr-FR" dirty="0" err="1" smtClean="0"/>
+              <a:t>can</a:t>
+            </a:r>
+            <a:r>
+              <a:rPr lang="fr-FR" dirty="0" smtClean="0"/>
+              <a:t> </a:t>
+            </a:r>
+            <a:r>
+              <a:rPr lang="fr-FR" dirty="0" err="1" smtClean="0"/>
+              <a:t>you</a:t>
+            </a:r>
+            <a:r>
+              <a:rPr lang="fr-FR" dirty="0" smtClean="0"/>
+              <a:t> </a:t>
+            </a:r>
+            <a:r>
+              <a:rPr lang="fr-FR" dirty="0" err="1" smtClean="0"/>
+              <a:t>see</a:t>
+            </a:r>
+            <a:r>
+              <a:rPr lang="fr-FR" dirty="0" smtClean="0"/>
+              <a:t>?</a:t>
+            </a:r>
+            <a:endParaRPr lang="fr-FR" dirty="0"/>
+          </a:p>
+        </p:txBody>
+      </p:sp>
+    </p:spTree>
+    <p:extLst>
+      <p:ext uri="{BB962C8B-B14F-4D97-AF65-F5344CB8AC3E}">
+        <p14:creationId xmlns:p14="http://schemas.microsoft.com/office/powerpoint/2010/main" val="423645778"/>
+      </p:ext>
+    </p:extLst>
+  </p:cSld>
+  <p:clrMapOvr>
+    <a:masterClrMapping/>
+  </p:clrMapOvr>
+  <p:timing>
+    <p:tnLst>
+      <p:par>
+        <p:cTn id="1" dur="indefinite" restart="never" nodeType="tmRoot"/>
+      </p:par>
+    </p:tnLst>
+  </p:timing>
+</p:sld>
+</file>
+
+<file path=ppt/slides/slide5.xml><?xml version="1.0" encoding="utf-8"?>
+<p:sld xmlns:a="http://schemas.openxmlformats.org/drawingml/2006/main" xmlns:r="http://schemas.openxmlformats.org/officeDocument/2006/relationships" xmlns:p="http://schemas.openxmlformats.org/presentationml/2006/main">
+  <p:cSld>
+    <p:spTree>
+      <p:nvGrpSpPr>
+        <p:cNvPr id="1" name=""/>
+        <p:cNvGrpSpPr/>
+        <p:nvPr/>
+      </p:nvGrpSpPr>
+      <p:grpSpPr>
+        <a:xfrm>
+          <a:off x="0" y="0"/>
+          <a:ext cx="0" cy="0"/>
+          <a:chOff x="0" y="0"/>
+          <a:chExt cx="0" cy="0"/>
+        </a:xfrm>
+      </p:grpSpPr>
+      <p:sp>
+        <p:nvSpPr>
+          <p:cNvPr id="7" name="ZoneTexte 3"/>
+          <p:cNvSpPr txBox="1"/>
+          <p:nvPr/>
+        </p:nvSpPr>
+        <p:spPr>
+          <a:xfrm>
+            <a:off x="0" y="56178"/>
+            <a:ext cx="2178050" cy="646331"/>
+          </a:xfrm>
+          <a:prstGeom prst="rect">
+            <a:avLst/>
+          </a:prstGeom>
+          <a:noFill/>
+        </p:spPr>
+        <p:txBody>
+          <a:bodyPr wrap="square" rtlCol="0">
+            <a:spAutoFit/>
+          </a:bodyPr>
+          <a:lstStyle>
+            <a:defPPr>
+              <a:defRPr lang="fr-FR"/>
+            </a:defPPr>
+            <a:lvl1pPr algn="ctr">
+              <a:defRPr>
+                <a:solidFill>
+                  <a:srgbClr val="FF0000"/>
+                </a:solidFill>
+              </a:defRPr>
+            </a:lvl1pPr>
+          </a:lstStyle>
+          <a:p>
+            <a:r>
+              <a:rPr lang="fr-FR" dirty="0" err="1" smtClean="0"/>
+              <a:t>What’s</a:t>
+            </a:r>
+            <a:r>
+              <a:rPr lang="fr-FR" dirty="0" smtClean="0"/>
+              <a:t> </a:t>
+            </a:r>
+            <a:r>
+              <a:rPr lang="fr-FR" dirty="0" err="1" smtClean="0"/>
+              <a:t>wrong</a:t>
+            </a:r>
+            <a:r>
+              <a:rPr lang="fr-FR" dirty="0" smtClean="0"/>
+              <a:t> </a:t>
+            </a:r>
+            <a:r>
+              <a:rPr lang="fr-FR" dirty="0" err="1" smtClean="0"/>
+              <a:t>with</a:t>
+            </a:r>
+            <a:r>
+              <a:rPr lang="fr-FR" dirty="0" smtClean="0"/>
+              <a:t> pie chart?</a:t>
+            </a:r>
+            <a:endParaRPr lang="fr-FR" dirty="0"/>
+          </a:p>
+        </p:txBody>
+      </p:sp>
+      <p:pic>
+        <p:nvPicPr>
+          <p:cNvPr id="3" name="Image 2"/>
+          <p:cNvPicPr>
+            <a:picLocks noChangeAspect="1"/>
+          </p:cNvPicPr>
+          <p:nvPr/>
+        </p:nvPicPr>
+        <p:blipFill>
+          <a:blip r:embed="rId3"/>
+          <a:stretch>
+            <a:fillRect/>
+          </a:stretch>
+        </p:blipFill>
+        <p:spPr>
+          <a:xfrm>
+            <a:off x="1354480" y="3111500"/>
+            <a:ext cx="9613900" cy="3746500"/>
+          </a:xfrm>
+          <a:prstGeom prst="rect">
+            <a:avLst/>
+          </a:prstGeom>
+        </p:spPr>
+      </p:pic>
+      <p:pic>
+        <p:nvPicPr>
+          <p:cNvPr id="2" name="Image 1"/>
+          <p:cNvPicPr>
+            <a:picLocks noChangeAspect="1"/>
+          </p:cNvPicPr>
+          <p:nvPr/>
+        </p:nvPicPr>
+        <p:blipFill>
+          <a:blip r:embed="rId4"/>
+          <a:stretch>
+            <a:fillRect/>
+          </a:stretch>
+        </p:blipFill>
+        <p:spPr>
+          <a:xfrm>
+            <a:off x="1354480" y="1053456"/>
+            <a:ext cx="9182100" cy="2413000"/>
+          </a:xfrm>
+          <a:prstGeom prst="rect">
+            <a:avLst/>
+          </a:prstGeom>
+        </p:spPr>
+      </p:pic>
+      <p:sp>
+        <p:nvSpPr>
+          <p:cNvPr id="6" name="ZoneTexte 3"/>
+          <p:cNvSpPr txBox="1"/>
+          <p:nvPr/>
+        </p:nvSpPr>
+        <p:spPr>
+          <a:xfrm>
+            <a:off x="4473114" y="287010"/>
+            <a:ext cx="2944832" cy="830997"/>
+          </a:xfrm>
+          <a:prstGeom prst="rect">
+            <a:avLst/>
+          </a:prstGeom>
+          <a:noFill/>
+        </p:spPr>
+        <p:txBody>
+          <a:bodyPr wrap="square" rtlCol="0">
+            <a:spAutoFit/>
+          </a:bodyPr>
+          <a:lstStyle>
+            <a:defPPr>
+              <a:defRPr lang="fr-FR"/>
+            </a:defPPr>
+            <a:lvl1pPr algn="ctr">
+              <a:defRPr>
+                <a:solidFill>
+                  <a:srgbClr val="FF0000"/>
+                </a:solidFill>
+              </a:defRPr>
+            </a:lvl1pPr>
+          </a:lstStyle>
+          <a:p>
+            <a:r>
+              <a:rPr lang="fr-FR" sz="2400" dirty="0" smtClean="0"/>
+              <a:t>It</a:t>
+            </a:r>
+            <a:r>
+              <a:rPr lang="fr-FR" sz="2400" dirty="0"/>
+              <a:t> </a:t>
+            </a:r>
+            <a:r>
+              <a:rPr lang="fr-FR" sz="2400" dirty="0" err="1" smtClean="0"/>
+              <a:t>is</a:t>
+            </a:r>
+            <a:r>
+              <a:rPr lang="fr-FR" sz="2400" dirty="0" smtClean="0"/>
+              <a:t> hard to </a:t>
+            </a:r>
+            <a:r>
+              <a:rPr lang="fr-FR" sz="2400" dirty="0" err="1" smtClean="0"/>
+              <a:t>distinguish</a:t>
+            </a:r>
+            <a:r>
+              <a:rPr lang="fr-FR" sz="2400" dirty="0" smtClean="0"/>
+              <a:t> angles</a:t>
+            </a:r>
+            <a:endParaRPr lang="fr-FR" sz="2400" dirty="0"/>
+          </a:p>
+        </p:txBody>
+      </p:sp>
+    </p:spTree>
+    <p:extLst>
+      <p:ext uri="{BB962C8B-B14F-4D97-AF65-F5344CB8AC3E}">
+        <p14:creationId xmlns:p14="http://schemas.microsoft.com/office/powerpoint/2010/main" val="209441970"/>
+      </p:ext>
+    </p:extLst>
+  </p:cSld>
+  <p:clrMapOvr>
+    <a:masterClrMapping/>
+  </p:clrMapOvr>
+  <p:timing>
+    <p:tnLst>
+      <p:par>
+        <p:cTn id="1" dur="indefinite" restart="never" nodeType="tmRoot"/>
+      </p:par>
+    </p:tnLst>
+  </p:timing>
+</p:sld>
+</file>
+
+<file path=ppt/slides/slide6.xml><?xml version="1.0" encoding="utf-8"?>
+<p:sld xmlns:a="http://schemas.openxmlformats.org/drawingml/2006/main" xmlns:r="http://schemas.openxmlformats.org/officeDocument/2006/relationships" xmlns:p="http://schemas.openxmlformats.org/presentationml/2006/main">
+  <p:cSld>
+    <p:spTree>
+      <p:nvGrpSpPr>
+        <p:cNvPr id="1" name=""/>
+        <p:cNvGrpSpPr/>
+        <p:nvPr/>
+      </p:nvGrpSpPr>
+      <p:grpSpPr>
+        <a:xfrm>
+          <a:off x="0" y="0"/>
+          <a:ext cx="0" cy="0"/>
+          <a:chOff x="0" y="0"/>
+          <a:chExt cx="0" cy="0"/>
+        </a:xfrm>
+      </p:grpSpPr>
+      <p:sp>
+        <p:nvSpPr>
+          <p:cNvPr id="7" name="ZoneTexte 3"/>
+          <p:cNvSpPr txBox="1"/>
+          <p:nvPr/>
+        </p:nvSpPr>
+        <p:spPr>
+          <a:xfrm>
+            <a:off x="304800" y="425146"/>
+            <a:ext cx="2486526" cy="954107"/>
+          </a:xfrm>
+          <a:prstGeom prst="rect">
+            <a:avLst/>
+          </a:prstGeom>
+          <a:noFill/>
+        </p:spPr>
+        <p:txBody>
+          <a:bodyPr wrap="square" rtlCol="0">
+            <a:spAutoFit/>
+          </a:bodyPr>
+          <a:lstStyle>
+            <a:defPPr>
+              <a:defRPr lang="fr-FR"/>
+            </a:defPPr>
+            <a:lvl1pPr algn="ctr">
+              <a:defRPr>
+                <a:solidFill>
+                  <a:srgbClr val="FF0000"/>
+                </a:solidFill>
+              </a:defRPr>
+            </a:lvl1pPr>
+          </a:lstStyle>
+          <a:p>
+            <a:r>
+              <a:rPr lang="fr-FR" sz="2800" dirty="0" err="1" smtClean="0"/>
+              <a:t>What’s</a:t>
+            </a:r>
+            <a:r>
+              <a:rPr lang="fr-FR" sz="2800" dirty="0" smtClean="0"/>
+              <a:t> </a:t>
+            </a:r>
+            <a:r>
+              <a:rPr lang="fr-FR" sz="2800" dirty="0" err="1" smtClean="0"/>
+              <a:t>wrong</a:t>
+            </a:r>
+            <a:r>
+              <a:rPr lang="fr-FR" sz="2800" dirty="0" smtClean="0"/>
+              <a:t> </a:t>
+            </a:r>
+            <a:r>
+              <a:rPr lang="fr-FR" sz="2800" dirty="0" err="1" smtClean="0"/>
+              <a:t>with</a:t>
+            </a:r>
+            <a:r>
+              <a:rPr lang="fr-FR" sz="2800" dirty="0" smtClean="0"/>
+              <a:t> 3D</a:t>
+            </a:r>
+            <a:endParaRPr lang="fr-FR" sz="2800" dirty="0"/>
+          </a:p>
+        </p:txBody>
+      </p:sp>
+      <p:pic>
+        <p:nvPicPr>
+          <p:cNvPr id="6" name="Image 5"/>
+          <p:cNvPicPr>
+            <a:picLocks noChangeAspect="1"/>
+          </p:cNvPicPr>
+          <p:nvPr/>
+        </p:nvPicPr>
+        <p:blipFill>
           <a:blip r:embed="rId3">
-            <a:alphaModFix amt="24000"/>
             <a:extLst>
               <a:ext uri="{28A0092B-C50C-407E-A947-70E740481C1C}">
                 <a14:useLocalDpi xmlns:a14="http://schemas.microsoft.com/office/drawing/2010/main" val="0"/>
@@ -4064,474 +9405,441 @@
         </p:blipFill>
         <p:spPr>
           <a:xfrm>
-            <a:off x="-2411662" y="16042"/>
-            <a:ext cx="17808514" cy="6858000"/>
+            <a:off x="3434347" y="2002589"/>
+            <a:ext cx="5404853" cy="3501319"/>
           </a:xfrm>
           <a:prstGeom prst="rect">
             <a:avLst/>
           </a:prstGeom>
         </p:spPr>
       </p:pic>
-      <p:cxnSp>
-        <p:nvCxnSpPr>
-          <p:cNvPr id="9" name="Connecteur droit 8"/>
-          <p:cNvCxnSpPr/>
-          <p:nvPr/>
-        </p:nvCxnSpPr>
-        <p:spPr>
-          <a:xfrm>
-            <a:off x="3837117" y="1809700"/>
-            <a:ext cx="4702626" cy="0"/>
-          </a:xfrm>
-          <a:prstGeom prst="line">
-            <a:avLst/>
-          </a:prstGeom>
+    </p:spTree>
+    <p:extLst>
+      <p:ext uri="{BB962C8B-B14F-4D97-AF65-F5344CB8AC3E}">
+        <p14:creationId xmlns:p14="http://schemas.microsoft.com/office/powerpoint/2010/main" val="623089214"/>
+      </p:ext>
+    </p:extLst>
+  </p:cSld>
+  <p:clrMapOvr>
+    <a:masterClrMapping/>
+  </p:clrMapOvr>
+  <p:timing>
+    <p:tnLst>
+      <p:par>
+        <p:cTn id="1" dur="indefinite" restart="never" nodeType="tmRoot"/>
+      </p:par>
+    </p:tnLst>
+  </p:timing>
+</p:sld>
+</file>
+
+<file path=ppt/slides/slide7.xml><?xml version="1.0" encoding="utf-8"?>
+<p:sld xmlns:a="http://schemas.openxmlformats.org/drawingml/2006/main" xmlns:r="http://schemas.openxmlformats.org/officeDocument/2006/relationships" xmlns:p="http://schemas.openxmlformats.org/presentationml/2006/main">
+  <p:cSld>
+    <p:spTree>
+      <p:nvGrpSpPr>
+        <p:cNvPr id="1" name=""/>
+        <p:cNvGrpSpPr/>
+        <p:nvPr/>
+      </p:nvGrpSpPr>
+      <p:grpSpPr>
+        <a:xfrm>
+          <a:off x="0" y="0"/>
+          <a:ext cx="0" cy="0"/>
+          <a:chOff x="0" y="0"/>
+          <a:chExt cx="0" cy="0"/>
+        </a:xfrm>
+      </p:grpSpPr>
+      <p:pic>
+        <p:nvPicPr>
+          <p:cNvPr id="5" name="Picture 4"/>
+          <p:cNvPicPr>
+            <a:picLocks noChangeAspect="1"/>
+          </p:cNvPicPr>
+          <p:nvPr/>
+        </p:nvPicPr>
+        <p:blipFill>
+          <a:blip r:embed="rId3"/>
+          <a:stretch>
+            <a:fillRect/>
+          </a:stretch>
+        </p:blipFill>
+        <p:spPr>
+          <a:xfrm>
+            <a:off x="723900" y="1314424"/>
+            <a:ext cx="4961330" cy="5010176"/>
+          </a:xfrm>
+          <a:prstGeom prst="rect">
+            <a:avLst/>
+          </a:prstGeom>
+        </p:spPr>
+      </p:pic>
+      <p:sp>
+        <p:nvSpPr>
+          <p:cNvPr id="3" name="ZoneTexte 2"/>
+          <p:cNvSpPr txBox="1"/>
+          <p:nvPr/>
+        </p:nvSpPr>
+        <p:spPr>
+          <a:xfrm>
+            <a:off x="150470" y="246931"/>
+            <a:ext cx="2314937" cy="646331"/>
+          </a:xfrm>
+          <a:prstGeom prst="rect">
+            <a:avLst/>
+          </a:prstGeom>
+          <a:noFill/>
+        </p:spPr>
+        <p:txBody>
+          <a:bodyPr wrap="square" rtlCol="0">
+            <a:spAutoFit/>
+          </a:bodyPr>
+          <a:lstStyle/>
+          <a:p>
+            <a:pPr algn="ctr"/>
+            <a:r>
+              <a:rPr lang="fr-FR" dirty="0" err="1" smtClean="0">
+                <a:solidFill>
+                  <a:srgbClr val="FF0000"/>
+                </a:solidFill>
+              </a:rPr>
+              <a:t>What</a:t>
+            </a:r>
+            <a:r>
+              <a:rPr lang="fr-FR" dirty="0" smtClean="0">
+                <a:solidFill>
+                  <a:srgbClr val="FF0000"/>
+                </a:solidFill>
+              </a:rPr>
+              <a:t> </a:t>
+            </a:r>
+            <a:r>
+              <a:rPr lang="fr-FR" dirty="0" err="1" smtClean="0">
+                <a:solidFill>
+                  <a:srgbClr val="FF0000"/>
+                </a:solidFill>
+              </a:rPr>
+              <a:t>could</a:t>
+            </a:r>
+            <a:r>
+              <a:rPr lang="fr-FR" dirty="0" smtClean="0">
+                <a:solidFill>
+                  <a:srgbClr val="FF0000"/>
+                </a:solidFill>
+              </a:rPr>
+              <a:t> </a:t>
+            </a:r>
+            <a:r>
+              <a:rPr lang="fr-FR" dirty="0" err="1" smtClean="0">
+                <a:solidFill>
+                  <a:srgbClr val="FF0000"/>
+                </a:solidFill>
+              </a:rPr>
+              <a:t>be</a:t>
+            </a:r>
+            <a:r>
+              <a:rPr lang="fr-FR" dirty="0" smtClean="0">
+                <a:solidFill>
+                  <a:srgbClr val="FF0000"/>
+                </a:solidFill>
+              </a:rPr>
+              <a:t> </a:t>
+            </a:r>
+            <a:r>
+              <a:rPr lang="fr-FR" dirty="0" err="1" smtClean="0">
+                <a:solidFill>
+                  <a:srgbClr val="FF0000"/>
+                </a:solidFill>
+              </a:rPr>
+              <a:t>better</a:t>
+            </a:r>
+            <a:r>
+              <a:rPr lang="fr-FR" dirty="0" smtClean="0">
+                <a:solidFill>
+                  <a:srgbClr val="FF0000"/>
+                </a:solidFill>
+              </a:rPr>
+              <a:t> </a:t>
+            </a:r>
+            <a:r>
+              <a:rPr lang="fr-FR" dirty="0" err="1" smtClean="0">
+                <a:solidFill>
+                  <a:srgbClr val="FF0000"/>
+                </a:solidFill>
+              </a:rPr>
+              <a:t>here</a:t>
+            </a:r>
+            <a:r>
+              <a:rPr lang="fr-FR" dirty="0" smtClean="0">
+                <a:solidFill>
+                  <a:srgbClr val="FF0000"/>
+                </a:solidFill>
+              </a:rPr>
+              <a:t>?</a:t>
+            </a:r>
+            <a:endParaRPr lang="fr-FR" dirty="0" smtClean="0">
+              <a:solidFill>
+                <a:srgbClr val="FF0000"/>
+              </a:solidFill>
+            </a:endParaRPr>
+          </a:p>
+        </p:txBody>
+      </p:sp>
+    </p:spTree>
+    <p:extLst>
+      <p:ext uri="{BB962C8B-B14F-4D97-AF65-F5344CB8AC3E}">
+        <p14:creationId xmlns:p14="http://schemas.microsoft.com/office/powerpoint/2010/main" val="710214312"/>
+      </p:ext>
+    </p:extLst>
+  </p:cSld>
+  <p:clrMapOvr>
+    <a:masterClrMapping/>
+  </p:clrMapOvr>
+  <p:timing>
+    <p:tnLst>
+      <p:par>
+        <p:cTn id="1" dur="indefinite" restart="never" nodeType="tmRoot"/>
+      </p:par>
+    </p:tnLst>
+  </p:timing>
+</p:sld>
+</file>
+
+<file path=ppt/slides/slide8.xml><?xml version="1.0" encoding="utf-8"?>
+<p:sld xmlns:a="http://schemas.openxmlformats.org/drawingml/2006/main" xmlns:r="http://schemas.openxmlformats.org/officeDocument/2006/relationships" xmlns:p="http://schemas.openxmlformats.org/presentationml/2006/main">
+  <p:cSld>
+    <p:spTree>
+      <p:nvGrpSpPr>
+        <p:cNvPr id="1" name=""/>
+        <p:cNvGrpSpPr/>
+        <p:nvPr/>
+      </p:nvGrpSpPr>
+      <p:grpSpPr>
+        <a:xfrm>
+          <a:off x="0" y="0"/>
+          <a:ext cx="0" cy="0"/>
+          <a:chOff x="0" y="0"/>
+          <a:chExt cx="0" cy="0"/>
+        </a:xfrm>
+      </p:grpSpPr>
+      <p:pic>
+        <p:nvPicPr>
+          <p:cNvPr id="5" name="Picture 4"/>
+          <p:cNvPicPr>
+            <a:picLocks noChangeAspect="1"/>
+          </p:cNvPicPr>
+          <p:nvPr/>
+        </p:nvPicPr>
+        <p:blipFill>
+          <a:blip r:embed="rId3"/>
+          <a:stretch>
+            <a:fillRect/>
+          </a:stretch>
+        </p:blipFill>
+        <p:spPr>
+          <a:xfrm>
+            <a:off x="723900" y="1314424"/>
+            <a:ext cx="4961330" cy="5010176"/>
+          </a:xfrm>
+          <a:prstGeom prst="rect">
+            <a:avLst/>
+          </a:prstGeom>
+        </p:spPr>
+      </p:pic>
+      <p:pic>
+        <p:nvPicPr>
+          <p:cNvPr id="6" name="Picture 5"/>
+          <p:cNvPicPr>
+            <a:picLocks noChangeAspect="1"/>
+          </p:cNvPicPr>
+          <p:nvPr/>
+        </p:nvPicPr>
+        <p:blipFill>
+          <a:blip r:embed="rId4"/>
+          <a:stretch>
+            <a:fillRect/>
+          </a:stretch>
+        </p:blipFill>
+        <p:spPr>
+          <a:xfrm>
+            <a:off x="7111999" y="1482140"/>
+            <a:ext cx="4575139" cy="4674743"/>
+          </a:xfrm>
+          <a:prstGeom prst="rect">
+            <a:avLst/>
+          </a:prstGeom>
+        </p:spPr>
+      </p:pic>
+      <p:sp>
+        <p:nvSpPr>
+          <p:cNvPr id="7" name="ZoneTexte 3"/>
+          <p:cNvSpPr txBox="1"/>
+          <p:nvPr/>
+        </p:nvSpPr>
+        <p:spPr>
+          <a:xfrm>
+            <a:off x="723900" y="337457"/>
+            <a:ext cx="3644900" cy="369332"/>
+          </a:xfrm>
+          <a:prstGeom prst="rect">
+            <a:avLst/>
+          </a:prstGeom>
+          <a:noFill/>
+        </p:spPr>
+        <p:txBody>
+          <a:bodyPr wrap="square" rtlCol="0">
+            <a:spAutoFit/>
+          </a:bodyPr>
+          <a:lstStyle>
+            <a:defPPr>
+              <a:defRPr lang="fr-FR"/>
+            </a:defPPr>
+            <a:lvl1pPr algn="ctr">
+              <a:defRPr>
+                <a:solidFill>
+                  <a:srgbClr val="FF0000"/>
+                </a:solidFill>
+              </a:defRPr>
+            </a:lvl1pPr>
+          </a:lstStyle>
+          <a:p>
+            <a:r>
+              <a:rPr lang="fr-FR" dirty="0" err="1"/>
+              <a:t>Order</a:t>
+            </a:r>
+            <a:r>
+              <a:rPr lang="fr-FR" dirty="0"/>
+              <a:t> </a:t>
+            </a:r>
+            <a:r>
+              <a:rPr lang="fr-FR" dirty="0" err="1"/>
+              <a:t>your</a:t>
+            </a:r>
+            <a:r>
+              <a:rPr lang="fr-FR" dirty="0"/>
+              <a:t> data</a:t>
+            </a:r>
+            <a:endParaRPr lang="fr-FR" dirty="0"/>
+          </a:p>
+        </p:txBody>
+      </p:sp>
+    </p:spTree>
+    <p:extLst>
+      <p:ext uri="{BB962C8B-B14F-4D97-AF65-F5344CB8AC3E}">
+        <p14:creationId xmlns:p14="http://schemas.microsoft.com/office/powerpoint/2010/main" val="1520634395"/>
+      </p:ext>
+    </p:extLst>
+  </p:cSld>
+  <p:clrMapOvr>
+    <a:masterClrMapping/>
+  </p:clrMapOvr>
+  <p:timing>
+    <p:tnLst>
+      <p:par>
+        <p:cTn id="1" dur="indefinite" restart="never" nodeType="tmRoot"/>
+      </p:par>
+    </p:tnLst>
+  </p:timing>
+</p:sld>
+</file>
+
+<file path=ppt/slides/slide9.xml><?xml version="1.0" encoding="utf-8"?>
+<p:sld xmlns:a="http://schemas.openxmlformats.org/drawingml/2006/main" xmlns:r="http://schemas.openxmlformats.org/officeDocument/2006/relationships" xmlns:p="http://schemas.openxmlformats.org/presentationml/2006/main">
+  <p:cSld>
+    <p:spTree>
+      <p:nvGrpSpPr>
+        <p:cNvPr id="1" name=""/>
+        <p:cNvGrpSpPr/>
+        <p:nvPr/>
+      </p:nvGrpSpPr>
+      <p:grpSpPr>
+        <a:xfrm>
+          <a:off x="0" y="0"/>
+          <a:ext cx="0" cy="0"/>
+          <a:chOff x="0" y="0"/>
+          <a:chExt cx="0" cy="0"/>
+        </a:xfrm>
+      </p:grpSpPr>
+      <p:sp>
+        <p:nvSpPr>
+          <p:cNvPr id="3" name="Rectangle 2"/>
+          <p:cNvSpPr/>
+          <p:nvPr/>
+        </p:nvSpPr>
+        <p:spPr>
+          <a:xfrm>
+            <a:off x="1651000" y="863600"/>
+            <a:ext cx="2247900" cy="596900"/>
+          </a:xfrm>
+          <a:prstGeom prst="rect">
+            <a:avLst/>
+          </a:prstGeom>
+          <a:solidFill>
+            <a:schemeClr val="bg1"/>
+          </a:solidFill>
           <a:ln>
-            <a:solidFill>
-              <a:schemeClr val="bg2">
-                <a:lumMod val="50000"/>
-              </a:schemeClr>
-            </a:solidFill>
+            <a:noFill/>
           </a:ln>
         </p:spPr>
         <p:style>
-          <a:lnRef idx="1">
-            <a:schemeClr val="accent1"/>
+          <a:lnRef idx="2">
+            <a:schemeClr val="accent1">
+              <a:shade val="50000"/>
+            </a:schemeClr>
           </a:lnRef>
-          <a:fillRef idx="0">
+          <a:fillRef idx="1">
             <a:schemeClr val="accent1"/>
           </a:fillRef>
           <a:effectRef idx="0">
             <a:schemeClr val="accent1"/>
           </a:effectRef>
           <a:fontRef idx="minor">
-            <a:schemeClr val="tx1"/>
+            <a:schemeClr val="lt1"/>
           </a:fontRef>
         </p:style>
-      </p:cxnSp>
-      <p:sp>
-        <p:nvSpPr>
-          <p:cNvPr id="10" name="ZoneTexte 9"/>
-          <p:cNvSpPr txBox="1"/>
-          <p:nvPr/>
-        </p:nvSpPr>
-        <p:spPr>
-          <a:xfrm>
-            <a:off x="4969231" y="921784"/>
-            <a:ext cx="4814161" cy="646331"/>
-          </a:xfrm>
-          <a:prstGeom prst="rect">
-            <a:avLst/>
-          </a:prstGeom>
-          <a:noFill/>
-        </p:spPr>
-        <p:txBody>
-          <a:bodyPr wrap="square" rtlCol="0">
-            <a:spAutoFit/>
-          </a:bodyPr>
+        <p:txBody>
+          <a:bodyPr rtlCol="0" anchor="ctr"/>
           <a:lstStyle/>
           <a:p>
-            <a:r>
-              <a:rPr lang="fr-FR" sz="3600" dirty="0" err="1" smtClean="0"/>
-              <a:t>Thanks</a:t>
-            </a:r>
-            <a:endParaRPr lang="fr-FR" sz="3600" dirty="0"/>
-          </a:p>
-        </p:txBody>
-      </p:sp>
-      <p:sp>
-        <p:nvSpPr>
-          <p:cNvPr id="5" name="Rectangle 4">
-            <a:hlinkClick r:id="rId4"/>
-          </p:cNvPr>
-          <p:cNvSpPr/>
-          <p:nvPr/>
-        </p:nvSpPr>
-        <p:spPr>
-          <a:xfrm>
-            <a:off x="3437529" y="3137655"/>
-            <a:ext cx="1426994" cy="369332"/>
-          </a:xfrm>
-          <a:prstGeom prst="rect">
-            <a:avLst/>
-          </a:prstGeom>
-          <a:ln>
-            <a:solidFill>
-              <a:schemeClr val="accent1"/>
-            </a:solidFill>
-          </a:ln>
-        </p:spPr>
-        <p:txBody>
-          <a:bodyPr wrap="none">
-            <a:spAutoFit/>
-          </a:bodyPr>
-          <a:lstStyle/>
-          <a:p>
-            <a:r>
-              <a:rPr lang="en-AU" dirty="0" err="1" smtClean="0">
-                <a:solidFill>
-                  <a:schemeClr val="accent1">
-                    <a:lumMod val="75000"/>
-                  </a:schemeClr>
-                </a:solidFill>
-              </a:rPr>
-              <a:t>bit.ly</a:t>
-            </a:r>
-            <a:r>
-              <a:rPr lang="en-AU" dirty="0" smtClean="0">
-                <a:solidFill>
-                  <a:schemeClr val="accent1">
-                    <a:lumMod val="75000"/>
-                  </a:schemeClr>
-                </a:solidFill>
-              </a:rPr>
-              <a:t>/2SxJFlV</a:t>
-            </a:r>
-            <a:endParaRPr lang="en-AU" dirty="0">
-              <a:solidFill>
-                <a:schemeClr val="accent1">
-                  <a:lumMod val="75000"/>
-                </a:schemeClr>
-              </a:solidFill>
-            </a:endParaRPr>
-          </a:p>
-        </p:txBody>
-      </p:sp>
-      <p:sp>
-        <p:nvSpPr>
-          <p:cNvPr id="2" name="Rectangle 1"/>
-          <p:cNvSpPr/>
-          <p:nvPr/>
-        </p:nvSpPr>
-        <p:spPr>
-          <a:xfrm>
-            <a:off x="2020910" y="3060711"/>
-            <a:ext cx="1117614" cy="523220"/>
-          </a:xfrm>
-          <a:prstGeom prst="rect">
-            <a:avLst/>
-          </a:prstGeom>
-        </p:spPr>
-        <p:txBody>
-          <a:bodyPr wrap="none">
-            <a:spAutoFit/>
-          </a:bodyPr>
-          <a:lstStyle/>
-          <a:p>
-            <a:r>
-              <a:rPr lang="fr-FR" sz="2800" dirty="0" smtClean="0"/>
-              <a:t>Slides:</a:t>
-            </a:r>
-            <a:endParaRPr lang="fr-FR" sz="2800" dirty="0"/>
-          </a:p>
-        </p:txBody>
-      </p:sp>
-      <p:sp>
-        <p:nvSpPr>
-          <p:cNvPr id="7" name="Rectangle 6">
-            <a:hlinkClick r:id="rId5"/>
-          </p:cNvPr>
-          <p:cNvSpPr/>
-          <p:nvPr/>
-        </p:nvSpPr>
-        <p:spPr>
-          <a:xfrm>
-            <a:off x="3437529" y="3949007"/>
-            <a:ext cx="1543051" cy="369332"/>
-          </a:xfrm>
-          <a:prstGeom prst="rect">
-            <a:avLst/>
-          </a:prstGeom>
-          <a:ln>
-            <a:solidFill>
-              <a:schemeClr val="accent1"/>
-            </a:solidFill>
-          </a:ln>
-        </p:spPr>
-        <p:txBody>
-          <a:bodyPr wrap="none">
-            <a:spAutoFit/>
-          </a:bodyPr>
-          <a:lstStyle/>
-          <a:p>
-            <a:r>
-              <a:rPr lang="fr-FR" dirty="0" err="1">
-                <a:solidFill>
-                  <a:schemeClr val="accent1">
-                    <a:lumMod val="75000"/>
-                  </a:schemeClr>
-                </a:solidFill>
-              </a:rPr>
-              <a:t>bit.ly</a:t>
-            </a:r>
-            <a:r>
-              <a:rPr lang="fr-FR" dirty="0">
-                <a:solidFill>
-                  <a:schemeClr val="accent1">
-                    <a:lumMod val="75000"/>
-                  </a:schemeClr>
-                </a:solidFill>
-              </a:rPr>
-              <a:t>/2AZySd9</a:t>
-            </a:r>
-            <a:endParaRPr lang="en-AU" dirty="0">
-              <a:solidFill>
-                <a:schemeClr val="accent1">
-                  <a:lumMod val="75000"/>
-                </a:schemeClr>
-              </a:solidFill>
-            </a:endParaRPr>
-          </a:p>
-        </p:txBody>
-      </p:sp>
-      <p:sp>
-        <p:nvSpPr>
-          <p:cNvPr id="11" name="Rectangle 10"/>
-          <p:cNvSpPr/>
-          <p:nvPr/>
-        </p:nvSpPr>
-        <p:spPr>
-          <a:xfrm>
-            <a:off x="1106906" y="3871809"/>
-            <a:ext cx="2113372" cy="523220"/>
-          </a:xfrm>
-          <a:prstGeom prst="rect">
-            <a:avLst/>
-          </a:prstGeom>
-        </p:spPr>
-        <p:txBody>
-          <a:bodyPr wrap="square">
-            <a:spAutoFit/>
-          </a:bodyPr>
-          <a:lstStyle/>
-          <a:p>
-            <a:r>
-              <a:rPr lang="fr-FR" sz="2800" dirty="0" err="1" smtClean="0"/>
-              <a:t>Cheat</a:t>
-            </a:r>
-            <a:r>
-              <a:rPr lang="fr-FR" sz="2800" dirty="0" smtClean="0"/>
-              <a:t> </a:t>
-            </a:r>
-            <a:r>
-              <a:rPr lang="fr-FR" sz="2800" dirty="0" err="1" smtClean="0"/>
-              <a:t>Sheet</a:t>
-            </a:r>
-            <a:r>
-              <a:rPr lang="fr-FR" sz="2800" dirty="0" smtClean="0"/>
-              <a:t>:</a:t>
-            </a:r>
-            <a:endParaRPr lang="fr-FR" sz="2800" dirty="0"/>
-          </a:p>
-        </p:txBody>
-      </p:sp>
-      <p:sp>
-        <p:nvSpPr>
-          <p:cNvPr id="12" name="Rectangle 11">
-            <a:hlinkClick r:id="rId6"/>
-          </p:cNvPr>
-          <p:cNvSpPr/>
-          <p:nvPr/>
-        </p:nvSpPr>
-        <p:spPr>
-          <a:xfrm>
-            <a:off x="3437529" y="4760359"/>
-            <a:ext cx="1625510" cy="369332"/>
-          </a:xfrm>
-          <a:prstGeom prst="rect">
-            <a:avLst/>
-          </a:prstGeom>
-          <a:ln>
-            <a:solidFill>
-              <a:schemeClr val="accent1"/>
-            </a:solidFill>
-          </a:ln>
-        </p:spPr>
-        <p:txBody>
-          <a:bodyPr wrap="none">
-            <a:spAutoFit/>
-          </a:bodyPr>
-          <a:lstStyle/>
-          <a:p>
-            <a:r>
-              <a:rPr lang="fr-FR" dirty="0" err="1">
-                <a:solidFill>
-                  <a:schemeClr val="accent1">
-                    <a:lumMod val="75000"/>
-                  </a:schemeClr>
-                </a:solidFill>
-              </a:rPr>
-              <a:t>bit.ly</a:t>
-            </a:r>
-            <a:r>
-              <a:rPr lang="fr-FR" dirty="0">
-                <a:solidFill>
-                  <a:schemeClr val="accent1">
-                    <a:lumMod val="75000"/>
-                  </a:schemeClr>
-                </a:solidFill>
-              </a:rPr>
-              <a:t>/2QDX7Hz</a:t>
-            </a:r>
-            <a:endParaRPr lang="en-AU" dirty="0">
-              <a:solidFill>
-                <a:schemeClr val="accent1">
-                  <a:lumMod val="75000"/>
-                </a:schemeClr>
-              </a:solidFill>
-            </a:endParaRPr>
-          </a:p>
-        </p:txBody>
-      </p:sp>
-      <p:sp>
-        <p:nvSpPr>
-          <p:cNvPr id="13" name="Rectangle 12"/>
-          <p:cNvSpPr/>
-          <p:nvPr/>
-        </p:nvSpPr>
-        <p:spPr>
-          <a:xfrm>
-            <a:off x="906887" y="4692408"/>
-            <a:ext cx="2231637" cy="523220"/>
-          </a:xfrm>
-          <a:prstGeom prst="rect">
-            <a:avLst/>
-          </a:prstGeom>
-        </p:spPr>
-        <p:txBody>
-          <a:bodyPr wrap="none">
-            <a:spAutoFit/>
-          </a:bodyPr>
-          <a:lstStyle/>
-          <a:p>
-            <a:r>
-              <a:rPr lang="fr-FR" sz="2800" dirty="0" err="1" smtClean="0"/>
-              <a:t>Pimp</a:t>
-            </a:r>
-            <a:r>
-              <a:rPr lang="fr-FR" sz="2800" dirty="0" smtClean="0"/>
-              <a:t> </a:t>
-            </a:r>
-            <a:r>
-              <a:rPr lang="fr-FR" sz="2800" dirty="0" err="1" smtClean="0"/>
-              <a:t>my</a:t>
-            </a:r>
-            <a:r>
-              <a:rPr lang="fr-FR" sz="2800" dirty="0" smtClean="0"/>
-              <a:t> </a:t>
-            </a:r>
-            <a:r>
-              <a:rPr lang="fr-FR" sz="2800" dirty="0" err="1" smtClean="0"/>
-              <a:t>rmd</a:t>
-            </a:r>
-            <a:r>
-              <a:rPr lang="fr-FR" sz="2800" dirty="0" smtClean="0"/>
-              <a:t>:</a:t>
-            </a:r>
-            <a:endParaRPr lang="fr-FR" sz="2800" dirty="0"/>
-          </a:p>
-        </p:txBody>
-      </p:sp>
-      <p:sp>
-        <p:nvSpPr>
-          <p:cNvPr id="14" name="TextBox 6"/>
-          <p:cNvSpPr txBox="1"/>
-          <p:nvPr/>
-        </p:nvSpPr>
-        <p:spPr>
-          <a:xfrm>
-            <a:off x="7703068" y="2759996"/>
-            <a:ext cx="3485856" cy="1200329"/>
-          </a:xfrm>
-          <a:prstGeom prst="rect">
-            <a:avLst/>
-          </a:prstGeom>
-          <a:noFill/>
-        </p:spPr>
-        <p:txBody>
-          <a:bodyPr wrap="square" rtlCol="0">
-            <a:spAutoFit/>
-          </a:bodyPr>
-          <a:lstStyle/>
-          <a:p>
-            <a:r>
-              <a:rPr lang="en-US" sz="2400" dirty="0" smtClean="0">
-                <a:hlinkClick r:id="rId7"/>
-              </a:rPr>
-              <a:t>Yan.holtz.data@gmail.com</a:t>
-            </a:r>
-            <a:endParaRPr lang="en-US" sz="2400" dirty="0" smtClean="0"/>
-          </a:p>
-          <a:p>
-            <a:endParaRPr lang="en-US" sz="2400" dirty="0"/>
-          </a:p>
-          <a:p>
-            <a:r>
-              <a:rPr lang="en-US" sz="2400" dirty="0" err="1" smtClean="0"/>
-              <a:t>www.yan-holtz.com</a:t>
-            </a:r>
-            <a:endParaRPr lang="en-US" sz="2400" dirty="0"/>
+            <a:pPr algn="ctr"/>
+            <a:endParaRPr lang="en-AU"/>
           </a:p>
         </p:txBody>
       </p:sp>
       <p:pic>
         <p:nvPicPr>
-          <p:cNvPr id="15" name="Picture 8"/>
+          <p:cNvPr id="4" name="Picture 3"/>
           <p:cNvPicPr>
             <a:picLocks noChangeAspect="1"/>
           </p:cNvPicPr>
           <p:nvPr/>
         </p:nvPicPr>
         <p:blipFill>
-          <a:blip r:embed="rId8"/>
+          <a:blip r:embed="rId2"/>
           <a:stretch>
             <a:fillRect/>
           </a:stretch>
         </p:blipFill>
         <p:spPr>
           <a:xfrm>
-            <a:off x="6866161" y="4242277"/>
-            <a:ext cx="406182" cy="363025"/>
+            <a:off x="1917700" y="1460500"/>
+            <a:ext cx="9442450" cy="3918567"/>
           </a:xfrm>
           <a:prstGeom prst="rect">
             <a:avLst/>
           </a:prstGeom>
         </p:spPr>
       </p:pic>
-      <p:pic>
-        <p:nvPicPr>
-          <p:cNvPr id="16" name="Picture 9"/>
-          <p:cNvPicPr>
-            <a:picLocks noChangeAspect="1"/>
-          </p:cNvPicPr>
-          <p:nvPr/>
-        </p:nvPicPr>
-        <p:blipFill>
-          <a:blip r:embed="rId9"/>
-          <a:stretch>
-            <a:fillRect/>
-          </a:stretch>
-        </p:blipFill>
-        <p:spPr>
-          <a:xfrm>
-            <a:off x="6866161" y="2839447"/>
-            <a:ext cx="379473" cy="294937"/>
-          </a:xfrm>
-          <a:prstGeom prst="rect">
-            <a:avLst/>
-          </a:prstGeom>
-        </p:spPr>
-      </p:pic>
-      <p:sp>
-        <p:nvSpPr>
-          <p:cNvPr id="17" name="TextBox 11"/>
+      <p:sp>
+        <p:nvSpPr>
+          <p:cNvPr id="5" name="ZoneTexte 3"/>
           <p:cNvSpPr txBox="1"/>
           <p:nvPr/>
         </p:nvSpPr>
         <p:spPr>
           <a:xfrm>
-            <a:off x="7511253" y="4198897"/>
-            <a:ext cx="3485856" cy="1200329"/>
+            <a:off x="723900" y="337457"/>
+            <a:ext cx="3644900" cy="369332"/>
           </a:xfrm>
           <a:prstGeom prst="rect">
             <a:avLst/>
@@ -4542,101 +9850,51 @@
           <a:bodyPr wrap="square" rtlCol="0">
             <a:spAutoFit/>
           </a:bodyPr>
-          <a:lstStyle/>
-          <a:p>
-            <a:r>
-              <a:rPr lang="en-US" sz="2400" dirty="0" smtClean="0"/>
-              <a:t>@</a:t>
-            </a:r>
-            <a:r>
-              <a:rPr lang="en-US" sz="2400" dirty="0" err="1" smtClean="0"/>
-              <a:t>R_Graph_Gallery</a:t>
-            </a:r>
-            <a:r>
-              <a:rPr lang="en-US" sz="2400" dirty="0" smtClean="0"/>
+          <a:lstStyle>
+            <a:defPPr>
+              <a:defRPr lang="fr-FR"/>
+            </a:defPPr>
+            <a:lvl1pPr algn="ctr">
+              <a:defRPr>
+                <a:solidFill>
+                  <a:srgbClr val="FF0000"/>
+                </a:solidFill>
+              </a:defRPr>
+            </a:lvl1pPr>
+          </a:lstStyle>
+          <a:p>
+            <a:r>
+              <a:rPr lang="fr-FR" dirty="0" err="1" smtClean="0"/>
+              <a:t>Anything</a:t>
+            </a:r>
+            <a:r>
+              <a:rPr lang="fr-FR" dirty="0" smtClean="0"/>
               <a:t> </a:t>
             </a:r>
-          </a:p>
-          <a:p>
-            <a:endParaRPr lang="en-US" sz="2400" dirty="0"/>
-          </a:p>
-          <a:p>
-            <a:r>
-              <a:rPr lang="en-US" sz="2400" dirty="0" smtClean="0">
-                <a:hlinkClick r:id="rId7"/>
-              </a:rPr>
-              <a:t>github.com/holtzy</a:t>
-            </a:r>
-            <a:endParaRPr lang="en-US" sz="2400" dirty="0">
-              <a:hlinkClick r:id="rId7"/>
-            </a:endParaRPr>
-          </a:p>
-        </p:txBody>
-      </p:sp>
-      <p:pic>
-        <p:nvPicPr>
-          <p:cNvPr id="18" name="Picture 14"/>
-          <p:cNvPicPr>
-            <a:picLocks noChangeAspect="1"/>
-          </p:cNvPicPr>
-          <p:nvPr/>
-        </p:nvPicPr>
-        <p:blipFill>
-          <a:blip r:embed="rId10">
-            <a:extLst>
-              <a:ext uri="{28A0092B-C50C-407E-A947-70E740481C1C}">
-                <a14:useLocalDpi xmlns:a14="http://schemas.microsoft.com/office/drawing/2010/main" val="0"/>
-              </a:ext>
-            </a:extLst>
-          </a:blip>
-          <a:stretch>
-            <a:fillRect/>
-          </a:stretch>
-        </p:blipFill>
-        <p:spPr>
-          <a:xfrm>
-            <a:off x="6892566" y="3477725"/>
-            <a:ext cx="390782" cy="398756"/>
-          </a:xfrm>
-          <a:prstGeom prst="rect">
-            <a:avLst/>
-          </a:prstGeom>
-        </p:spPr>
-      </p:pic>
-      <p:pic>
-        <p:nvPicPr>
-          <p:cNvPr id="19" name="Image 18"/>
-          <p:cNvPicPr>
-            <a:picLocks noChangeAspect="1"/>
-          </p:cNvPicPr>
-          <p:nvPr/>
-        </p:nvPicPr>
-        <p:blipFill>
-          <a:blip r:embed="rId11">
-            <a:extLst>
-              <a:ext uri="{28A0092B-C50C-407E-A947-70E740481C1C}">
-                <a14:useLocalDpi xmlns:a14="http://schemas.microsoft.com/office/drawing/2010/main" val="0"/>
-              </a:ext>
-            </a:extLst>
-          </a:blip>
-          <a:stretch>
-            <a:fillRect/>
-          </a:stretch>
-        </p:blipFill>
-        <p:spPr>
-          <a:xfrm>
-            <a:off x="6844972" y="4916626"/>
-            <a:ext cx="466558" cy="466558"/>
-          </a:xfrm>
-          <a:prstGeom prst="rect">
-            <a:avLst/>
-          </a:prstGeom>
-        </p:spPr>
-      </p:pic>
+            <a:r>
+              <a:rPr lang="fr-FR" dirty="0" err="1" smtClean="0"/>
+              <a:t>wrong</a:t>
+            </a:r>
+            <a:r>
+              <a:rPr lang="fr-FR" dirty="0" smtClean="0"/>
+              <a:t> </a:t>
+            </a:r>
+            <a:r>
+              <a:rPr lang="fr-FR" dirty="0" err="1" smtClean="0"/>
+              <a:t>here</a:t>
+            </a:r>
+            <a:r>
+              <a:rPr lang="fr-FR" dirty="0" smtClean="0"/>
+              <a:t>?</a:t>
+            </a:r>
+            <a:endParaRPr lang="fr-FR" dirty="0"/>
+          </a:p>
+        </p:txBody>
+      </p:sp>
     </p:spTree>
     <p:extLst>
       <p:ext uri="{BB962C8B-B14F-4D97-AF65-F5344CB8AC3E}">
-        <p14:creationId xmlns:p14="http://schemas.microsoft.com/office/powerpoint/2010/main" val="565921796"/>
+        <p14:creationId xmlns:p14="http://schemas.microsoft.com/office/powerpoint/2010/main" val="1917105407"/>
       </p:ext>
     </p:extLst>
   </p:cSld>

--- a/Dataviz_Caveats.pptx
+++ b/Dataviz_Caveats.pptx
@@ -22,7 +22,7 @@
     <p:sldId id="300" r:id="rId13"/>
     <p:sldId id="291" r:id="rId14"/>
     <p:sldId id="301" r:id="rId15"/>
-    <p:sldId id="292" r:id="rId16"/>
+    <p:sldId id="315" r:id="rId16"/>
     <p:sldId id="293" r:id="rId17"/>
     <p:sldId id="294" r:id="rId18"/>
     <p:sldId id="295" r:id="rId19"/>
@@ -227,7 +227,7 @@
           <a:p>
             <a:fld id="{DE24B45D-B38B-5348-97F2-91F5A5915D4C}" type="datetimeFigureOut">
               <a:rPr lang="en-AU" smtClean="0"/>
-              <a:t>12/3/19</a:t>
+              <a:t>19/3/19</a:t>
             </a:fld>
             <a:endParaRPr lang="en-AU"/>
           </a:p>
@@ -1214,7 +1214,7 @@
           <a:p>
             <a:fld id="{95F34277-3EED-7A4D-A803-67027078CA3E}" type="datetimeFigureOut">
               <a:rPr lang="fr-FR" smtClean="0"/>
-              <a:t>12/03/2019</a:t>
+              <a:t>19/03/2019</a:t>
             </a:fld>
             <a:endParaRPr lang="fr-FR"/>
           </a:p>
@@ -1384,7 +1384,7 @@
           <a:p>
             <a:fld id="{95F34277-3EED-7A4D-A803-67027078CA3E}" type="datetimeFigureOut">
               <a:rPr lang="fr-FR" smtClean="0"/>
-              <a:t>12/03/2019</a:t>
+              <a:t>19/03/2019</a:t>
             </a:fld>
             <a:endParaRPr lang="fr-FR"/>
           </a:p>
@@ -1564,7 +1564,7 @@
           <a:p>
             <a:fld id="{95F34277-3EED-7A4D-A803-67027078CA3E}" type="datetimeFigureOut">
               <a:rPr lang="fr-FR" smtClean="0"/>
-              <a:t>12/03/2019</a:t>
+              <a:t>19/03/2019</a:t>
             </a:fld>
             <a:endParaRPr lang="fr-FR"/>
           </a:p>
@@ -1734,7 +1734,7 @@
           <a:p>
             <a:fld id="{95F34277-3EED-7A4D-A803-67027078CA3E}" type="datetimeFigureOut">
               <a:rPr lang="fr-FR" smtClean="0"/>
-              <a:t>12/03/2019</a:t>
+              <a:t>19/03/2019</a:t>
             </a:fld>
             <a:endParaRPr lang="fr-FR"/>
           </a:p>
@@ -1980,7 +1980,7 @@
           <a:p>
             <a:fld id="{95F34277-3EED-7A4D-A803-67027078CA3E}" type="datetimeFigureOut">
               <a:rPr lang="fr-FR" smtClean="0"/>
-              <a:t>12/03/2019</a:t>
+              <a:t>19/03/2019</a:t>
             </a:fld>
             <a:endParaRPr lang="fr-FR"/>
           </a:p>
@@ -2212,7 +2212,7 @@
           <a:p>
             <a:fld id="{95F34277-3EED-7A4D-A803-67027078CA3E}" type="datetimeFigureOut">
               <a:rPr lang="fr-FR" smtClean="0"/>
-              <a:t>12/03/2019</a:t>
+              <a:t>19/03/2019</a:t>
             </a:fld>
             <a:endParaRPr lang="fr-FR"/>
           </a:p>
@@ -2579,7 +2579,7 @@
           <a:p>
             <a:fld id="{95F34277-3EED-7A4D-A803-67027078CA3E}" type="datetimeFigureOut">
               <a:rPr lang="fr-FR" smtClean="0"/>
-              <a:t>12/03/2019</a:t>
+              <a:t>19/03/2019</a:t>
             </a:fld>
             <a:endParaRPr lang="fr-FR"/>
           </a:p>
@@ -2697,7 +2697,7 @@
           <a:p>
             <a:fld id="{95F34277-3EED-7A4D-A803-67027078CA3E}" type="datetimeFigureOut">
               <a:rPr lang="fr-FR" smtClean="0"/>
-              <a:t>12/03/2019</a:t>
+              <a:t>19/03/2019</a:t>
             </a:fld>
             <a:endParaRPr lang="fr-FR"/>
           </a:p>
@@ -2792,7 +2792,7 @@
           <a:p>
             <a:fld id="{95F34277-3EED-7A4D-A803-67027078CA3E}" type="datetimeFigureOut">
               <a:rPr lang="fr-FR" smtClean="0"/>
-              <a:t>12/03/2019</a:t>
+              <a:t>19/03/2019</a:t>
             </a:fld>
             <a:endParaRPr lang="fr-FR"/>
           </a:p>
@@ -3069,7 +3069,7 @@
           <a:p>
             <a:fld id="{95F34277-3EED-7A4D-A803-67027078CA3E}" type="datetimeFigureOut">
               <a:rPr lang="fr-FR" smtClean="0"/>
-              <a:t>12/03/2019</a:t>
+              <a:t>19/03/2019</a:t>
             </a:fld>
             <a:endParaRPr lang="fr-FR"/>
           </a:p>
@@ -3322,7 +3322,7 @@
           <a:p>
             <a:fld id="{95F34277-3EED-7A4D-A803-67027078CA3E}" type="datetimeFigureOut">
               <a:rPr lang="fr-FR" smtClean="0"/>
-              <a:t>12/03/2019</a:t>
+              <a:t>19/03/2019</a:t>
             </a:fld>
             <a:endParaRPr lang="fr-FR"/>
           </a:p>
@@ -3535,7 +3535,7 @@
           <a:p>
             <a:fld id="{95F34277-3EED-7A4D-A803-67027078CA3E}" type="datetimeFigureOut">
               <a:rPr lang="fr-FR" smtClean="0"/>
-              <a:t>12/03/2019</a:t>
+              <a:t>19/03/2019</a:t>
             </a:fld>
             <a:endParaRPr lang="fr-FR"/>
           </a:p>
@@ -5547,31 +5547,7 @@
                   <a:srgbClr val="FF0000"/>
                 </a:solidFill>
               </a:rPr>
-              <a:t>The </a:t>
-            </a:r>
-            <a:r>
-              <a:rPr lang="fr-FR" sz="2800" dirty="0">
-                <a:solidFill>
-                  <a:srgbClr val="FF0000"/>
-                </a:solidFill>
-              </a:rPr>
-              <a:t>Spaghetti</a:t>
-            </a:r>
-            <a:r>
-              <a:rPr lang="fr-FR" sz="2800" dirty="0">
-                <a:solidFill>
-                  <a:srgbClr val="FF0000"/>
-                </a:solidFill>
-              </a:rPr>
-              <a:t> </a:t>
-            </a:r>
-            <a:r>
-              <a:rPr lang="fr-FR" sz="2800" dirty="0">
-                <a:solidFill>
-                  <a:srgbClr val="FF0000"/>
-                </a:solidFill>
-              </a:rPr>
-              <a:t>chart</a:t>
+              <a:t>The Spaghetti chart</a:t>
             </a:r>
           </a:p>
           <a:p>
@@ -5667,7 +5643,7 @@
     </p:spTree>
     <p:extLst>
       <p:ext uri="{BB962C8B-B14F-4D97-AF65-F5344CB8AC3E}">
-        <p14:creationId xmlns:p14="http://schemas.microsoft.com/office/powerpoint/2010/main" val="1585004655"/>
+        <p14:creationId xmlns:p14="http://schemas.microsoft.com/office/powerpoint/2010/main" val="1723174931"/>
       </p:ext>
     </p:extLst>
   </p:cSld>
@@ -5846,23 +5822,7 @@
                   <a:srgbClr val="FF0000"/>
                 </a:solidFill>
               </a:rPr>
-              <a:t> t</a:t>
-            </a:r>
-            <a:r>
-              <a:rPr lang="fr-FR" sz="2800" dirty="0">
-                <a:solidFill>
-                  <a:srgbClr val="FF0000"/>
-                </a:solidFill>
-              </a:rPr>
-              <a:t>he aspect </a:t>
-            </a:r>
-            <a:r>
-              <a:rPr lang="fr-FR" sz="2800" dirty="0">
-                <a:solidFill>
-                  <a:srgbClr val="FF0000"/>
-                </a:solidFill>
-              </a:rPr>
-              <a:t>ratio</a:t>
+              <a:t> the aspect ratio</a:t>
             </a:r>
           </a:p>
           <a:p>
@@ -6304,11 +6264,6 @@
               </a:rPr>
               <a:t> chart?</a:t>
             </a:r>
-            <a:endParaRPr lang="fr-FR" dirty="0" smtClean="0">
-              <a:solidFill>
-                <a:srgbClr val="FF0000"/>
-              </a:solidFill>
-            </a:endParaRPr>
           </a:p>
         </p:txBody>
       </p:sp>
@@ -6653,23 +6608,7 @@
                   <a:srgbClr val="FF0000"/>
                 </a:solidFill>
               </a:rPr>
-              <a:t>Size</a:t>
-            </a:r>
-            <a:r>
-              <a:rPr lang="en-AU" sz="2400" dirty="0">
-                <a:solidFill>
-                  <a:srgbClr val="FF0000"/>
-                </a:solidFill>
-              </a:rPr>
-              <a:t> = </a:t>
-            </a:r>
-            <a:r>
-              <a:rPr lang="en-AU" sz="2400" dirty="0">
-                <a:solidFill>
-                  <a:srgbClr val="FF0000"/>
-                </a:solidFill>
-              </a:rPr>
-              <a:t>radius</a:t>
+              <a:t>Size = radius</a:t>
             </a:r>
           </a:p>
         </p:txBody>
@@ -6703,15 +6642,7 @@
                   <a:srgbClr val="FF0000"/>
                 </a:solidFill>
               </a:rPr>
-              <a:t>Size</a:t>
-            </a:r>
-            <a:r>
-              <a:rPr lang="en-AU" sz="2400" dirty="0">
-                <a:solidFill>
-                  <a:srgbClr val="FF0000"/>
-                </a:solidFill>
-              </a:rPr>
-              <a:t> = </a:t>
+              <a:t>Size = </a:t>
             </a:r>
             <a:r>
               <a:rPr lang="en-AU" sz="2400" dirty="0" smtClean="0">
@@ -6861,23 +6792,7 @@
                   <a:srgbClr val="FF0000"/>
                 </a:solidFill>
               </a:rPr>
-              <a:t>Size</a:t>
-            </a:r>
-            <a:r>
-              <a:rPr lang="en-AU" sz="2400" dirty="0">
-                <a:solidFill>
-                  <a:srgbClr val="FF0000"/>
-                </a:solidFill>
-              </a:rPr>
-              <a:t> = </a:t>
-            </a:r>
-            <a:r>
-              <a:rPr lang="en-AU" sz="2400" dirty="0">
-                <a:solidFill>
-                  <a:srgbClr val="FF0000"/>
-                </a:solidFill>
-              </a:rPr>
-              <a:t>radius</a:t>
+              <a:t>Size = radius</a:t>
             </a:r>
           </a:p>
         </p:txBody>
@@ -6911,15 +6826,7 @@
                   <a:srgbClr val="FF0000"/>
                 </a:solidFill>
               </a:rPr>
-              <a:t>Size</a:t>
-            </a:r>
-            <a:r>
-              <a:rPr lang="en-AU" sz="2400" dirty="0">
-                <a:solidFill>
-                  <a:srgbClr val="FF0000"/>
-                </a:solidFill>
-              </a:rPr>
-              <a:t> = </a:t>
+              <a:t>Size = </a:t>
             </a:r>
             <a:r>
               <a:rPr lang="en-AU" sz="2400" dirty="0" smtClean="0">
@@ -8096,7 +8003,6 @@
               <a:rPr lang="fr-FR" dirty="0"/>
               <a:t>Pie chart</a:t>
             </a:r>
-            <a:endParaRPr lang="fr-FR" dirty="0"/>
           </a:p>
         </p:txBody>
       </p:sp>
@@ -9577,11 +9483,6 @@
               </a:rPr>
               <a:t>?</a:t>
             </a:r>
-            <a:endParaRPr lang="fr-FR" dirty="0" smtClean="0">
-              <a:solidFill>
-                <a:srgbClr val="FF0000"/>
-              </a:solidFill>
-            </a:endParaRPr>
           </a:p>
         </p:txBody>
       </p:sp>
@@ -9719,7 +9620,6 @@
               <a:rPr lang="fr-FR" dirty="0"/>
               <a:t> data</a:t>
             </a:r>
-            <a:endParaRPr lang="fr-FR" dirty="0"/>
           </a:p>
         </p:txBody>
       </p:sp>
